--- a/Intro_CS_presentation.pptx
+++ b/Intro_CS_presentation.pptx
@@ -5,36 +5,38 @@
     <p:sldMasterId id="2147483820" r:id="rId1"/>
   </p:sldMasterIdLst>
   <p:notesMasterIdLst>
-    <p:notesMasterId r:id="rId29"/>
+    <p:notesMasterId r:id="rId31"/>
   </p:notesMasterIdLst>
   <p:sldIdLst>
     <p:sldId id="256" r:id="rId2"/>
     <p:sldId id="257" r:id="rId3"/>
     <p:sldId id="259" r:id="rId4"/>
-    <p:sldId id="262" r:id="rId5"/>
-    <p:sldId id="263" r:id="rId6"/>
-    <p:sldId id="273" r:id="rId7"/>
-    <p:sldId id="260" r:id="rId8"/>
-    <p:sldId id="270" r:id="rId9"/>
-    <p:sldId id="267" r:id="rId10"/>
-    <p:sldId id="271" r:id="rId11"/>
-    <p:sldId id="274" r:id="rId12"/>
-    <p:sldId id="276" r:id="rId13"/>
-    <p:sldId id="293" r:id="rId14"/>
-    <p:sldId id="279" r:id="rId15"/>
-    <p:sldId id="294" r:id="rId16"/>
-    <p:sldId id="278" r:id="rId17"/>
-    <p:sldId id="280" r:id="rId18"/>
-    <p:sldId id="281" r:id="rId19"/>
-    <p:sldId id="282" r:id="rId20"/>
-    <p:sldId id="286" r:id="rId21"/>
-    <p:sldId id="284" r:id="rId22"/>
-    <p:sldId id="287" r:id="rId23"/>
-    <p:sldId id="289" r:id="rId24"/>
-    <p:sldId id="290" r:id="rId25"/>
-    <p:sldId id="291" r:id="rId26"/>
-    <p:sldId id="288" r:id="rId27"/>
-    <p:sldId id="295" r:id="rId28"/>
+    <p:sldId id="297" r:id="rId5"/>
+    <p:sldId id="262" r:id="rId6"/>
+    <p:sldId id="263" r:id="rId7"/>
+    <p:sldId id="273" r:id="rId8"/>
+    <p:sldId id="260" r:id="rId9"/>
+    <p:sldId id="270" r:id="rId10"/>
+    <p:sldId id="267" r:id="rId11"/>
+    <p:sldId id="271" r:id="rId12"/>
+    <p:sldId id="274" r:id="rId13"/>
+    <p:sldId id="276" r:id="rId14"/>
+    <p:sldId id="293" r:id="rId15"/>
+    <p:sldId id="279" r:id="rId16"/>
+    <p:sldId id="294" r:id="rId17"/>
+    <p:sldId id="278" r:id="rId18"/>
+    <p:sldId id="280" r:id="rId19"/>
+    <p:sldId id="281" r:id="rId20"/>
+    <p:sldId id="282" r:id="rId21"/>
+    <p:sldId id="299" r:id="rId22"/>
+    <p:sldId id="286" r:id="rId23"/>
+    <p:sldId id="284" r:id="rId24"/>
+    <p:sldId id="287" r:id="rId25"/>
+    <p:sldId id="289" r:id="rId26"/>
+    <p:sldId id="290" r:id="rId27"/>
+    <p:sldId id="291" r:id="rId28"/>
+    <p:sldId id="288" r:id="rId29"/>
+    <p:sldId id="295" r:id="rId30"/>
   </p:sldIdLst>
   <p:sldSz cx="9144000" cy="6858000" type="screen4x3"/>
   <p:notesSz cx="6858000" cy="9144000"/>
@@ -551,7 +553,7 @@
           <a:p>
             <a:fld id="{7F48BBF3-F816-8440-A84B-F0EBBCAB8E8F}" type="slidenum">
               <a:rPr kumimoji="1" lang="zh-TW" altLang="en-US" smtClean="0"/>
-              <a:t>5</a:t>
+              <a:t>6</a:t>
             </a:fld>
             <a:endParaRPr kumimoji="1" lang="zh-TW" altLang="en-US"/>
           </a:p>
@@ -635,7 +637,7 @@
           <a:p>
             <a:fld id="{7F48BBF3-F816-8440-A84B-F0EBBCAB8E8F}" type="slidenum">
               <a:rPr kumimoji="1" lang="zh-TW" altLang="en-US" smtClean="0"/>
-              <a:t>6</a:t>
+              <a:t>7</a:t>
             </a:fld>
             <a:endParaRPr kumimoji="1" lang="zh-TW" altLang="en-US"/>
           </a:p>
@@ -6285,6 +6287,392 @@
                 <a:latin typeface="Bank Gothic"/>
                 <a:cs typeface="Bank Gothic"/>
               </a:rPr>
+              <a:t>Other</a:t>
+            </a:r>
+            <a:r>
+              <a:rPr kumimoji="1" lang="zh-TW" altLang="en-US" sz="5600" dirty="0" smtClean="0">
+                <a:latin typeface="Bank Gothic"/>
+                <a:cs typeface="Bank Gothic"/>
+              </a:rPr>
+              <a:t> </a:t>
+            </a:r>
+            <a:r>
+              <a:rPr kumimoji="1" lang="en-US" altLang="zh-TW" sz="5600" dirty="0" smtClean="0">
+                <a:latin typeface="Bank Gothic"/>
+                <a:cs typeface="Bank Gothic"/>
+              </a:rPr>
+              <a:t>objects</a:t>
+            </a:r>
+            <a:endParaRPr kumimoji="1" lang="zh-TW" altLang="en-US" sz="5600" dirty="0">
+              <a:latin typeface="Bank Gothic"/>
+              <a:cs typeface="Bank Gothic"/>
+            </a:endParaRPr>
+          </a:p>
+        </p:txBody>
+      </p:sp>
+      <p:pic>
+        <p:nvPicPr>
+          <p:cNvPr id="6" name="圖片 5" descr="螢幕快照 2014-01-13 下午3.47.32.png"/>
+          <p:cNvPicPr>
+            <a:picLocks noChangeAspect="1"/>
+          </p:cNvPicPr>
+          <p:nvPr/>
+        </p:nvPicPr>
+        <p:blipFill>
+          <a:blip r:embed="rId2">
+            <a:extLst>
+              <a:ext uri="{28A0092B-C50C-407E-A947-70E740481C1C}">
+                <a14:useLocalDpi xmlns:a14="http://schemas.microsoft.com/office/drawing/2010/main" val="0"/>
+              </a:ext>
+            </a:extLst>
+          </a:blip>
+          <a:stretch>
+            <a:fillRect/>
+          </a:stretch>
+        </p:blipFill>
+        <p:spPr>
+          <a:xfrm>
+            <a:off x="330199" y="584200"/>
+            <a:ext cx="381000" cy="355600"/>
+          </a:xfrm>
+          <a:prstGeom prst="rect">
+            <a:avLst/>
+          </a:prstGeom>
+        </p:spPr>
+      </p:pic>
+      <p:sp>
+        <p:nvSpPr>
+          <p:cNvPr id="9" name="燕尾形向右箭號 8"/>
+          <p:cNvSpPr/>
+          <p:nvPr/>
+        </p:nvSpPr>
+        <p:spPr>
+          <a:xfrm>
+            <a:off x="4182533" y="3505200"/>
+            <a:ext cx="1316565" cy="846667"/>
+          </a:xfrm>
+          <a:prstGeom prst="notchedRightArrow">
+            <a:avLst/>
+          </a:prstGeom>
+          <a:solidFill>
+            <a:schemeClr val="tx1"/>
+          </a:solidFill>
+          <a:ln>
+            <a:noFill/>
+          </a:ln>
+        </p:spPr>
+        <p:style>
+          <a:lnRef idx="1">
+            <a:schemeClr val="accent1"/>
+          </a:lnRef>
+          <a:fillRef idx="3">
+            <a:schemeClr val="accent1"/>
+          </a:fillRef>
+          <a:effectRef idx="2">
+            <a:schemeClr val="accent1"/>
+          </a:effectRef>
+          <a:fontRef idx="minor">
+            <a:schemeClr val="lt1"/>
+          </a:fontRef>
+        </p:style>
+        <p:txBody>
+          <a:bodyPr rtlCol="0" anchor="ctr"/>
+          <a:lstStyle/>
+          <a:p>
+            <a:pPr algn="ctr"/>
+            <a:endParaRPr kumimoji="1" lang="zh-TW" altLang="en-US" b="1">
+              <a:ln w="17780" cmpd="sng">
+                <a:solidFill>
+                  <a:srgbClr val="FFFFFF"/>
+                </a:solidFill>
+                <a:prstDash val="solid"/>
+                <a:miter lim="800000"/>
+              </a:ln>
+              <a:gradFill rotWithShape="1">
+                <a:gsLst>
+                  <a:gs pos="0">
+                    <a:srgbClr val="000000">
+                      <a:tint val="92000"/>
+                      <a:shade val="100000"/>
+                      <a:satMod val="150000"/>
+                    </a:srgbClr>
+                  </a:gs>
+                  <a:gs pos="49000">
+                    <a:srgbClr val="000000">
+                      <a:tint val="89000"/>
+                      <a:shade val="90000"/>
+                      <a:satMod val="150000"/>
+                    </a:srgbClr>
+                  </a:gs>
+                  <a:gs pos="50000">
+                    <a:srgbClr val="000000">
+                      <a:tint val="100000"/>
+                      <a:shade val="75000"/>
+                      <a:satMod val="150000"/>
+                    </a:srgbClr>
+                  </a:gs>
+                  <a:gs pos="95000">
+                    <a:srgbClr val="000000">
+                      <a:shade val="47000"/>
+                      <a:satMod val="150000"/>
+                    </a:srgbClr>
+                  </a:gs>
+                  <a:gs pos="100000">
+                    <a:srgbClr val="000000">
+                      <a:shade val="39000"/>
+                      <a:satMod val="150000"/>
+                    </a:srgbClr>
+                  </a:gs>
+                </a:gsLst>
+                <a:lin ang="5400000"/>
+              </a:gradFill>
+              <a:effectLst>
+                <a:outerShdw blurRad="50800" algn="tl" rotWithShape="0">
+                  <a:srgbClr val="000000"/>
+                </a:outerShdw>
+              </a:effectLst>
+            </a:endParaRPr>
+          </a:p>
+        </p:txBody>
+      </p:sp>
+      <p:pic>
+        <p:nvPicPr>
+          <p:cNvPr id="2" name="圖片 1" descr="螢幕快照 2014-01-10 下午5.50.36.png"/>
+          <p:cNvPicPr>
+            <a:picLocks noChangeAspect="1"/>
+          </p:cNvPicPr>
+          <p:nvPr/>
+        </p:nvPicPr>
+        <p:blipFill>
+          <a:blip r:embed="rId3">
+            <a:extLst>
+              <a:ext uri="{28A0092B-C50C-407E-A947-70E740481C1C}">
+                <a14:useLocalDpi xmlns:a14="http://schemas.microsoft.com/office/drawing/2010/main" val="0"/>
+              </a:ext>
+            </a:extLst>
+          </a:blip>
+          <a:stretch>
+            <a:fillRect/>
+          </a:stretch>
+        </p:blipFill>
+        <p:spPr>
+          <a:xfrm>
+            <a:off x="1041400" y="2628900"/>
+            <a:ext cx="2362200" cy="2345206"/>
+          </a:xfrm>
+          <a:prstGeom prst="rect">
+            <a:avLst/>
+          </a:prstGeom>
+        </p:spPr>
+      </p:pic>
+      <p:pic>
+        <p:nvPicPr>
+          <p:cNvPr id="5" name="圖片 4" descr="螢幕快照 2014-01-13 下午4.03.49.png"/>
+          <p:cNvPicPr>
+            <a:picLocks noChangeAspect="1"/>
+          </p:cNvPicPr>
+          <p:nvPr/>
+        </p:nvPicPr>
+        <p:blipFill>
+          <a:blip r:embed="rId4">
+            <a:extLst>
+              <a:ext uri="{28A0092B-C50C-407E-A947-70E740481C1C}">
+                <a14:useLocalDpi xmlns:a14="http://schemas.microsoft.com/office/drawing/2010/main" val="0"/>
+              </a:ext>
+            </a:extLst>
+          </a:blip>
+          <a:stretch>
+            <a:fillRect/>
+          </a:stretch>
+        </p:blipFill>
+        <p:spPr>
+          <a:xfrm>
+            <a:off x="5499098" y="2956984"/>
+            <a:ext cx="4423833" cy="4773083"/>
+          </a:xfrm>
+          <a:prstGeom prst="rect">
+            <a:avLst/>
+          </a:prstGeom>
+        </p:spPr>
+      </p:pic>
+    </p:spTree>
+    <p:extLst>
+      <p:ext uri="{BB962C8B-B14F-4D97-AF65-F5344CB8AC3E}">
+        <p14:creationId xmlns:p14="http://schemas.microsoft.com/office/powerpoint/2010/main" val="3456578210"/>
+      </p:ext>
+    </p:extLst>
+  </p:cSld>
+  <p:clrMapOvr>
+    <a:masterClrMapping/>
+  </p:clrMapOvr>
+  <p:timing>
+    <p:tnLst>
+      <p:par>
+        <p:cTn xmlns:p14="http://schemas.microsoft.com/office/powerpoint/2010/main" id="1" dur="indefinite" restart="never" nodeType="tmRoot">
+          <p:childTnLst>
+            <p:seq concurrent="1" nextAc="seek">
+              <p:cTn id="2" dur="indefinite" nodeType="mainSeq">
+                <p:childTnLst>
+                  <p:par>
+                    <p:cTn id="3" fill="hold">
+                      <p:stCondLst>
+                        <p:cond delay="indefinite"/>
+                      </p:stCondLst>
+                      <p:childTnLst>
+                        <p:par>
+                          <p:cTn id="4" fill="hold">
+                            <p:stCondLst>
+                              <p:cond delay="0"/>
+                            </p:stCondLst>
+                            <p:childTnLst>
+                              <p:par>
+                                <p:cTn id="5" presetID="14" presetClass="entr" presetSubtype="10" fill="hold" grpId="0" nodeType="clickEffect">
+                                  <p:stCondLst>
+                                    <p:cond delay="0"/>
+                                  </p:stCondLst>
+                                  <p:childTnLst>
+                                    <p:set>
+                                      <p:cBhvr>
+                                        <p:cTn id="6" dur="1" fill="hold">
+                                          <p:stCondLst>
+                                            <p:cond delay="0"/>
+                                          </p:stCondLst>
+                                        </p:cTn>
+                                        <p:tgtEl>
+                                          <p:spTgt spid="9"/>
+                                        </p:tgtEl>
+                                        <p:attrNameLst>
+                                          <p:attrName>style.visibility</p:attrName>
+                                        </p:attrNameLst>
+                                      </p:cBhvr>
+                                      <p:to>
+                                        <p:strVal val="visible"/>
+                                      </p:to>
+                                    </p:set>
+                                    <p:animEffect transition="in" filter="randombar(horizontal)">
+                                      <p:cBhvr>
+                                        <p:cTn id="7" dur="500"/>
+                                        <p:tgtEl>
+                                          <p:spTgt spid="9"/>
+                                        </p:tgtEl>
+                                      </p:cBhvr>
+                                    </p:animEffect>
+                                  </p:childTnLst>
+                                </p:cTn>
+                              </p:par>
+                              <p:par>
+                                <p:cTn id="8" presetID="6" presetClass="entr" presetSubtype="16" fill="hold" nodeType="withEffect">
+                                  <p:stCondLst>
+                                    <p:cond delay="0"/>
+                                  </p:stCondLst>
+                                  <p:childTnLst>
+                                    <p:set>
+                                      <p:cBhvr>
+                                        <p:cTn id="9" dur="1" fill="hold">
+                                          <p:stCondLst>
+                                            <p:cond delay="0"/>
+                                          </p:stCondLst>
+                                        </p:cTn>
+                                        <p:tgtEl>
+                                          <p:spTgt spid="5"/>
+                                        </p:tgtEl>
+                                        <p:attrNameLst>
+                                          <p:attrName>style.visibility</p:attrName>
+                                        </p:attrNameLst>
+                                      </p:cBhvr>
+                                      <p:to>
+                                        <p:strVal val="visible"/>
+                                      </p:to>
+                                    </p:set>
+                                    <p:animEffect transition="in" filter="circle(in)">
+                                      <p:cBhvr>
+                                        <p:cTn id="10" dur="2000"/>
+                                        <p:tgtEl>
+                                          <p:spTgt spid="5"/>
+                                        </p:tgtEl>
+                                      </p:cBhvr>
+                                    </p:animEffect>
+                                  </p:childTnLst>
+                                </p:cTn>
+                              </p:par>
+                            </p:childTnLst>
+                          </p:cTn>
+                        </p:par>
+                      </p:childTnLst>
+                    </p:cTn>
+                  </p:par>
+                </p:childTnLst>
+              </p:cTn>
+              <p:prevCondLst>
+                <p:cond evt="onPrev" delay="0">
+                  <p:tgtEl>
+                    <p:sldTgt/>
+                  </p:tgtEl>
+                </p:cond>
+              </p:prevCondLst>
+              <p:nextCondLst>
+                <p:cond evt="onNext" delay="0">
+                  <p:tgtEl>
+                    <p:sldTgt/>
+                  </p:tgtEl>
+                </p:cond>
+              </p:nextCondLst>
+            </p:seq>
+          </p:childTnLst>
+        </p:cTn>
+      </p:par>
+    </p:tnLst>
+    <p:bldLst>
+      <p:bldP spid="9" grpId="0" animBg="1"/>
+    </p:bldLst>
+  </p:timing>
+</p:sld>
+</file>
+
+<file path=ppt/slides/slide11.xml><?xml version="1.0" encoding="utf-8"?>
+<p:sld xmlns:a="http://schemas.openxmlformats.org/drawingml/2006/main" xmlns:r="http://schemas.openxmlformats.org/officeDocument/2006/relationships" xmlns:p="http://schemas.openxmlformats.org/presentationml/2006/main">
+  <p:cSld>
+    <p:spTree>
+      <p:nvGrpSpPr>
+        <p:cNvPr id="1" name=""/>
+        <p:cNvGrpSpPr/>
+        <p:nvPr/>
+      </p:nvGrpSpPr>
+      <p:grpSpPr>
+        <a:xfrm>
+          <a:off x="0" y="0"/>
+          <a:ext cx="0" cy="0"/>
+          <a:chOff x="0" y="0"/>
+          <a:chExt cx="0" cy="0"/>
+        </a:xfrm>
+      </p:grpSpPr>
+      <p:sp>
+        <p:nvSpPr>
+          <p:cNvPr id="4" name="文字方塊 3"/>
+          <p:cNvSpPr txBox="1"/>
+          <p:nvPr/>
+        </p:nvSpPr>
+        <p:spPr>
+          <a:xfrm>
+            <a:off x="711199" y="163493"/>
+            <a:ext cx="8043334" cy="954107"/>
+          </a:xfrm>
+          <a:prstGeom prst="rect">
+            <a:avLst/>
+          </a:prstGeom>
+          <a:noFill/>
+        </p:spPr>
+        <p:txBody>
+          <a:bodyPr wrap="square" rtlCol="0">
+            <a:spAutoFit/>
+          </a:bodyPr>
+          <a:lstStyle/>
+          <a:p>
+            <a:r>
+              <a:rPr kumimoji="1" lang="en-US" altLang="zh-TW" sz="5600" dirty="0" smtClean="0">
+                <a:latin typeface="Bank Gothic"/>
+                <a:cs typeface="Bank Gothic"/>
+              </a:rPr>
               <a:t>Soft</a:t>
             </a:r>
             <a:r>
@@ -6588,7 +6976,7 @@
 </p:sld>
 </file>
 
-<file path=ppt/slides/slide11.xml><?xml version="1.0" encoding="utf-8"?>
+<file path=ppt/slides/slide12.xml><?xml version="1.0" encoding="utf-8"?>
 <p:sld xmlns:a="http://schemas.openxmlformats.org/drawingml/2006/main" xmlns:r="http://schemas.openxmlformats.org/officeDocument/2006/relationships" xmlns:p="http://schemas.openxmlformats.org/presentationml/2006/main">
   <p:cSld>
     <p:spTree>
@@ -6872,7 +7260,7 @@
 </p:sld>
 </file>
 
-<file path=ppt/slides/slide12.xml><?xml version="1.0" encoding="utf-8"?>
+<file path=ppt/slides/slide13.xml><?xml version="1.0" encoding="utf-8"?>
 <p:sld xmlns:a="http://schemas.openxmlformats.org/drawingml/2006/main" xmlns:r="http://schemas.openxmlformats.org/officeDocument/2006/relationships" xmlns:p="http://schemas.openxmlformats.org/presentationml/2006/main">
   <p:cSld>
     <p:spTree>
@@ -6989,344 +7377,6 @@
     <p:extLst>
       <p:ext uri="{BB962C8B-B14F-4D97-AF65-F5344CB8AC3E}">
         <p14:creationId xmlns:p14="http://schemas.microsoft.com/office/powerpoint/2010/main" val="237808578"/>
-      </p:ext>
-    </p:extLst>
-  </p:cSld>
-  <p:clrMapOvr>
-    <a:masterClrMapping/>
-  </p:clrMapOvr>
-  <p:timing>
-    <p:tnLst>
-      <p:par>
-        <p:cTn xmlns:p14="http://schemas.microsoft.com/office/powerpoint/2010/main" id="1" dur="indefinite" restart="never" nodeType="tmRoot"/>
-      </p:par>
-    </p:tnLst>
-  </p:timing>
-</p:sld>
-</file>
-
-<file path=ppt/slides/slide13.xml><?xml version="1.0" encoding="utf-8"?>
-<p:sld xmlns:a="http://schemas.openxmlformats.org/drawingml/2006/main" xmlns:r="http://schemas.openxmlformats.org/officeDocument/2006/relationships" xmlns:p="http://schemas.openxmlformats.org/presentationml/2006/main">
-  <p:cSld>
-    <p:spTree>
-      <p:nvGrpSpPr>
-        <p:cNvPr id="1" name=""/>
-        <p:cNvGrpSpPr/>
-        <p:nvPr/>
-      </p:nvGrpSpPr>
-      <p:grpSpPr>
-        <a:xfrm>
-          <a:off x="0" y="0"/>
-          <a:ext cx="0" cy="0"/>
-          <a:chOff x="0" y="0"/>
-          <a:chExt cx="0" cy="0"/>
-        </a:xfrm>
-      </p:grpSpPr>
-      <p:sp>
-        <p:nvSpPr>
-          <p:cNvPr id="4" name="文字方塊 3"/>
-          <p:cNvSpPr txBox="1"/>
-          <p:nvPr/>
-        </p:nvSpPr>
-        <p:spPr>
-          <a:xfrm>
-            <a:off x="711199" y="163493"/>
-            <a:ext cx="8043334" cy="954107"/>
-          </a:xfrm>
-          <a:prstGeom prst="rect">
-            <a:avLst/>
-          </a:prstGeom>
-          <a:noFill/>
-        </p:spPr>
-        <p:txBody>
-          <a:bodyPr wrap="square" rtlCol="0">
-            <a:spAutoFit/>
-          </a:bodyPr>
-          <a:lstStyle/>
-          <a:p>
-            <a:r>
-              <a:rPr kumimoji="1" lang="en-US" altLang="zh-TW" sz="5600" dirty="0" smtClean="0">
-                <a:latin typeface="Bank Gothic"/>
-                <a:cs typeface="Bank Gothic"/>
-              </a:rPr>
-              <a:t>If the</a:t>
-            </a:r>
-            <a:r>
-              <a:rPr kumimoji="1" lang="zh-TW" altLang="en-US" sz="5600" dirty="0" smtClean="0">
-                <a:latin typeface="Bank Gothic"/>
-                <a:cs typeface="Bank Gothic"/>
-              </a:rPr>
-              <a:t> </a:t>
-            </a:r>
-            <a:r>
-              <a:rPr kumimoji="1" lang="en-US" altLang="zh-TW" sz="5600" dirty="0" smtClean="0">
-                <a:latin typeface="Bank Gothic"/>
-                <a:cs typeface="Bank Gothic"/>
-              </a:rPr>
-              <a:t>tank</a:t>
-            </a:r>
-            <a:r>
-              <a:rPr kumimoji="1" lang="zh-TW" altLang="en-US" sz="5600" dirty="0" smtClean="0">
-                <a:latin typeface="Bank Gothic"/>
-                <a:cs typeface="Bank Gothic"/>
-              </a:rPr>
-              <a:t> </a:t>
-            </a:r>
-            <a:r>
-              <a:rPr kumimoji="1" lang="en-US" altLang="zh-TW" sz="5600" dirty="0" smtClean="0">
-                <a:latin typeface="Bank Gothic"/>
-                <a:cs typeface="Bank Gothic"/>
-              </a:rPr>
-              <a:t>die</a:t>
-            </a:r>
-            <a:endParaRPr kumimoji="1" lang="zh-TW" altLang="en-US" sz="5600" dirty="0">
-              <a:latin typeface="Bank Gothic"/>
-              <a:cs typeface="Bank Gothic"/>
-            </a:endParaRPr>
-          </a:p>
-        </p:txBody>
-      </p:sp>
-      <p:pic>
-        <p:nvPicPr>
-          <p:cNvPr id="6" name="圖片 5" descr="螢幕快照 2014-01-13 下午3.47.32.png"/>
-          <p:cNvPicPr>
-            <a:picLocks noChangeAspect="1"/>
-          </p:cNvPicPr>
-          <p:nvPr/>
-        </p:nvPicPr>
-        <p:blipFill>
-          <a:blip r:embed="rId2">
-            <a:extLst>
-              <a:ext uri="{28A0092B-C50C-407E-A947-70E740481C1C}">
-                <a14:useLocalDpi xmlns:a14="http://schemas.microsoft.com/office/drawing/2010/main" val="0"/>
-              </a:ext>
-            </a:extLst>
-          </a:blip>
-          <a:stretch>
-            <a:fillRect/>
-          </a:stretch>
-        </p:blipFill>
-        <p:spPr>
-          <a:xfrm>
-            <a:off x="330199" y="584200"/>
-            <a:ext cx="381000" cy="355600"/>
-          </a:xfrm>
-          <a:prstGeom prst="rect">
-            <a:avLst/>
-          </a:prstGeom>
-        </p:spPr>
-      </p:pic>
-      <p:pic>
-        <p:nvPicPr>
-          <p:cNvPr id="2" name="圖片 1" descr="螢幕快照 2014-01-13 下午6.05.36.png"/>
-          <p:cNvPicPr>
-            <a:picLocks noChangeAspect="1"/>
-          </p:cNvPicPr>
-          <p:nvPr/>
-        </p:nvPicPr>
-        <p:blipFill>
-          <a:blip r:embed="rId3">
-            <a:extLst>
-              <a:ext uri="{28A0092B-C50C-407E-A947-70E740481C1C}">
-                <a14:useLocalDpi xmlns:a14="http://schemas.microsoft.com/office/drawing/2010/main" val="0"/>
-              </a:ext>
-            </a:extLst>
-          </a:blip>
-          <a:stretch>
-            <a:fillRect/>
-          </a:stretch>
-        </p:blipFill>
-        <p:spPr>
-          <a:xfrm>
-            <a:off x="567267" y="1405467"/>
-            <a:ext cx="2551356" cy="2336800"/>
-          </a:xfrm>
-          <a:prstGeom prst="rect">
-            <a:avLst/>
-          </a:prstGeom>
-        </p:spPr>
-      </p:pic>
-      <p:pic>
-        <p:nvPicPr>
-          <p:cNvPr id="5" name="圖片 4" descr="螢幕快照 2014-01-13 下午6.05.54.png"/>
-          <p:cNvPicPr>
-            <a:picLocks noChangeAspect="1"/>
-          </p:cNvPicPr>
-          <p:nvPr/>
-        </p:nvPicPr>
-        <p:blipFill>
-          <a:blip r:embed="rId4">
-            <a:extLst>
-              <a:ext uri="{28A0092B-C50C-407E-A947-70E740481C1C}">
-                <a14:useLocalDpi xmlns:a14="http://schemas.microsoft.com/office/drawing/2010/main" val="0"/>
-              </a:ext>
-            </a:extLst>
-          </a:blip>
-          <a:stretch>
-            <a:fillRect/>
-          </a:stretch>
-        </p:blipFill>
-        <p:spPr>
-          <a:xfrm>
-            <a:off x="3118622" y="1405467"/>
-            <a:ext cx="2537365" cy="2336800"/>
-          </a:xfrm>
-          <a:prstGeom prst="rect">
-            <a:avLst/>
-          </a:prstGeom>
-        </p:spPr>
-      </p:pic>
-      <p:pic>
-        <p:nvPicPr>
-          <p:cNvPr id="7" name="圖片 6" descr="螢幕快照 2014-01-13 下午6.06.15.png"/>
-          <p:cNvPicPr>
-            <a:picLocks noChangeAspect="1"/>
-          </p:cNvPicPr>
-          <p:nvPr/>
-        </p:nvPicPr>
-        <p:blipFill>
-          <a:blip r:embed="rId5">
-            <a:extLst>
-              <a:ext uri="{28A0092B-C50C-407E-A947-70E740481C1C}">
-                <a14:useLocalDpi xmlns:a14="http://schemas.microsoft.com/office/drawing/2010/main" val="0"/>
-              </a:ext>
-            </a:extLst>
-          </a:blip>
-          <a:stretch>
-            <a:fillRect/>
-          </a:stretch>
-        </p:blipFill>
-        <p:spPr>
-          <a:xfrm>
-            <a:off x="5655988" y="1405467"/>
-            <a:ext cx="2542439" cy="2336800"/>
-          </a:xfrm>
-          <a:prstGeom prst="rect">
-            <a:avLst/>
-          </a:prstGeom>
-        </p:spPr>
-      </p:pic>
-      <p:pic>
-        <p:nvPicPr>
-          <p:cNvPr id="8" name="圖片 7" descr="螢幕快照 2014-01-13 下午6.04.04.png"/>
-          <p:cNvPicPr>
-            <a:picLocks noChangeAspect="1"/>
-          </p:cNvPicPr>
-          <p:nvPr/>
-        </p:nvPicPr>
-        <p:blipFill rotWithShape="1">
-          <a:blip r:embed="rId6">
-            <a:extLst>
-              <a:ext uri="{28A0092B-C50C-407E-A947-70E740481C1C}">
-                <a14:useLocalDpi xmlns:a14="http://schemas.microsoft.com/office/drawing/2010/main" val="0"/>
-              </a:ext>
-            </a:extLst>
-          </a:blip>
-          <a:srcRect b="17460"/>
-          <a:stretch/>
-        </p:blipFill>
-        <p:spPr>
-          <a:xfrm>
-            <a:off x="1015999" y="4207931"/>
-            <a:ext cx="1910577" cy="1774107"/>
-          </a:xfrm>
-          <a:prstGeom prst="rect">
-            <a:avLst/>
-          </a:prstGeom>
-        </p:spPr>
-      </p:pic>
-      <p:pic>
-        <p:nvPicPr>
-          <p:cNvPr id="9" name="圖片 8" descr="螢幕快照 2014-01-13 下午6.04.08.png"/>
-          <p:cNvPicPr>
-            <a:picLocks noChangeAspect="1"/>
-          </p:cNvPicPr>
-          <p:nvPr/>
-        </p:nvPicPr>
-        <p:blipFill rotWithShape="1">
-          <a:blip r:embed="rId7">
-            <a:extLst>
-              <a:ext uri="{28A0092B-C50C-407E-A947-70E740481C1C}">
-                <a14:useLocalDpi xmlns:a14="http://schemas.microsoft.com/office/drawing/2010/main" val="0"/>
-              </a:ext>
-            </a:extLst>
-          </a:blip>
-          <a:srcRect l="8712"/>
-          <a:stretch/>
-        </p:blipFill>
-        <p:spPr>
-          <a:xfrm>
-            <a:off x="3589866" y="4207931"/>
-            <a:ext cx="1744131" cy="1774107"/>
-          </a:xfrm>
-          <a:prstGeom prst="rect">
-            <a:avLst/>
-          </a:prstGeom>
-        </p:spPr>
-      </p:pic>
-      <p:pic>
-        <p:nvPicPr>
-          <p:cNvPr id="10" name="圖片 9" descr="螢幕快照 2014-01-13 下午6.04.15.png"/>
-          <p:cNvPicPr>
-            <a:picLocks noChangeAspect="1"/>
-          </p:cNvPicPr>
-          <p:nvPr/>
-        </p:nvPicPr>
-        <p:blipFill rotWithShape="1">
-          <a:blip r:embed="rId8">
-            <a:extLst>
-              <a:ext uri="{28A0092B-C50C-407E-A947-70E740481C1C}">
-                <a14:useLocalDpi xmlns:a14="http://schemas.microsoft.com/office/drawing/2010/main" val="0"/>
-              </a:ext>
-            </a:extLst>
-          </a:blip>
-          <a:srcRect t="-1" b="5533"/>
-          <a:stretch/>
-        </p:blipFill>
-        <p:spPr>
-          <a:xfrm>
-            <a:off x="6011588" y="4207931"/>
-            <a:ext cx="1743879" cy="1774107"/>
-          </a:xfrm>
-          <a:prstGeom prst="rect">
-            <a:avLst/>
-          </a:prstGeom>
-        </p:spPr>
-      </p:pic>
-      <p:pic>
-        <p:nvPicPr>
-          <p:cNvPr id="12" name="圖片 11" descr="AChin1311_1.gif"/>
-          <p:cNvPicPr>
-            <a:picLocks noChangeAspect="1"/>
-          </p:cNvPicPr>
-          <p:nvPr/>
-        </p:nvPicPr>
-        <p:blipFill>
-          <a:blip r:embed="rId9">
-            <a:extLst>
-              <a:ext uri="{28A0092B-C50C-407E-A947-70E740481C1C}">
-                <a14:useLocalDpi xmlns:a14="http://schemas.microsoft.com/office/drawing/2010/main" val="0"/>
-              </a:ext>
-            </a:extLst>
-          </a:blip>
-          <a:stretch>
-            <a:fillRect/>
-          </a:stretch>
-        </p:blipFill>
-        <p:spPr>
-          <a:xfrm>
-            <a:off x="6908799" y="412750"/>
-            <a:ext cx="677333" cy="762000"/>
-          </a:xfrm>
-          <a:prstGeom prst="rect">
-            <a:avLst/>
-          </a:prstGeom>
-        </p:spPr>
-      </p:pic>
-    </p:spTree>
-    <p:extLst>
-      <p:ext uri="{BB962C8B-B14F-4D97-AF65-F5344CB8AC3E}">
-        <p14:creationId xmlns:p14="http://schemas.microsoft.com/office/powerpoint/2010/main" val="1561874176"/>
       </p:ext>
     </p:extLst>
   </p:cSld>
@@ -7368,8 +7418,8 @@
         </p:nvSpPr>
         <p:spPr>
           <a:xfrm>
-            <a:off x="711198" y="163493"/>
-            <a:ext cx="8737601" cy="954107"/>
+            <a:off x="711199" y="163493"/>
+            <a:ext cx="8043334" cy="954107"/>
           </a:xfrm>
           <a:prstGeom prst="rect">
             <a:avLst/>
@@ -7387,7 +7437,35 @@
                 <a:latin typeface="Bank Gothic"/>
                 <a:cs typeface="Bank Gothic"/>
               </a:rPr>
-              <a:t>Painter</a:t>
+              <a:t>If the</a:t>
+            </a:r>
+            <a:r>
+              <a:rPr kumimoji="1" lang="zh-TW" altLang="en-US" sz="5600" dirty="0" smtClean="0">
+                <a:latin typeface="Bank Gothic"/>
+                <a:cs typeface="Bank Gothic"/>
+              </a:rPr>
+              <a:t> </a:t>
+            </a:r>
+            <a:r>
+              <a:rPr kumimoji="1" lang="en-US" altLang="zh-TW" sz="5600" dirty="0" smtClean="0">
+                <a:latin typeface="Bank Gothic"/>
+                <a:cs typeface="Bank Gothic"/>
+              </a:rPr>
+              <a:t>tank</a:t>
+            </a:r>
+            <a:r>
+              <a:rPr kumimoji="1" lang="zh-TW" altLang="en-US" sz="5600" dirty="0" smtClean="0">
+                <a:latin typeface="Bank Gothic"/>
+                <a:cs typeface="Bank Gothic"/>
+              </a:rPr>
+              <a:t> </a:t>
+            </a:r>
+            <a:r>
+              <a:rPr kumimoji="1" lang="en-US" altLang="zh-TW" sz="5600" dirty="0" smtClean="0">
+                <a:latin typeface="Bank Gothic"/>
+                <a:cs typeface="Bank Gothic"/>
+              </a:rPr>
+              <a:t>die</a:t>
             </a:r>
             <a:endParaRPr kumimoji="1" lang="zh-TW" altLang="en-US" sz="5600" dirty="0">
               <a:latin typeface="Bank Gothic"/>
@@ -7398,9 +7476,37 @@
       </p:sp>
       <p:pic>
         <p:nvPicPr>
-          <p:cNvPr id="6" name="圖片 5" descr="螢幕快照 2014-01-13 下午3.47.32.png">
-            <a:hlinkClick r:id="rId2"/>
-          </p:cNvPr>
+          <p:cNvPr id="6" name="圖片 5" descr="螢幕快照 2014-01-13 下午3.47.32.png"/>
+          <p:cNvPicPr>
+            <a:picLocks noChangeAspect="1"/>
+          </p:cNvPicPr>
+          <p:nvPr/>
+        </p:nvPicPr>
+        <p:blipFill>
+          <a:blip r:embed="rId2">
+            <a:extLst>
+              <a:ext uri="{28A0092B-C50C-407E-A947-70E740481C1C}">
+                <a14:useLocalDpi xmlns:a14="http://schemas.microsoft.com/office/drawing/2010/main" val="0"/>
+              </a:ext>
+            </a:extLst>
+          </a:blip>
+          <a:stretch>
+            <a:fillRect/>
+          </a:stretch>
+        </p:blipFill>
+        <p:spPr>
+          <a:xfrm>
+            <a:off x="330199" y="584200"/>
+            <a:ext cx="381000" cy="355600"/>
+          </a:xfrm>
+          <a:prstGeom prst="rect">
+            <a:avLst/>
+          </a:prstGeom>
+        </p:spPr>
+      </p:pic>
+      <p:pic>
+        <p:nvPicPr>
+          <p:cNvPr id="2" name="圖片 1" descr="螢幕快照 2014-01-13 下午6.05.36.png"/>
           <p:cNvPicPr>
             <a:picLocks noChangeAspect="1"/>
           </p:cNvPicPr>
@@ -7420,8 +7526,185 @@
         </p:blipFill>
         <p:spPr>
           <a:xfrm>
-            <a:off x="330199" y="584200"/>
-            <a:ext cx="381000" cy="355600"/>
+            <a:off x="567267" y="1405467"/>
+            <a:ext cx="2551356" cy="2336800"/>
+          </a:xfrm>
+          <a:prstGeom prst="rect">
+            <a:avLst/>
+          </a:prstGeom>
+        </p:spPr>
+      </p:pic>
+      <p:pic>
+        <p:nvPicPr>
+          <p:cNvPr id="5" name="圖片 4" descr="螢幕快照 2014-01-13 下午6.05.54.png"/>
+          <p:cNvPicPr>
+            <a:picLocks noChangeAspect="1"/>
+          </p:cNvPicPr>
+          <p:nvPr/>
+        </p:nvPicPr>
+        <p:blipFill>
+          <a:blip r:embed="rId4">
+            <a:extLst>
+              <a:ext uri="{28A0092B-C50C-407E-A947-70E740481C1C}">
+                <a14:useLocalDpi xmlns:a14="http://schemas.microsoft.com/office/drawing/2010/main" val="0"/>
+              </a:ext>
+            </a:extLst>
+          </a:blip>
+          <a:stretch>
+            <a:fillRect/>
+          </a:stretch>
+        </p:blipFill>
+        <p:spPr>
+          <a:xfrm>
+            <a:off x="3118622" y="1405467"/>
+            <a:ext cx="2537365" cy="2336800"/>
+          </a:xfrm>
+          <a:prstGeom prst="rect">
+            <a:avLst/>
+          </a:prstGeom>
+        </p:spPr>
+      </p:pic>
+      <p:pic>
+        <p:nvPicPr>
+          <p:cNvPr id="7" name="圖片 6" descr="螢幕快照 2014-01-13 下午6.06.15.png"/>
+          <p:cNvPicPr>
+            <a:picLocks noChangeAspect="1"/>
+          </p:cNvPicPr>
+          <p:nvPr/>
+        </p:nvPicPr>
+        <p:blipFill>
+          <a:blip r:embed="rId5">
+            <a:extLst>
+              <a:ext uri="{28A0092B-C50C-407E-A947-70E740481C1C}">
+                <a14:useLocalDpi xmlns:a14="http://schemas.microsoft.com/office/drawing/2010/main" val="0"/>
+              </a:ext>
+            </a:extLst>
+          </a:blip>
+          <a:stretch>
+            <a:fillRect/>
+          </a:stretch>
+        </p:blipFill>
+        <p:spPr>
+          <a:xfrm>
+            <a:off x="5655988" y="1405467"/>
+            <a:ext cx="2542439" cy="2336800"/>
+          </a:xfrm>
+          <a:prstGeom prst="rect">
+            <a:avLst/>
+          </a:prstGeom>
+        </p:spPr>
+      </p:pic>
+      <p:pic>
+        <p:nvPicPr>
+          <p:cNvPr id="8" name="圖片 7" descr="螢幕快照 2014-01-13 下午6.04.04.png"/>
+          <p:cNvPicPr>
+            <a:picLocks noChangeAspect="1"/>
+          </p:cNvPicPr>
+          <p:nvPr/>
+        </p:nvPicPr>
+        <p:blipFill rotWithShape="1">
+          <a:blip r:embed="rId6">
+            <a:extLst>
+              <a:ext uri="{28A0092B-C50C-407E-A947-70E740481C1C}">
+                <a14:useLocalDpi xmlns:a14="http://schemas.microsoft.com/office/drawing/2010/main" val="0"/>
+              </a:ext>
+            </a:extLst>
+          </a:blip>
+          <a:srcRect b="17460"/>
+          <a:stretch/>
+        </p:blipFill>
+        <p:spPr>
+          <a:xfrm>
+            <a:off x="1015999" y="4207931"/>
+            <a:ext cx="1910577" cy="1774107"/>
+          </a:xfrm>
+          <a:prstGeom prst="rect">
+            <a:avLst/>
+          </a:prstGeom>
+        </p:spPr>
+      </p:pic>
+      <p:pic>
+        <p:nvPicPr>
+          <p:cNvPr id="9" name="圖片 8" descr="螢幕快照 2014-01-13 下午6.04.08.png"/>
+          <p:cNvPicPr>
+            <a:picLocks noChangeAspect="1"/>
+          </p:cNvPicPr>
+          <p:nvPr/>
+        </p:nvPicPr>
+        <p:blipFill rotWithShape="1">
+          <a:blip r:embed="rId7">
+            <a:extLst>
+              <a:ext uri="{28A0092B-C50C-407E-A947-70E740481C1C}">
+                <a14:useLocalDpi xmlns:a14="http://schemas.microsoft.com/office/drawing/2010/main" val="0"/>
+              </a:ext>
+            </a:extLst>
+          </a:blip>
+          <a:srcRect l="8712"/>
+          <a:stretch/>
+        </p:blipFill>
+        <p:spPr>
+          <a:xfrm>
+            <a:off x="3589866" y="4207931"/>
+            <a:ext cx="1744131" cy="1774107"/>
+          </a:xfrm>
+          <a:prstGeom prst="rect">
+            <a:avLst/>
+          </a:prstGeom>
+        </p:spPr>
+      </p:pic>
+      <p:pic>
+        <p:nvPicPr>
+          <p:cNvPr id="10" name="圖片 9" descr="螢幕快照 2014-01-13 下午6.04.15.png"/>
+          <p:cNvPicPr>
+            <a:picLocks noChangeAspect="1"/>
+          </p:cNvPicPr>
+          <p:nvPr/>
+        </p:nvPicPr>
+        <p:blipFill rotWithShape="1">
+          <a:blip r:embed="rId8">
+            <a:extLst>
+              <a:ext uri="{28A0092B-C50C-407E-A947-70E740481C1C}">
+                <a14:useLocalDpi xmlns:a14="http://schemas.microsoft.com/office/drawing/2010/main" val="0"/>
+              </a:ext>
+            </a:extLst>
+          </a:blip>
+          <a:srcRect t="-1" b="5533"/>
+          <a:stretch/>
+        </p:blipFill>
+        <p:spPr>
+          <a:xfrm>
+            <a:off x="6011588" y="4207931"/>
+            <a:ext cx="1743879" cy="1774107"/>
+          </a:xfrm>
+          <a:prstGeom prst="rect">
+            <a:avLst/>
+          </a:prstGeom>
+        </p:spPr>
+      </p:pic>
+      <p:pic>
+        <p:nvPicPr>
+          <p:cNvPr id="12" name="圖片 11" descr="AChin1311_1.gif"/>
+          <p:cNvPicPr>
+            <a:picLocks noChangeAspect="1"/>
+          </p:cNvPicPr>
+          <p:nvPr/>
+        </p:nvPicPr>
+        <p:blipFill>
+          <a:blip r:embed="rId9">
+            <a:extLst>
+              <a:ext uri="{28A0092B-C50C-407E-A947-70E740481C1C}">
+                <a14:useLocalDpi xmlns:a14="http://schemas.microsoft.com/office/drawing/2010/main" val="0"/>
+              </a:ext>
+            </a:extLst>
+          </a:blip>
+          <a:stretch>
+            <a:fillRect/>
+          </a:stretch>
+        </p:blipFill>
+        <p:spPr>
+          <a:xfrm>
+            <a:off x="6908799" y="412750"/>
+            <a:ext cx="677333" cy="762000"/>
           </a:xfrm>
           <a:prstGeom prst="rect">
             <a:avLst/>
@@ -7431,7 +7714,7 @@
     </p:spTree>
     <p:extLst>
       <p:ext uri="{BB962C8B-B14F-4D97-AF65-F5344CB8AC3E}">
-        <p14:creationId xmlns:p14="http://schemas.microsoft.com/office/powerpoint/2010/main" val="218062482"/>
+        <p14:creationId xmlns:p14="http://schemas.microsoft.com/office/powerpoint/2010/main" val="1561874176"/>
       </p:ext>
     </p:extLst>
   </p:cSld>
@@ -7492,7 +7775,7 @@
                 <a:latin typeface="Bank Gothic"/>
                 <a:cs typeface="Bank Gothic"/>
               </a:rPr>
-              <a:t>Map</a:t>
+              <a:t>Painter</a:t>
             </a:r>
             <a:endParaRPr kumimoji="1" lang="zh-TW" altLang="en-US" sz="5600" dirty="0">
               <a:latin typeface="Bank Gothic"/>
@@ -7533,10 +7816,76 @@
           </a:prstGeom>
         </p:spPr>
       </p:pic>
+      <p:pic>
+        <p:nvPicPr>
+          <p:cNvPr id="5" name="圖片 4">
+            <a:hlinkClick r:id="rId2"/>
+          </p:cNvPr>
+          <p:cNvPicPr>
+            <a:picLocks noChangeAspect="1"/>
+          </p:cNvPicPr>
+          <p:nvPr/>
+        </p:nvPicPr>
+        <p:blipFill>
+          <a:blip r:embed="rId4">
+            <a:extLst>
+              <a:ext uri="{BEBA8EAE-BF5A-486C-A8C5-ECC9F3942E4B}">
+                <a14:imgProps xmlns:a14="http://schemas.microsoft.com/office/drawing/2010/main">
+                  <a14:imgLayer r:embed="rId5">
+                    <a14:imgEffect>
+                      <a14:backgroundRemoval t="1667" b="90000" l="2500" r="95000">
+                        <a14:foregroundMark x1="53333" y1="52500" x2="53333" y2="52500"/>
+                        <a14:foregroundMark x1="54167" y1="22500" x2="54167" y2="22500"/>
+                        <a14:foregroundMark x1="63333" y1="20000" x2="63333" y2="20000"/>
+                        <a14:foregroundMark x1="55000" y1="15000" x2="55000" y2="15000"/>
+                        <a14:foregroundMark x1="47500" y1="26667" x2="47500" y2="26667"/>
+                        <a14:foregroundMark x1="35833" y1="17500" x2="35833" y2="17500"/>
+                        <a14:foregroundMark x1="32500" y1="6667" x2="32500" y2="6667"/>
+                        <a14:foregroundMark x1="77500" y1="32500" x2="77500" y2="32500"/>
+                        <a14:foregroundMark x1="87500" y1="44167" x2="87500" y2="44167"/>
+                        <a14:foregroundMark x1="82500" y1="48333" x2="82500" y2="48333"/>
+                        <a14:foregroundMark x1="93333" y1="58333" x2="93333" y2="58333"/>
+                        <a14:foregroundMark x1="95833" y1="51667" x2="95833" y2="51667"/>
+                        <a14:foregroundMark x1="71667" y1="46667" x2="71667" y2="46667"/>
+                        <a14:foregroundMark x1="65833" y1="73333" x2="65833" y2="73333"/>
+                        <a14:foregroundMark x1="38333" y1="80000" x2="38333" y2="80000"/>
+                        <a14:foregroundMark x1="27500" y1="74167" x2="27500" y2="74167"/>
+                        <a14:foregroundMark x1="21667" y1="70833" x2="21667" y2="70833"/>
+                        <a14:foregroundMark x1="26667" y1="69167" x2="26667" y2="69167"/>
+                        <a14:foregroundMark x1="15833" y1="73333" x2="15833" y2="73333"/>
+                        <a14:foregroundMark x1="10000" y1="85833" x2="10000" y2="85833"/>
+                        <a14:foregroundMark x1="3333" y1="84167" x2="3333" y2="84167"/>
+                        <a14:foregroundMark x1="17500" y1="47500" x2="17500" y2="47500"/>
+                        <a14:foregroundMark x1="25000" y1="35000" x2="25000" y2="35000"/>
+                        <a14:foregroundMark x1="67500" y1="1667" x2="67500" y2="1667"/>
+                        <a14:backgroundMark x1="5833" y1="68333" x2="5833" y2="68333"/>
+                        <a14:backgroundMark x1="29167" y1="54167" x2="29167" y2="54167"/>
+                        <a14:backgroundMark x1="50000" y1="4167" x2="50000" y2="4167"/>
+                      </a14:backgroundRemoval>
+                    </a14:imgEffect>
+                  </a14:imgLayer>
+                </a14:imgProps>
+              </a:ext>
+            </a:extLst>
+          </a:blip>
+          <a:stretch>
+            <a:fillRect/>
+          </a:stretch>
+        </p:blipFill>
+        <p:spPr>
+          <a:xfrm>
+            <a:off x="5929751" y="4170855"/>
+            <a:ext cx="1505907" cy="1505907"/>
+          </a:xfrm>
+          <a:prstGeom prst="rect">
+            <a:avLst/>
+          </a:prstGeom>
+        </p:spPr>
+      </p:pic>
     </p:spTree>
     <p:extLst>
       <p:ext uri="{BB962C8B-B14F-4D97-AF65-F5344CB8AC3E}">
-        <p14:creationId xmlns:p14="http://schemas.microsoft.com/office/powerpoint/2010/main" val="4043043171"/>
+        <p14:creationId xmlns:p14="http://schemas.microsoft.com/office/powerpoint/2010/main" val="218062482"/>
       </p:ext>
     </p:extLst>
   </p:cSld>
@@ -7579,6 +7928,177 @@
         <p:spPr>
           <a:xfrm>
             <a:off x="711198" y="163493"/>
+            <a:ext cx="8737601" cy="954107"/>
+          </a:xfrm>
+          <a:prstGeom prst="rect">
+            <a:avLst/>
+          </a:prstGeom>
+          <a:noFill/>
+        </p:spPr>
+        <p:txBody>
+          <a:bodyPr wrap="square" rtlCol="0">
+            <a:spAutoFit/>
+          </a:bodyPr>
+          <a:lstStyle/>
+          <a:p>
+            <a:r>
+              <a:rPr kumimoji="1" lang="en-US" altLang="zh-TW" sz="5600" dirty="0" smtClean="0">
+                <a:latin typeface="Bank Gothic"/>
+                <a:cs typeface="Bank Gothic"/>
+              </a:rPr>
+              <a:t>Map</a:t>
+            </a:r>
+            <a:endParaRPr kumimoji="1" lang="zh-TW" altLang="en-US" sz="5600" dirty="0">
+              <a:latin typeface="Bank Gothic"/>
+              <a:cs typeface="Bank Gothic"/>
+            </a:endParaRPr>
+          </a:p>
+        </p:txBody>
+      </p:sp>
+      <p:pic>
+        <p:nvPicPr>
+          <p:cNvPr id="6" name="圖片 5" descr="螢幕快照 2014-01-13 下午3.47.32.png">
+            <a:hlinkClick r:id="rId2"/>
+          </p:cNvPr>
+          <p:cNvPicPr>
+            <a:picLocks noChangeAspect="1"/>
+          </p:cNvPicPr>
+          <p:nvPr/>
+        </p:nvPicPr>
+        <p:blipFill>
+          <a:blip r:embed="rId3">
+            <a:extLst>
+              <a:ext uri="{28A0092B-C50C-407E-A947-70E740481C1C}">
+                <a14:useLocalDpi xmlns:a14="http://schemas.microsoft.com/office/drawing/2010/main" val="0"/>
+              </a:ext>
+            </a:extLst>
+          </a:blip>
+          <a:stretch>
+            <a:fillRect/>
+          </a:stretch>
+        </p:blipFill>
+        <p:spPr>
+          <a:xfrm>
+            <a:off x="330199" y="584200"/>
+            <a:ext cx="381000" cy="355600"/>
+          </a:xfrm>
+          <a:prstGeom prst="rect">
+            <a:avLst/>
+          </a:prstGeom>
+        </p:spPr>
+      </p:pic>
+      <p:pic>
+        <p:nvPicPr>
+          <p:cNvPr id="5" name="圖片 4">
+            <a:hlinkClick r:id="rId2"/>
+          </p:cNvPr>
+          <p:cNvPicPr>
+            <a:picLocks noChangeAspect="1"/>
+          </p:cNvPicPr>
+          <p:nvPr/>
+        </p:nvPicPr>
+        <p:blipFill>
+          <a:blip r:embed="rId4">
+            <a:extLst>
+              <a:ext uri="{BEBA8EAE-BF5A-486C-A8C5-ECC9F3942E4B}">
+                <a14:imgProps xmlns:a14="http://schemas.microsoft.com/office/drawing/2010/main">
+                  <a14:imgLayer r:embed="rId5">
+                    <a14:imgEffect>
+                      <a14:backgroundRemoval t="1667" b="90000" l="2500" r="95000">
+                        <a14:foregroundMark x1="53333" y1="52500" x2="53333" y2="52500"/>
+                        <a14:foregroundMark x1="54167" y1="22500" x2="54167" y2="22500"/>
+                        <a14:foregroundMark x1="63333" y1="20000" x2="63333" y2="20000"/>
+                        <a14:foregroundMark x1="55000" y1="15000" x2="55000" y2="15000"/>
+                        <a14:foregroundMark x1="47500" y1="26667" x2="47500" y2="26667"/>
+                        <a14:foregroundMark x1="35833" y1="17500" x2="35833" y2="17500"/>
+                        <a14:foregroundMark x1="32500" y1="6667" x2="32500" y2="6667"/>
+                        <a14:foregroundMark x1="77500" y1="32500" x2="77500" y2="32500"/>
+                        <a14:foregroundMark x1="87500" y1="44167" x2="87500" y2="44167"/>
+                        <a14:foregroundMark x1="82500" y1="48333" x2="82500" y2="48333"/>
+                        <a14:foregroundMark x1="93333" y1="58333" x2="93333" y2="58333"/>
+                        <a14:foregroundMark x1="95833" y1="51667" x2="95833" y2="51667"/>
+                        <a14:foregroundMark x1="71667" y1="46667" x2="71667" y2="46667"/>
+                        <a14:foregroundMark x1="65833" y1="73333" x2="65833" y2="73333"/>
+                        <a14:foregroundMark x1="38333" y1="80000" x2="38333" y2="80000"/>
+                        <a14:foregroundMark x1="27500" y1="74167" x2="27500" y2="74167"/>
+                        <a14:foregroundMark x1="21667" y1="70833" x2="21667" y2="70833"/>
+                        <a14:foregroundMark x1="26667" y1="69167" x2="26667" y2="69167"/>
+                        <a14:foregroundMark x1="15833" y1="73333" x2="15833" y2="73333"/>
+                        <a14:foregroundMark x1="10000" y1="85833" x2="10000" y2="85833"/>
+                        <a14:foregroundMark x1="3333" y1="84167" x2="3333" y2="84167"/>
+                        <a14:foregroundMark x1="17500" y1="47500" x2="17500" y2="47500"/>
+                        <a14:foregroundMark x1="25000" y1="35000" x2="25000" y2="35000"/>
+                        <a14:foregroundMark x1="67500" y1="1667" x2="67500" y2="1667"/>
+                        <a14:backgroundMark x1="5833" y1="68333" x2="5833" y2="68333"/>
+                        <a14:backgroundMark x1="29167" y1="54167" x2="29167" y2="54167"/>
+                        <a14:backgroundMark x1="50000" y1="4167" x2="50000" y2="4167"/>
+                      </a14:backgroundRemoval>
+                    </a14:imgEffect>
+                  </a14:imgLayer>
+                </a14:imgProps>
+              </a:ext>
+            </a:extLst>
+          </a:blip>
+          <a:stretch>
+            <a:fillRect/>
+          </a:stretch>
+        </p:blipFill>
+        <p:spPr>
+          <a:xfrm>
+            <a:off x="5929751" y="4170855"/>
+            <a:ext cx="1505907" cy="1505907"/>
+          </a:xfrm>
+          <a:prstGeom prst="rect">
+            <a:avLst/>
+          </a:prstGeom>
+        </p:spPr>
+      </p:pic>
+    </p:spTree>
+    <p:extLst>
+      <p:ext uri="{BB962C8B-B14F-4D97-AF65-F5344CB8AC3E}">
+        <p14:creationId xmlns:p14="http://schemas.microsoft.com/office/powerpoint/2010/main" val="4043043171"/>
+      </p:ext>
+    </p:extLst>
+  </p:cSld>
+  <p:clrMapOvr>
+    <a:masterClrMapping/>
+  </p:clrMapOvr>
+  <p:timing>
+    <p:tnLst>
+      <p:par>
+        <p:cTn xmlns:p14="http://schemas.microsoft.com/office/powerpoint/2010/main" id="1" dur="indefinite" restart="never" nodeType="tmRoot"/>
+      </p:par>
+    </p:tnLst>
+  </p:timing>
+</p:sld>
+</file>
+
+<file path=ppt/slides/slide17.xml><?xml version="1.0" encoding="utf-8"?>
+<p:sld xmlns:a="http://schemas.openxmlformats.org/drawingml/2006/main" xmlns:r="http://schemas.openxmlformats.org/officeDocument/2006/relationships" xmlns:p="http://schemas.openxmlformats.org/presentationml/2006/main">
+  <p:cSld>
+    <p:spTree>
+      <p:nvGrpSpPr>
+        <p:cNvPr id="1" name=""/>
+        <p:cNvGrpSpPr/>
+        <p:nvPr/>
+      </p:nvGrpSpPr>
+      <p:grpSpPr>
+        <a:xfrm>
+          <a:off x="0" y="0"/>
+          <a:ext cx="0" cy="0"/>
+          <a:chOff x="0" y="0"/>
+          <a:chExt cx="0" cy="0"/>
+        </a:xfrm>
+      </p:grpSpPr>
+      <p:sp>
+        <p:nvSpPr>
+          <p:cNvPr id="4" name="文字方塊 3"/>
+          <p:cNvSpPr txBox="1"/>
+          <p:nvPr/>
+        </p:nvSpPr>
+        <p:spPr>
+          <a:xfrm>
+            <a:off x="711198" y="163493"/>
             <a:ext cx="8737601" cy="861774"/>
           </a:xfrm>
           <a:prstGeom prst="rect">
@@ -8011,7 +8531,7 @@
 </p:sld>
 </file>
 
-<file path=ppt/slides/slide17.xml><?xml version="1.0" encoding="utf-8"?>
+<file path=ppt/slides/slide18.xml><?xml version="1.0" encoding="utf-8"?>
 <p:sld xmlns:a="http://schemas.openxmlformats.org/drawingml/2006/main" xmlns:r="http://schemas.openxmlformats.org/officeDocument/2006/relationships" xmlns:p="http://schemas.openxmlformats.org/presentationml/2006/main">
   <p:cSld>
     <p:spTree>
@@ -8219,7 +8739,7 @@
 </p:sld>
 </file>
 
-<file path=ppt/slides/slide18.xml><?xml version="1.0" encoding="utf-8"?>
+<file path=ppt/slides/slide19.xml><?xml version="1.0" encoding="utf-8"?>
 <p:sld xmlns:a="http://schemas.openxmlformats.org/drawingml/2006/main" xmlns:r="http://schemas.openxmlformats.org/officeDocument/2006/relationships" xmlns:p="http://schemas.openxmlformats.org/presentationml/2006/main">
   <p:cSld>
     <p:spTree>
@@ -8505,23 +9025,16 @@
                 <a:latin typeface="Bank Gothic"/>
                 <a:cs typeface="Bank Gothic"/>
               </a:rPr>
+              <a:t>******</a:t>
+            </a:r>
+            <a:r>
+              <a:rPr kumimoji="1" lang="zh-TW" altLang="zh-TW" sz="3200" dirty="0">
+                <a:latin typeface="Bank Gothic"/>
+                <a:cs typeface="Bank Gothic"/>
+              </a:rPr>
               <a:t>*</a:t>
             </a:r>
             <a:r>
-              <a:rPr kumimoji="1" lang="zh-TW" altLang="en-US" sz="3200" dirty="0" smtClean="0">
-                <a:latin typeface="Bank Gothic"/>
-                <a:cs typeface="Bank Gothic"/>
-              </a:rPr>
-              <a:t>*****</a:t>
-            </a:r>
-            <a:r>
-              <a:rPr kumimoji="1" lang="zh-TW" altLang="zh-TW" sz="3200" dirty="0">
-                <a:latin typeface="Bank Gothic"/>
-                <a:cs typeface="Bank Gothic"/>
-              </a:rPr>
-              <a:t>*</a:t>
-            </a:r>
-            <a:r>
               <a:rPr kumimoji="1" lang="en-US" altLang="zh-TW" sz="3200" dirty="0" smtClean="0">
                 <a:latin typeface="Bank Gothic"/>
                 <a:cs typeface="Bank Gothic"/>
@@ -8535,302 +9048,11 @@
                 <a:latin typeface="Bank Gothic"/>
                 <a:cs typeface="Bank Gothic"/>
               </a:rPr>
-              <a:t>C</a:t>
-            </a:r>
-            <a:r>
-              <a:rPr kumimoji="1" lang="en-US" altLang="zh-TW" sz="3200" dirty="0" smtClean="0">
-                <a:latin typeface="Bank Gothic"/>
-                <a:cs typeface="Bank Gothic"/>
-              </a:rPr>
-              <a:t>?</a:t>
-            </a:r>
-            <a:r>
-              <a:rPr kumimoji="1" lang="en-US" altLang="zh-TW" sz="3200" dirty="0" smtClean="0">
-                <a:latin typeface="Bank Gothic"/>
-                <a:cs typeface="Bank Gothic"/>
-              </a:rPr>
-              <a:t>???</a:t>
+              <a:t>C????</a:t>
             </a:r>
             <a:endParaRPr kumimoji="1" lang="zh-TW" altLang="en-US" sz="3200" dirty="0">
               <a:latin typeface="Bank Gothic"/>
               <a:cs typeface="Bank Gothic"/>
-            </a:endParaRPr>
-          </a:p>
-        </p:txBody>
-      </p:sp>
-    </p:spTree>
-    <p:extLst>
-      <p:ext uri="{BB962C8B-B14F-4D97-AF65-F5344CB8AC3E}">
-        <p14:creationId xmlns:p14="http://schemas.microsoft.com/office/powerpoint/2010/main" val="1092717882"/>
-      </p:ext>
-    </p:extLst>
-  </p:cSld>
-  <p:clrMapOvr>
-    <a:masterClrMapping/>
-  </p:clrMapOvr>
-  <p:timing>
-    <p:tnLst>
-      <p:par>
-        <p:cTn xmlns:p14="http://schemas.microsoft.com/office/powerpoint/2010/main" id="1" dur="indefinite" restart="never" nodeType="tmRoot"/>
-      </p:par>
-    </p:tnLst>
-  </p:timing>
-</p:sld>
-</file>
-
-<file path=ppt/slides/slide19.xml><?xml version="1.0" encoding="utf-8"?>
-<p:sld xmlns:a="http://schemas.openxmlformats.org/drawingml/2006/main" xmlns:r="http://schemas.openxmlformats.org/officeDocument/2006/relationships" xmlns:p="http://schemas.openxmlformats.org/presentationml/2006/main">
-  <p:cSld>
-    <p:spTree>
-      <p:nvGrpSpPr>
-        <p:cNvPr id="1" name=""/>
-        <p:cNvGrpSpPr/>
-        <p:nvPr/>
-      </p:nvGrpSpPr>
-      <p:grpSpPr>
-        <a:xfrm>
-          <a:off x="0" y="0"/>
-          <a:ext cx="0" cy="0"/>
-          <a:chOff x="0" y="0"/>
-          <a:chExt cx="0" cy="0"/>
-        </a:xfrm>
-      </p:grpSpPr>
-      <p:sp>
-        <p:nvSpPr>
-          <p:cNvPr id="4" name="文字方塊 3"/>
-          <p:cNvSpPr txBox="1"/>
-          <p:nvPr/>
-        </p:nvSpPr>
-        <p:spPr>
-          <a:xfrm>
-            <a:off x="711199" y="163493"/>
-            <a:ext cx="8043334" cy="954107"/>
-          </a:xfrm>
-          <a:prstGeom prst="rect">
-            <a:avLst/>
-          </a:prstGeom>
-          <a:noFill/>
-        </p:spPr>
-        <p:txBody>
-          <a:bodyPr wrap="square" rtlCol="0">
-            <a:spAutoFit/>
-          </a:bodyPr>
-          <a:lstStyle/>
-          <a:p>
-            <a:r>
-              <a:rPr kumimoji="1" lang="en-US" altLang="zh-TW" sz="5600" dirty="0" smtClean="0">
-                <a:latin typeface="Bank Gothic"/>
-                <a:cs typeface="Bank Gothic"/>
-              </a:rPr>
-              <a:t>List</a:t>
-            </a:r>
-            <a:endParaRPr kumimoji="1" lang="zh-TW" altLang="en-US" sz="5600" dirty="0">
-              <a:latin typeface="Bank Gothic"/>
-              <a:cs typeface="Bank Gothic"/>
-            </a:endParaRPr>
-          </a:p>
-        </p:txBody>
-      </p:sp>
-      <p:pic>
-        <p:nvPicPr>
-          <p:cNvPr id="6" name="圖片 5" descr="螢幕快照 2014-01-13 下午3.47.32.png"/>
-          <p:cNvPicPr>
-            <a:picLocks noChangeAspect="1"/>
-          </p:cNvPicPr>
-          <p:nvPr/>
-        </p:nvPicPr>
-        <p:blipFill>
-          <a:blip r:embed="rId2">
-            <a:extLst>
-              <a:ext uri="{28A0092B-C50C-407E-A947-70E740481C1C}">
-                <a14:useLocalDpi xmlns:a14="http://schemas.microsoft.com/office/drawing/2010/main" val="0"/>
-              </a:ext>
-            </a:extLst>
-          </a:blip>
-          <a:stretch>
-            <a:fillRect/>
-          </a:stretch>
-        </p:blipFill>
-        <p:spPr>
-          <a:xfrm>
-            <a:off x="330199" y="584200"/>
-            <a:ext cx="381000" cy="355600"/>
-          </a:xfrm>
-          <a:prstGeom prst="rect">
-            <a:avLst/>
-          </a:prstGeom>
-        </p:spPr>
-      </p:pic>
-      <p:sp>
-        <p:nvSpPr>
-          <p:cNvPr id="2" name="文字方塊 1"/>
-          <p:cNvSpPr txBox="1"/>
-          <p:nvPr/>
-        </p:nvSpPr>
-        <p:spPr>
-          <a:xfrm>
-            <a:off x="1100665" y="1253067"/>
-            <a:ext cx="6807201" cy="4031873"/>
-          </a:xfrm>
-          <a:prstGeom prst="rect">
-            <a:avLst/>
-          </a:prstGeom>
-          <a:noFill/>
-          <a:ln>
-            <a:solidFill>
-              <a:schemeClr val="tx1"/>
-            </a:solidFill>
-          </a:ln>
-        </p:spPr>
-        <p:txBody>
-          <a:bodyPr wrap="square" rtlCol="0">
-            <a:spAutoFit/>
-          </a:bodyPr>
-          <a:lstStyle/>
-          <a:p>
-            <a:r>
-              <a:rPr kumimoji="1" lang="en-US" altLang="zh-TW" sz="3200" dirty="0" smtClean="0">
-                <a:latin typeface="MS Reference Sans Serif"/>
-                <a:cs typeface="MS Reference Sans Serif"/>
-              </a:rPr>
-              <a:t>class List{</a:t>
-            </a:r>
-          </a:p>
-          <a:p>
-            <a:r>
-              <a:rPr kumimoji="1" lang="en-US" altLang="zh-TW" sz="3200" dirty="0" smtClean="0">
-                <a:latin typeface="MS Reference Sans Serif"/>
-                <a:cs typeface="MS Reference Sans Serif"/>
-              </a:rPr>
-              <a:t>    method void reset()</a:t>
-            </a:r>
-          </a:p>
-          <a:p>
-            <a:r>
-              <a:rPr kumimoji="1" lang="en-US" altLang="zh-TW" sz="3200" dirty="0" smtClean="0">
-                <a:latin typeface="MS Reference Sans Serif"/>
-                <a:cs typeface="MS Reference Sans Serif"/>
-              </a:rPr>
-              <a:t>	</a:t>
-            </a:r>
-            <a:r>
-              <a:rPr kumimoji="1" lang="zh-TW" altLang="en-US" sz="3200" dirty="0" smtClean="0">
-                <a:latin typeface="MS Reference Sans Serif"/>
-                <a:cs typeface="MS Reference Sans Serif"/>
-              </a:rPr>
-              <a:t> </a:t>
-            </a:r>
-            <a:r>
-              <a:rPr kumimoji="1" lang="en-US" altLang="zh-TW" sz="3200" dirty="0" smtClean="0">
-                <a:latin typeface="MS Reference Sans Serif"/>
-                <a:cs typeface="MS Reference Sans Serif"/>
-              </a:rPr>
-              <a:t>method </a:t>
-            </a:r>
-            <a:r>
-              <a:rPr kumimoji="1" lang="en-US" altLang="zh-TW" sz="3200" dirty="0" err="1" smtClean="0">
-                <a:latin typeface="MS Reference Sans Serif"/>
-                <a:cs typeface="MS Reference Sans Serif"/>
-              </a:rPr>
-              <a:t>boolean</a:t>
-            </a:r>
-            <a:r>
-              <a:rPr kumimoji="1" lang="en-US" altLang="zh-TW" sz="3200" dirty="0" smtClean="0">
-                <a:latin typeface="MS Reference Sans Serif"/>
-                <a:cs typeface="MS Reference Sans Serif"/>
-              </a:rPr>
-              <a:t> end()</a:t>
-            </a:r>
-          </a:p>
-          <a:p>
-            <a:r>
-              <a:rPr kumimoji="1" lang="en-US" altLang="zh-TW" sz="3200" dirty="0" smtClean="0">
-                <a:latin typeface="MS Reference Sans Serif"/>
-                <a:cs typeface="MS Reference Sans Serif"/>
-              </a:rPr>
-              <a:t>    method </a:t>
-            </a:r>
-            <a:r>
-              <a:rPr kumimoji="1" lang="en-US" altLang="zh-TW" sz="3200" dirty="0" err="1" smtClean="0">
-                <a:latin typeface="MS Reference Sans Serif"/>
-                <a:cs typeface="MS Reference Sans Serif"/>
-              </a:rPr>
-              <a:t>boolean</a:t>
-            </a:r>
-            <a:r>
-              <a:rPr kumimoji="1" lang="en-US" altLang="zh-TW" sz="3200" dirty="0" smtClean="0">
-                <a:latin typeface="MS Reference Sans Serif"/>
-                <a:cs typeface="MS Reference Sans Serif"/>
-              </a:rPr>
-              <a:t> next()</a:t>
-            </a:r>
-          </a:p>
-          <a:p>
-            <a:r>
-              <a:rPr kumimoji="1" lang="en-US" altLang="zh-TW" sz="3200" dirty="0" smtClean="0">
-                <a:latin typeface="MS Reference Sans Serif"/>
-                <a:cs typeface="MS Reference Sans Serif"/>
-              </a:rPr>
-              <a:t>    method </a:t>
-            </a:r>
-            <a:r>
-              <a:rPr kumimoji="1" lang="en-US" altLang="zh-TW" sz="3200" dirty="0" err="1" smtClean="0">
-                <a:latin typeface="MS Reference Sans Serif"/>
-                <a:cs typeface="MS Reference Sans Serif"/>
-              </a:rPr>
-              <a:t>int</a:t>
-            </a:r>
-            <a:r>
-              <a:rPr kumimoji="1" lang="en-US" altLang="zh-TW" sz="3200" dirty="0" smtClean="0">
-                <a:latin typeface="MS Reference Sans Serif"/>
-                <a:cs typeface="MS Reference Sans Serif"/>
-              </a:rPr>
-              <a:t> get()</a:t>
-            </a:r>
-          </a:p>
-          <a:p>
-            <a:r>
-              <a:rPr kumimoji="1" lang="en-US" altLang="zh-TW" sz="3200" dirty="0" smtClean="0">
-                <a:latin typeface="MS Reference Sans Serif"/>
-                <a:cs typeface="MS Reference Sans Serif"/>
-              </a:rPr>
-              <a:t>    method void insert(</a:t>
-            </a:r>
-            <a:r>
-              <a:rPr kumimoji="1" lang="en-US" altLang="zh-TW" sz="3200" dirty="0" err="1" smtClean="0">
-                <a:latin typeface="MS Reference Sans Serif"/>
-                <a:cs typeface="MS Reference Sans Serif"/>
-              </a:rPr>
-              <a:t>int</a:t>
-            </a:r>
-            <a:r>
-              <a:rPr kumimoji="1" lang="en-US" altLang="zh-TW" sz="3200" dirty="0" smtClean="0">
-                <a:latin typeface="MS Reference Sans Serif"/>
-                <a:cs typeface="MS Reference Sans Serif"/>
-              </a:rPr>
-              <a:t> data)</a:t>
-            </a:r>
-          </a:p>
-          <a:p>
-            <a:r>
-              <a:rPr kumimoji="1" lang="en-US" altLang="zh-TW" sz="3200" dirty="0" smtClean="0">
-                <a:latin typeface="MS Reference Sans Serif"/>
-                <a:cs typeface="MS Reference Sans Serif"/>
-              </a:rPr>
-              <a:t>    method void delete()</a:t>
-            </a:r>
-          </a:p>
-          <a:p>
-            <a:r>
-              <a:rPr kumimoji="1" lang="en-US" altLang="zh-TW" sz="3200" dirty="0" smtClean="0">
-                <a:latin typeface="MS Reference Sans Serif"/>
-                <a:cs typeface="MS Reference Sans Serif"/>
-              </a:rPr>
-              <a:t>}</a:t>
-            </a:r>
-            <a:endParaRPr kumimoji="1" lang="zh-TW" altLang="en-US" sz="3200" dirty="0">
-              <a:latin typeface="MS Reference Sans Serif"/>
-              <a:cs typeface="MS Reference Sans Serif"/>
             </a:endParaRPr>
           </a:p>
         </p:txBody>
@@ -9255,6 +9477,504 @@
                 <a:latin typeface="Bank Gothic"/>
                 <a:cs typeface="Bank Gothic"/>
               </a:rPr>
+              <a:t>List</a:t>
+            </a:r>
+            <a:endParaRPr kumimoji="1" lang="zh-TW" altLang="en-US" sz="5600" dirty="0">
+              <a:latin typeface="Bank Gothic"/>
+              <a:cs typeface="Bank Gothic"/>
+            </a:endParaRPr>
+          </a:p>
+        </p:txBody>
+      </p:sp>
+      <p:pic>
+        <p:nvPicPr>
+          <p:cNvPr id="6" name="圖片 5" descr="螢幕快照 2014-01-13 下午3.47.32.png"/>
+          <p:cNvPicPr>
+            <a:picLocks noChangeAspect="1"/>
+          </p:cNvPicPr>
+          <p:nvPr/>
+        </p:nvPicPr>
+        <p:blipFill>
+          <a:blip r:embed="rId2">
+            <a:extLst>
+              <a:ext uri="{28A0092B-C50C-407E-A947-70E740481C1C}">
+                <a14:useLocalDpi xmlns:a14="http://schemas.microsoft.com/office/drawing/2010/main" val="0"/>
+              </a:ext>
+            </a:extLst>
+          </a:blip>
+          <a:stretch>
+            <a:fillRect/>
+          </a:stretch>
+        </p:blipFill>
+        <p:spPr>
+          <a:xfrm>
+            <a:off x="330199" y="584200"/>
+            <a:ext cx="381000" cy="355600"/>
+          </a:xfrm>
+          <a:prstGeom prst="rect">
+            <a:avLst/>
+          </a:prstGeom>
+        </p:spPr>
+      </p:pic>
+      <p:sp>
+        <p:nvSpPr>
+          <p:cNvPr id="2" name="文字方塊 1"/>
+          <p:cNvSpPr txBox="1"/>
+          <p:nvPr/>
+        </p:nvSpPr>
+        <p:spPr>
+          <a:xfrm>
+            <a:off x="1100665" y="1253067"/>
+            <a:ext cx="6807201" cy="4031873"/>
+          </a:xfrm>
+          <a:prstGeom prst="rect">
+            <a:avLst/>
+          </a:prstGeom>
+          <a:noFill/>
+          <a:ln>
+            <a:solidFill>
+              <a:schemeClr val="tx1"/>
+            </a:solidFill>
+          </a:ln>
+        </p:spPr>
+        <p:txBody>
+          <a:bodyPr wrap="square" rtlCol="0">
+            <a:spAutoFit/>
+          </a:bodyPr>
+          <a:lstStyle/>
+          <a:p>
+            <a:r>
+              <a:rPr kumimoji="1" lang="en-US" altLang="zh-TW" sz="3200" dirty="0" smtClean="0">
+                <a:latin typeface="MS Reference Sans Serif"/>
+                <a:cs typeface="MS Reference Sans Serif"/>
+              </a:rPr>
+              <a:t>class List{</a:t>
+            </a:r>
+          </a:p>
+          <a:p>
+            <a:r>
+              <a:rPr kumimoji="1" lang="en-US" altLang="zh-TW" sz="3200" dirty="0" smtClean="0">
+                <a:latin typeface="MS Reference Sans Serif"/>
+                <a:cs typeface="MS Reference Sans Serif"/>
+              </a:rPr>
+              <a:t>    method void reset()</a:t>
+            </a:r>
+          </a:p>
+          <a:p>
+            <a:r>
+              <a:rPr kumimoji="1" lang="en-US" altLang="zh-TW" sz="3200" dirty="0" smtClean="0">
+                <a:latin typeface="MS Reference Sans Serif"/>
+                <a:cs typeface="MS Reference Sans Serif"/>
+              </a:rPr>
+              <a:t>	</a:t>
+            </a:r>
+            <a:r>
+              <a:rPr kumimoji="1" lang="zh-TW" altLang="en-US" sz="3200" dirty="0" smtClean="0">
+                <a:latin typeface="MS Reference Sans Serif"/>
+                <a:cs typeface="MS Reference Sans Serif"/>
+              </a:rPr>
+              <a:t> </a:t>
+            </a:r>
+            <a:r>
+              <a:rPr kumimoji="1" lang="en-US" altLang="zh-TW" sz="3200" dirty="0" smtClean="0">
+                <a:latin typeface="MS Reference Sans Serif"/>
+                <a:cs typeface="MS Reference Sans Serif"/>
+              </a:rPr>
+              <a:t>method </a:t>
+            </a:r>
+            <a:r>
+              <a:rPr kumimoji="1" lang="en-US" altLang="zh-TW" sz="3200" dirty="0" err="1" smtClean="0">
+                <a:latin typeface="MS Reference Sans Serif"/>
+                <a:cs typeface="MS Reference Sans Serif"/>
+              </a:rPr>
+              <a:t>boolean</a:t>
+            </a:r>
+            <a:r>
+              <a:rPr kumimoji="1" lang="en-US" altLang="zh-TW" sz="3200" dirty="0" smtClean="0">
+                <a:latin typeface="MS Reference Sans Serif"/>
+                <a:cs typeface="MS Reference Sans Serif"/>
+              </a:rPr>
+              <a:t> end()</a:t>
+            </a:r>
+          </a:p>
+          <a:p>
+            <a:r>
+              <a:rPr kumimoji="1" lang="en-US" altLang="zh-TW" sz="3200" dirty="0" smtClean="0">
+                <a:latin typeface="MS Reference Sans Serif"/>
+                <a:cs typeface="MS Reference Sans Serif"/>
+              </a:rPr>
+              <a:t>    method </a:t>
+            </a:r>
+            <a:r>
+              <a:rPr kumimoji="1" lang="en-US" altLang="zh-TW" sz="3200" dirty="0" err="1" smtClean="0">
+                <a:latin typeface="MS Reference Sans Serif"/>
+                <a:cs typeface="MS Reference Sans Serif"/>
+              </a:rPr>
+              <a:t>boolean</a:t>
+            </a:r>
+            <a:r>
+              <a:rPr kumimoji="1" lang="en-US" altLang="zh-TW" sz="3200" dirty="0" smtClean="0">
+                <a:latin typeface="MS Reference Sans Serif"/>
+                <a:cs typeface="MS Reference Sans Serif"/>
+              </a:rPr>
+              <a:t> next()</a:t>
+            </a:r>
+          </a:p>
+          <a:p>
+            <a:r>
+              <a:rPr kumimoji="1" lang="en-US" altLang="zh-TW" sz="3200" dirty="0" smtClean="0">
+                <a:latin typeface="MS Reference Sans Serif"/>
+                <a:cs typeface="MS Reference Sans Serif"/>
+              </a:rPr>
+              <a:t>    method </a:t>
+            </a:r>
+            <a:r>
+              <a:rPr kumimoji="1" lang="en-US" altLang="zh-TW" sz="3200" dirty="0" err="1" smtClean="0">
+                <a:latin typeface="MS Reference Sans Serif"/>
+                <a:cs typeface="MS Reference Sans Serif"/>
+              </a:rPr>
+              <a:t>int</a:t>
+            </a:r>
+            <a:r>
+              <a:rPr kumimoji="1" lang="en-US" altLang="zh-TW" sz="3200" dirty="0" smtClean="0">
+                <a:latin typeface="MS Reference Sans Serif"/>
+                <a:cs typeface="MS Reference Sans Serif"/>
+              </a:rPr>
+              <a:t> get()</a:t>
+            </a:r>
+          </a:p>
+          <a:p>
+            <a:r>
+              <a:rPr kumimoji="1" lang="en-US" altLang="zh-TW" sz="3200" dirty="0" smtClean="0">
+                <a:latin typeface="MS Reference Sans Serif"/>
+                <a:cs typeface="MS Reference Sans Serif"/>
+              </a:rPr>
+              <a:t>    method void insert(</a:t>
+            </a:r>
+            <a:r>
+              <a:rPr kumimoji="1" lang="en-US" altLang="zh-TW" sz="3200" dirty="0" err="1" smtClean="0">
+                <a:latin typeface="MS Reference Sans Serif"/>
+                <a:cs typeface="MS Reference Sans Serif"/>
+              </a:rPr>
+              <a:t>int</a:t>
+            </a:r>
+            <a:r>
+              <a:rPr kumimoji="1" lang="en-US" altLang="zh-TW" sz="3200" dirty="0" smtClean="0">
+                <a:latin typeface="MS Reference Sans Serif"/>
+                <a:cs typeface="MS Reference Sans Serif"/>
+              </a:rPr>
+              <a:t> data)</a:t>
+            </a:r>
+          </a:p>
+          <a:p>
+            <a:r>
+              <a:rPr kumimoji="1" lang="en-US" altLang="zh-TW" sz="3200" dirty="0" smtClean="0">
+                <a:latin typeface="MS Reference Sans Serif"/>
+                <a:cs typeface="MS Reference Sans Serif"/>
+              </a:rPr>
+              <a:t>    method void delete()</a:t>
+            </a:r>
+          </a:p>
+          <a:p>
+            <a:r>
+              <a:rPr kumimoji="1" lang="en-US" altLang="zh-TW" sz="3200" dirty="0" smtClean="0">
+                <a:latin typeface="MS Reference Sans Serif"/>
+                <a:cs typeface="MS Reference Sans Serif"/>
+              </a:rPr>
+              <a:t>}</a:t>
+            </a:r>
+            <a:endParaRPr kumimoji="1" lang="zh-TW" altLang="en-US" sz="3200" dirty="0">
+              <a:latin typeface="MS Reference Sans Serif"/>
+              <a:cs typeface="MS Reference Sans Serif"/>
+            </a:endParaRPr>
+          </a:p>
+        </p:txBody>
+      </p:sp>
+    </p:spTree>
+    <p:extLst>
+      <p:ext uri="{BB962C8B-B14F-4D97-AF65-F5344CB8AC3E}">
+        <p14:creationId xmlns:p14="http://schemas.microsoft.com/office/powerpoint/2010/main" val="1092717882"/>
+      </p:ext>
+    </p:extLst>
+  </p:cSld>
+  <p:clrMapOvr>
+    <a:masterClrMapping/>
+  </p:clrMapOvr>
+  <p:timing>
+    <p:tnLst>
+      <p:par>
+        <p:cTn xmlns:p14="http://schemas.microsoft.com/office/powerpoint/2010/main" id="1" dur="indefinite" restart="never" nodeType="tmRoot"/>
+      </p:par>
+    </p:tnLst>
+  </p:timing>
+</p:sld>
+</file>
+
+<file path=ppt/slides/slide21.xml><?xml version="1.0" encoding="utf-8"?>
+<p:sld xmlns:a="http://schemas.openxmlformats.org/drawingml/2006/main" xmlns:r="http://schemas.openxmlformats.org/officeDocument/2006/relationships" xmlns:p="http://schemas.openxmlformats.org/presentationml/2006/main">
+  <p:cSld>
+    <p:spTree>
+      <p:nvGrpSpPr>
+        <p:cNvPr id="1" name=""/>
+        <p:cNvGrpSpPr/>
+        <p:nvPr/>
+      </p:nvGrpSpPr>
+      <p:grpSpPr>
+        <a:xfrm>
+          <a:off x="0" y="0"/>
+          <a:ext cx="0" cy="0"/>
+          <a:chOff x="0" y="0"/>
+          <a:chExt cx="0" cy="0"/>
+        </a:xfrm>
+      </p:grpSpPr>
+      <p:sp>
+        <p:nvSpPr>
+          <p:cNvPr id="4" name="文字方塊 3"/>
+          <p:cNvSpPr txBox="1"/>
+          <p:nvPr/>
+        </p:nvSpPr>
+        <p:spPr>
+          <a:xfrm>
+            <a:off x="711199" y="163493"/>
+            <a:ext cx="8043334" cy="954107"/>
+          </a:xfrm>
+          <a:prstGeom prst="rect">
+            <a:avLst/>
+          </a:prstGeom>
+          <a:noFill/>
+        </p:spPr>
+        <p:txBody>
+          <a:bodyPr wrap="square" rtlCol="0">
+            <a:spAutoFit/>
+          </a:bodyPr>
+          <a:lstStyle/>
+          <a:p>
+            <a:r>
+              <a:rPr kumimoji="1" lang="en-US" altLang="zh-TW" sz="5600" dirty="0" smtClean="0">
+                <a:latin typeface="Bank Gothic"/>
+                <a:cs typeface="Bank Gothic"/>
+              </a:rPr>
+              <a:t>Random</a:t>
+            </a:r>
+            <a:endParaRPr kumimoji="1" lang="zh-TW" altLang="en-US" sz="5600" dirty="0">
+              <a:latin typeface="Bank Gothic"/>
+              <a:cs typeface="Bank Gothic"/>
+            </a:endParaRPr>
+          </a:p>
+        </p:txBody>
+      </p:sp>
+      <p:pic>
+        <p:nvPicPr>
+          <p:cNvPr id="6" name="圖片 5" descr="螢幕快照 2014-01-13 下午3.47.32.png"/>
+          <p:cNvPicPr>
+            <a:picLocks noChangeAspect="1"/>
+          </p:cNvPicPr>
+          <p:nvPr/>
+        </p:nvPicPr>
+        <p:blipFill>
+          <a:blip r:embed="rId2">
+            <a:extLst>
+              <a:ext uri="{28A0092B-C50C-407E-A947-70E740481C1C}">
+                <a14:useLocalDpi xmlns:a14="http://schemas.microsoft.com/office/drawing/2010/main" val="0"/>
+              </a:ext>
+            </a:extLst>
+          </a:blip>
+          <a:stretch>
+            <a:fillRect/>
+          </a:stretch>
+        </p:blipFill>
+        <p:spPr>
+          <a:xfrm>
+            <a:off x="330199" y="584200"/>
+            <a:ext cx="381000" cy="355600"/>
+          </a:xfrm>
+          <a:prstGeom prst="rect">
+            <a:avLst/>
+          </a:prstGeom>
+        </p:spPr>
+      </p:pic>
+      <p:sp>
+        <p:nvSpPr>
+          <p:cNvPr id="2" name="文字方塊 1"/>
+          <p:cNvSpPr txBox="1"/>
+          <p:nvPr/>
+        </p:nvSpPr>
+        <p:spPr>
+          <a:xfrm>
+            <a:off x="1100665" y="1253067"/>
+            <a:ext cx="6807201" cy="3046988"/>
+          </a:xfrm>
+          <a:prstGeom prst="rect">
+            <a:avLst/>
+          </a:prstGeom>
+          <a:noFill/>
+          <a:ln>
+            <a:solidFill>
+              <a:schemeClr val="tx1"/>
+            </a:solidFill>
+          </a:ln>
+        </p:spPr>
+        <p:txBody>
+          <a:bodyPr wrap="square" rtlCol="0">
+            <a:spAutoFit/>
+          </a:bodyPr>
+          <a:lstStyle/>
+          <a:p>
+            <a:r>
+              <a:rPr lang="en-US" altLang="zh-TW" sz="3200" dirty="0">
+                <a:latin typeface="MS Reference Sans Serif"/>
+                <a:cs typeface="MS Reference Sans Serif"/>
+              </a:rPr>
+              <a:t>function </a:t>
+            </a:r>
+            <a:r>
+              <a:rPr lang="en-US" altLang="zh-TW" sz="3200" dirty="0" err="1">
+                <a:latin typeface="MS Reference Sans Serif"/>
+                <a:cs typeface="MS Reference Sans Serif"/>
+              </a:rPr>
+              <a:t>int</a:t>
+            </a:r>
+            <a:r>
+              <a:rPr lang="en-US" altLang="zh-TW" sz="3200" dirty="0">
+                <a:latin typeface="MS Reference Sans Serif"/>
+                <a:cs typeface="MS Reference Sans Serif"/>
+              </a:rPr>
+              <a:t> rand()</a:t>
+            </a:r>
+          </a:p>
+          <a:p>
+            <a:r>
+              <a:rPr lang="en-US" altLang="zh-TW" sz="3200" dirty="0" smtClean="0">
+                <a:latin typeface="MS Reference Sans Serif"/>
+                <a:cs typeface="MS Reference Sans Serif"/>
+              </a:rPr>
+              <a:t>{</a:t>
+            </a:r>
+            <a:endParaRPr lang="en-US" altLang="zh-TW" sz="3200" dirty="0">
+              <a:latin typeface="MS Reference Sans Serif"/>
+              <a:cs typeface="MS Reference Sans Serif"/>
+            </a:endParaRPr>
+          </a:p>
+          <a:p>
+            <a:r>
+              <a:rPr lang="cs-CZ" altLang="zh-TW" sz="3200" dirty="0">
+                <a:latin typeface="MS Reference Sans Serif"/>
+                <a:cs typeface="MS Reference Sans Serif"/>
+              </a:rPr>
+              <a:t>        let a = a*</a:t>
+            </a:r>
+            <a:r>
+              <a:rPr lang="cs-CZ" altLang="zh-TW" sz="3200" dirty="0" err="1">
+                <a:latin typeface="MS Reference Sans Serif"/>
+                <a:cs typeface="MS Reference Sans Serif"/>
+              </a:rPr>
+              <a:t>a+t</a:t>
+            </a:r>
+            <a:r>
+              <a:rPr lang="cs-CZ" altLang="zh-TW" sz="3200" dirty="0">
+                <a:latin typeface="MS Reference Sans Serif"/>
+                <a:cs typeface="MS Reference Sans Serif"/>
+              </a:rPr>
+              <a:t>/16&amp;127;</a:t>
+            </a:r>
+          </a:p>
+          <a:p>
+            <a:r>
+              <a:rPr lang="cs-CZ" altLang="zh-TW" sz="3200" dirty="0">
+                <a:latin typeface="MS Reference Sans Serif"/>
+                <a:cs typeface="MS Reference Sans Serif"/>
+              </a:rPr>
+              <a:t>        let t = t+1;</a:t>
+            </a:r>
+          </a:p>
+          <a:p>
+            <a:r>
+              <a:rPr lang="is-IS" altLang="zh-TW" sz="3200" dirty="0">
+                <a:latin typeface="MS Reference Sans Serif"/>
+                <a:cs typeface="MS Reference Sans Serif"/>
+              </a:rPr>
+              <a:t>        return a;</a:t>
+            </a:r>
+          </a:p>
+          <a:p>
+            <a:r>
+              <a:rPr lang="is-IS" altLang="zh-TW" sz="3200" dirty="0" smtClean="0">
+                <a:latin typeface="MS Reference Sans Serif"/>
+                <a:cs typeface="MS Reference Sans Serif"/>
+              </a:rPr>
+              <a:t>}</a:t>
+            </a:r>
+            <a:endParaRPr lang="is-IS" altLang="zh-TW" sz="3200" dirty="0">
+              <a:latin typeface="MS Reference Sans Serif"/>
+              <a:cs typeface="MS Reference Sans Serif"/>
+            </a:endParaRPr>
+          </a:p>
+        </p:txBody>
+      </p:sp>
+    </p:spTree>
+    <p:extLst>
+      <p:ext uri="{BB962C8B-B14F-4D97-AF65-F5344CB8AC3E}">
+        <p14:creationId xmlns:p14="http://schemas.microsoft.com/office/powerpoint/2010/main" val="1613854653"/>
+      </p:ext>
+    </p:extLst>
+  </p:cSld>
+  <p:clrMapOvr>
+    <a:masterClrMapping/>
+  </p:clrMapOvr>
+  <p:timing>
+    <p:tnLst>
+      <p:par>
+        <p:cTn xmlns:p14="http://schemas.microsoft.com/office/powerpoint/2010/main" id="1" dur="indefinite" restart="never" nodeType="tmRoot"/>
+      </p:par>
+    </p:tnLst>
+  </p:timing>
+</p:sld>
+</file>
+
+<file path=ppt/slides/slide22.xml><?xml version="1.0" encoding="utf-8"?>
+<p:sld xmlns:a="http://schemas.openxmlformats.org/drawingml/2006/main" xmlns:r="http://schemas.openxmlformats.org/officeDocument/2006/relationships" xmlns:p="http://schemas.openxmlformats.org/presentationml/2006/main">
+  <p:cSld>
+    <p:spTree>
+      <p:nvGrpSpPr>
+        <p:cNvPr id="1" name=""/>
+        <p:cNvGrpSpPr/>
+        <p:nvPr/>
+      </p:nvGrpSpPr>
+      <p:grpSpPr>
+        <a:xfrm>
+          <a:off x="0" y="0"/>
+          <a:ext cx="0" cy="0"/>
+          <a:chOff x="0" y="0"/>
+          <a:chExt cx="0" cy="0"/>
+        </a:xfrm>
+      </p:grpSpPr>
+      <p:sp>
+        <p:nvSpPr>
+          <p:cNvPr id="4" name="文字方塊 3"/>
+          <p:cNvSpPr txBox="1"/>
+          <p:nvPr/>
+        </p:nvSpPr>
+        <p:spPr>
+          <a:xfrm>
+            <a:off x="711199" y="163493"/>
+            <a:ext cx="8043334" cy="954107"/>
+          </a:xfrm>
+          <a:prstGeom prst="rect">
+            <a:avLst/>
+          </a:prstGeom>
+          <a:noFill/>
+        </p:spPr>
+        <p:txBody>
+          <a:bodyPr wrap="square" rtlCol="0">
+            <a:spAutoFit/>
+          </a:bodyPr>
+          <a:lstStyle/>
+          <a:p>
+            <a:r>
+              <a:rPr kumimoji="1" lang="en-US" altLang="zh-TW" sz="5600" dirty="0" smtClean="0">
+                <a:latin typeface="Bank Gothic"/>
+                <a:cs typeface="Bank Gothic"/>
+              </a:rPr>
               <a:t>Menu</a:t>
             </a:r>
             <a:endParaRPr kumimoji="1" lang="zh-TW" altLang="en-US" sz="5600" dirty="0">
@@ -9503,7 +10223,7 @@
 </p:sld>
 </file>
 
-<file path=ppt/slides/slide21.xml><?xml version="1.0" encoding="utf-8"?>
+<file path=ppt/slides/slide23.xml><?xml version="1.0" encoding="utf-8"?>
 <p:sld xmlns:a="http://schemas.openxmlformats.org/drawingml/2006/main" xmlns:r="http://schemas.openxmlformats.org/officeDocument/2006/relationships" xmlns:p="http://schemas.openxmlformats.org/presentationml/2006/main">
   <p:cSld>
     <p:spTree>
@@ -9983,301 +10703,6 @@
     <p:extLst>
       <p:ext uri="{BB962C8B-B14F-4D97-AF65-F5344CB8AC3E}">
         <p14:creationId xmlns:p14="http://schemas.microsoft.com/office/powerpoint/2010/main" val="1092717882"/>
-      </p:ext>
-    </p:extLst>
-  </p:cSld>
-  <p:clrMapOvr>
-    <a:masterClrMapping/>
-  </p:clrMapOvr>
-  <p:timing>
-    <p:tnLst>
-      <p:par>
-        <p:cTn xmlns:p14="http://schemas.microsoft.com/office/powerpoint/2010/main" id="1" dur="indefinite" restart="never" nodeType="tmRoot"/>
-      </p:par>
-    </p:tnLst>
-  </p:timing>
-</p:sld>
-</file>
-
-<file path=ppt/slides/slide22.xml><?xml version="1.0" encoding="utf-8"?>
-<p:sld xmlns:a="http://schemas.openxmlformats.org/drawingml/2006/main" xmlns:r="http://schemas.openxmlformats.org/officeDocument/2006/relationships" xmlns:p="http://schemas.openxmlformats.org/presentationml/2006/main">
-  <p:cSld>
-    <p:spTree>
-      <p:nvGrpSpPr>
-        <p:cNvPr id="1" name=""/>
-        <p:cNvGrpSpPr/>
-        <p:nvPr/>
-      </p:nvGrpSpPr>
-      <p:grpSpPr>
-        <a:xfrm>
-          <a:off x="0" y="0"/>
-          <a:ext cx="0" cy="0"/>
-          <a:chOff x="0" y="0"/>
-          <a:chExt cx="0" cy="0"/>
-        </a:xfrm>
-      </p:grpSpPr>
-      <p:sp>
-        <p:nvSpPr>
-          <p:cNvPr id="4" name="文字方塊 3"/>
-          <p:cNvSpPr txBox="1"/>
-          <p:nvPr/>
-        </p:nvSpPr>
-        <p:spPr>
-          <a:xfrm>
-            <a:off x="711199" y="163493"/>
-            <a:ext cx="8043334" cy="954107"/>
-          </a:xfrm>
-          <a:prstGeom prst="rect">
-            <a:avLst/>
-          </a:prstGeom>
-          <a:noFill/>
-        </p:spPr>
-        <p:txBody>
-          <a:bodyPr wrap="square" rtlCol="0">
-            <a:spAutoFit/>
-          </a:bodyPr>
-          <a:lstStyle/>
-          <a:p>
-            <a:r>
-              <a:rPr kumimoji="1" lang="en-US" altLang="zh-TW" sz="5600" dirty="0" smtClean="0">
-                <a:latin typeface="Bank Gothic"/>
-                <a:cs typeface="Bank Gothic"/>
-              </a:rPr>
-              <a:t>Album</a:t>
-            </a:r>
-            <a:endParaRPr kumimoji="1" lang="zh-TW" altLang="en-US" sz="5600" dirty="0">
-              <a:latin typeface="Bank Gothic"/>
-              <a:cs typeface="Bank Gothic"/>
-            </a:endParaRPr>
-          </a:p>
-        </p:txBody>
-      </p:sp>
-      <p:pic>
-        <p:nvPicPr>
-          <p:cNvPr id="6" name="圖片 5" descr="螢幕快照 2014-01-13 下午3.47.32.png"/>
-          <p:cNvPicPr>
-            <a:picLocks noChangeAspect="1"/>
-          </p:cNvPicPr>
-          <p:nvPr/>
-        </p:nvPicPr>
-        <p:blipFill>
-          <a:blip r:embed="rId2">
-            <a:extLst>
-              <a:ext uri="{28A0092B-C50C-407E-A947-70E740481C1C}">
-                <a14:useLocalDpi xmlns:a14="http://schemas.microsoft.com/office/drawing/2010/main" val="0"/>
-              </a:ext>
-            </a:extLst>
-          </a:blip>
-          <a:stretch>
-            <a:fillRect/>
-          </a:stretch>
-        </p:blipFill>
-        <p:spPr>
-          <a:xfrm>
-            <a:off x="330199" y="584200"/>
-            <a:ext cx="381000" cy="355600"/>
-          </a:xfrm>
-          <a:prstGeom prst="rect">
-            <a:avLst/>
-          </a:prstGeom>
-        </p:spPr>
-      </p:pic>
-      <p:pic>
-        <p:nvPicPr>
-          <p:cNvPr id="2" name="圖片 1" descr="螢幕快照 2014-01-13 下午5.10.25.png"/>
-          <p:cNvPicPr>
-            <a:picLocks noChangeAspect="1"/>
-          </p:cNvPicPr>
-          <p:nvPr/>
-        </p:nvPicPr>
-        <p:blipFill rotWithShape="1">
-          <a:blip r:embed="rId3">
-            <a:extLst>
-              <a:ext uri="{28A0092B-C50C-407E-A947-70E740481C1C}">
-                <a14:useLocalDpi xmlns:a14="http://schemas.microsoft.com/office/drawing/2010/main" val="0"/>
-              </a:ext>
-            </a:extLst>
-          </a:blip>
-          <a:srcRect b="47654"/>
-          <a:stretch/>
-        </p:blipFill>
-        <p:spPr>
-          <a:xfrm>
-            <a:off x="0" y="1219198"/>
-            <a:ext cx="9144000" cy="5191362"/>
-          </a:xfrm>
-          <a:prstGeom prst="rect">
-            <a:avLst/>
-          </a:prstGeom>
-        </p:spPr>
-      </p:pic>
-    </p:spTree>
-    <p:extLst>
-      <p:ext uri="{BB962C8B-B14F-4D97-AF65-F5344CB8AC3E}">
-        <p14:creationId xmlns:p14="http://schemas.microsoft.com/office/powerpoint/2010/main" val="1347220675"/>
-      </p:ext>
-    </p:extLst>
-  </p:cSld>
-  <p:clrMapOvr>
-    <a:masterClrMapping/>
-  </p:clrMapOvr>
-  <p:timing>
-    <p:tnLst>
-      <p:par>
-        <p:cTn xmlns:p14="http://schemas.microsoft.com/office/powerpoint/2010/main" id="1" dur="indefinite" restart="never" nodeType="tmRoot"/>
-      </p:par>
-    </p:tnLst>
-  </p:timing>
-</p:sld>
-</file>
-
-<file path=ppt/slides/slide23.xml><?xml version="1.0" encoding="utf-8"?>
-<p:sld xmlns:a="http://schemas.openxmlformats.org/drawingml/2006/main" xmlns:r="http://schemas.openxmlformats.org/officeDocument/2006/relationships" xmlns:p="http://schemas.openxmlformats.org/presentationml/2006/main">
-  <p:cSld>
-    <p:spTree>
-      <p:nvGrpSpPr>
-        <p:cNvPr id="1" name=""/>
-        <p:cNvGrpSpPr/>
-        <p:nvPr/>
-      </p:nvGrpSpPr>
-      <p:grpSpPr>
-        <a:xfrm>
-          <a:off x="0" y="0"/>
-          <a:ext cx="0" cy="0"/>
-          <a:chOff x="0" y="0"/>
-          <a:chExt cx="0" cy="0"/>
-        </a:xfrm>
-      </p:grpSpPr>
-      <p:sp>
-        <p:nvSpPr>
-          <p:cNvPr id="4" name="文字方塊 3"/>
-          <p:cNvSpPr txBox="1"/>
-          <p:nvPr/>
-        </p:nvSpPr>
-        <p:spPr>
-          <a:xfrm>
-            <a:off x="711199" y="163493"/>
-            <a:ext cx="8043334" cy="954107"/>
-          </a:xfrm>
-          <a:prstGeom prst="rect">
-            <a:avLst/>
-          </a:prstGeom>
-          <a:noFill/>
-        </p:spPr>
-        <p:txBody>
-          <a:bodyPr wrap="square" rtlCol="0">
-            <a:spAutoFit/>
-          </a:bodyPr>
-          <a:lstStyle/>
-          <a:p>
-            <a:r>
-              <a:rPr kumimoji="1" lang="en-US" altLang="zh-TW" sz="5600" dirty="0" err="1" smtClean="0">
-                <a:latin typeface="Bank Gothic"/>
-                <a:cs typeface="Bank Gothic"/>
-              </a:rPr>
-              <a:t>Git</a:t>
-            </a:r>
-            <a:r>
-              <a:rPr kumimoji="1" lang="zh-TW" altLang="en-US" sz="5600" dirty="0" smtClean="0">
-                <a:latin typeface="Bank Gothic"/>
-                <a:cs typeface="Bank Gothic"/>
-              </a:rPr>
-              <a:t> </a:t>
-            </a:r>
-            <a:r>
-              <a:rPr kumimoji="1" lang="en-US" altLang="zh-TW" sz="5600" dirty="0" smtClean="0">
-                <a:latin typeface="Bank Gothic"/>
-                <a:cs typeface="Bank Gothic"/>
-              </a:rPr>
-              <a:t>in</a:t>
-            </a:r>
-            <a:r>
-              <a:rPr kumimoji="1" lang="zh-TW" altLang="en-US" sz="5600" dirty="0" smtClean="0">
-                <a:latin typeface="Bank Gothic"/>
-                <a:cs typeface="Bank Gothic"/>
-              </a:rPr>
-              <a:t> </a:t>
-            </a:r>
-            <a:r>
-              <a:rPr kumimoji="1" lang="en-US" altLang="zh-TW" sz="5600" dirty="0" err="1" smtClean="0">
-                <a:latin typeface="Bank Gothic"/>
-                <a:cs typeface="Bank Gothic"/>
-              </a:rPr>
-              <a:t>bitbucket</a:t>
-            </a:r>
-            <a:endParaRPr kumimoji="1" lang="zh-TW" altLang="en-US" sz="5600" dirty="0">
-              <a:latin typeface="Bank Gothic"/>
-              <a:cs typeface="Bank Gothic"/>
-            </a:endParaRPr>
-          </a:p>
-        </p:txBody>
-      </p:sp>
-      <p:pic>
-        <p:nvPicPr>
-          <p:cNvPr id="6" name="圖片 5" descr="螢幕快照 2014-01-13 下午3.47.32.png">
-            <a:hlinkClick r:id="rId2"/>
-          </p:cNvPr>
-          <p:cNvPicPr>
-            <a:picLocks noChangeAspect="1"/>
-          </p:cNvPicPr>
-          <p:nvPr/>
-        </p:nvPicPr>
-        <p:blipFill>
-          <a:blip r:embed="rId3">
-            <a:extLst>
-              <a:ext uri="{28A0092B-C50C-407E-A947-70E740481C1C}">
-                <a14:useLocalDpi xmlns:a14="http://schemas.microsoft.com/office/drawing/2010/main" val="0"/>
-              </a:ext>
-            </a:extLst>
-          </a:blip>
-          <a:stretch>
-            <a:fillRect/>
-          </a:stretch>
-        </p:blipFill>
-        <p:spPr>
-          <a:xfrm>
-            <a:off x="330199" y="584200"/>
-            <a:ext cx="381000" cy="355600"/>
-          </a:xfrm>
-          <a:prstGeom prst="rect">
-            <a:avLst/>
-          </a:prstGeom>
-        </p:spPr>
-      </p:pic>
-      <p:pic>
-        <p:nvPicPr>
-          <p:cNvPr id="2" name="圖片 1" descr="螢幕快照 2014-01-13 下午5.13.33.png"/>
-          <p:cNvPicPr>
-            <a:picLocks noChangeAspect="1"/>
-          </p:cNvPicPr>
-          <p:nvPr/>
-        </p:nvPicPr>
-        <p:blipFill>
-          <a:blip r:embed="rId4">
-            <a:extLst>
-              <a:ext uri="{28A0092B-C50C-407E-A947-70E740481C1C}">
-                <a14:useLocalDpi xmlns:a14="http://schemas.microsoft.com/office/drawing/2010/main" val="0"/>
-              </a:ext>
-            </a:extLst>
-          </a:blip>
-          <a:stretch>
-            <a:fillRect/>
-          </a:stretch>
-        </p:blipFill>
-        <p:spPr>
-          <a:xfrm>
-            <a:off x="524935" y="1117600"/>
-            <a:ext cx="8143935" cy="5740400"/>
-          </a:xfrm>
-          <a:prstGeom prst="rect">
-            <a:avLst/>
-          </a:prstGeom>
-        </p:spPr>
-      </p:pic>
-    </p:spTree>
-    <p:extLst>
-      <p:ext uri="{BB962C8B-B14F-4D97-AF65-F5344CB8AC3E}">
-        <p14:creationId xmlns:p14="http://schemas.microsoft.com/office/powerpoint/2010/main" val="3206246153"/>
       </p:ext>
     </p:extLst>
   </p:cSld>
@@ -10319,8 +10744,8 @@
         </p:nvSpPr>
         <p:spPr>
           <a:xfrm>
-            <a:off x="711198" y="163493"/>
-            <a:ext cx="8737601" cy="954107"/>
+            <a:off x="711199" y="163493"/>
+            <a:ext cx="8043334" cy="954107"/>
           </a:xfrm>
           <a:prstGeom prst="rect">
             <a:avLst/>
@@ -10338,7 +10763,7 @@
                 <a:latin typeface="Bank Gothic"/>
                 <a:cs typeface="Bank Gothic"/>
               </a:rPr>
-              <a:t>Statistic</a:t>
+              <a:t>Album</a:t>
             </a:r>
             <a:endParaRPr kumimoji="1" lang="zh-TW" altLang="en-US" sz="5600" dirty="0">
               <a:latin typeface="Bank Gothic"/>
@@ -10377,469 +10802,39 @@
           </a:prstGeom>
         </p:spPr>
       </p:pic>
-      <p:sp>
-        <p:nvSpPr>
-          <p:cNvPr id="2" name="文字方塊 1"/>
-          <p:cNvSpPr txBox="1"/>
+      <p:pic>
+        <p:nvPicPr>
+          <p:cNvPr id="2" name="圖片 1" descr="螢幕快照 2014-01-13 下午5.10.25.png"/>
+          <p:cNvPicPr>
+            <a:picLocks noChangeAspect="1"/>
+          </p:cNvPicPr>
           <p:nvPr/>
-        </p:nvSpPr>
-        <p:spPr>
-          <a:xfrm>
-            <a:off x="872066" y="1358403"/>
-            <a:ext cx="7865534" cy="4031873"/>
+        </p:nvPicPr>
+        <p:blipFill rotWithShape="1">
+          <a:blip r:embed="rId3">
+            <a:extLst>
+              <a:ext uri="{28A0092B-C50C-407E-A947-70E740481C1C}">
+                <a14:useLocalDpi xmlns:a14="http://schemas.microsoft.com/office/drawing/2010/main" val="0"/>
+              </a:ext>
+            </a:extLst>
+          </a:blip>
+          <a:srcRect b="47654"/>
+          <a:stretch/>
+        </p:blipFill>
+        <p:spPr>
+          <a:xfrm>
+            <a:off x="0" y="1219198"/>
+            <a:ext cx="9144000" cy="5191362"/>
           </a:xfrm>
           <a:prstGeom prst="rect">
             <a:avLst/>
           </a:prstGeom>
-          <a:noFill/>
-        </p:spPr>
-        <p:txBody>
-          <a:bodyPr wrap="square" rtlCol="0">
-            <a:spAutoFit/>
-          </a:bodyPr>
-          <a:lstStyle/>
-          <a:p>
-            <a:pPr marL="285750" indent="-285750">
-              <a:buFont typeface="Wingdings" charset="2"/>
-              <a:buChar char="p"/>
-            </a:pPr>
-            <a:r>
-              <a:rPr kumimoji="1" lang="zh-TW" altLang="en-US" sz="3200" dirty="0" smtClean="0">
-                <a:latin typeface="Bank Gothic"/>
-                <a:cs typeface="Bank Gothic"/>
-              </a:rPr>
-              <a:t> </a:t>
-            </a:r>
-            <a:r>
-              <a:rPr kumimoji="1" lang="en-US" altLang="zh-TW" sz="3200" dirty="0" smtClean="0">
-                <a:latin typeface="Bank Gothic"/>
-                <a:cs typeface="Bank Gothic"/>
-              </a:rPr>
-              <a:t>Class :</a:t>
-            </a:r>
-            <a:r>
-              <a:rPr kumimoji="1" lang="zh-TW" altLang="en-US" sz="3200" dirty="0" smtClean="0">
-                <a:latin typeface="Bank Gothic"/>
-                <a:cs typeface="Bank Gothic"/>
-              </a:rPr>
-              <a:t> </a:t>
-            </a:r>
-            <a:r>
-              <a:rPr kumimoji="1" lang="en-US" altLang="zh-TW" sz="3200" dirty="0" smtClean="0">
-                <a:latin typeface="Bank Gothic"/>
-                <a:cs typeface="Bank Gothic"/>
-              </a:rPr>
-              <a:t>20</a:t>
-            </a:r>
-            <a:r>
-              <a:rPr kumimoji="1" lang="zh-TW" altLang="en-US" sz="3200" dirty="0" smtClean="0">
-                <a:latin typeface="Bank Gothic"/>
-                <a:cs typeface="Bank Gothic"/>
-              </a:rPr>
-              <a:t> </a:t>
-            </a:r>
-            <a:endParaRPr kumimoji="1" lang="en-US" altLang="zh-TW" sz="3200" dirty="0" smtClean="0">
-              <a:latin typeface="Bank Gothic"/>
-              <a:cs typeface="Bank Gothic"/>
-            </a:endParaRPr>
-          </a:p>
-          <a:p>
-            <a:pPr marL="285750" indent="-285750">
-              <a:buFont typeface="Wingdings" charset="2"/>
-              <a:buChar char="p"/>
-            </a:pPr>
-            <a:r>
-              <a:rPr kumimoji="1" lang="zh-TW" altLang="zh-TW" sz="3200" dirty="0">
-                <a:latin typeface="Bank Gothic"/>
-                <a:cs typeface="Bank Gothic"/>
-              </a:rPr>
-              <a:t> </a:t>
-            </a:r>
-            <a:r>
-              <a:rPr kumimoji="1" lang="en-US" altLang="zh-TW" sz="3200" dirty="0" smtClean="0">
-                <a:latin typeface="Bank Gothic"/>
-                <a:cs typeface="Bank Gothic"/>
-              </a:rPr>
-              <a:t>Function</a:t>
-            </a:r>
-            <a:r>
-              <a:rPr kumimoji="1" lang="zh-TW" altLang="en-US" sz="3200" dirty="0" smtClean="0">
-                <a:latin typeface="Bank Gothic"/>
-                <a:cs typeface="Bank Gothic"/>
-              </a:rPr>
-              <a:t> </a:t>
-            </a:r>
-            <a:r>
-              <a:rPr kumimoji="1" lang="en-US" altLang="zh-TW" sz="3200" dirty="0" smtClean="0">
-                <a:latin typeface="Bank Gothic"/>
-                <a:cs typeface="Bank Gothic"/>
-              </a:rPr>
-              <a:t>:</a:t>
-            </a:r>
-            <a:r>
-              <a:rPr kumimoji="1" lang="zh-TW" altLang="en-US" sz="3200" dirty="0" smtClean="0">
-                <a:latin typeface="Bank Gothic"/>
-                <a:cs typeface="Bank Gothic"/>
-              </a:rPr>
-              <a:t> </a:t>
-            </a:r>
-            <a:r>
-              <a:rPr kumimoji="1" lang="en-US" altLang="zh-TW" sz="3200" dirty="0" smtClean="0">
-                <a:latin typeface="Bank Gothic"/>
-                <a:cs typeface="Bank Gothic"/>
-              </a:rPr>
-              <a:t>45</a:t>
-            </a:r>
-          </a:p>
-          <a:p>
-            <a:pPr marL="285750" indent="-285750">
-              <a:buFont typeface="Wingdings" charset="2"/>
-              <a:buChar char="p"/>
-            </a:pPr>
-            <a:r>
-              <a:rPr kumimoji="1" lang="en-US" altLang="zh-TW" sz="3200" dirty="0" smtClean="0">
-                <a:latin typeface="Bank Gothic"/>
-                <a:cs typeface="Bank Gothic"/>
-              </a:rPr>
-              <a:t> Method :</a:t>
-            </a:r>
-            <a:r>
-              <a:rPr kumimoji="1" lang="zh-TW" altLang="en-US" sz="3200" dirty="0" smtClean="0">
-                <a:latin typeface="Bank Gothic"/>
-                <a:cs typeface="Bank Gothic"/>
-              </a:rPr>
-              <a:t> </a:t>
-            </a:r>
-            <a:r>
-              <a:rPr kumimoji="1" lang="en-US" altLang="zh-TW" sz="3200" dirty="0" smtClean="0">
-                <a:latin typeface="Bank Gothic"/>
-                <a:cs typeface="Bank Gothic"/>
-              </a:rPr>
-              <a:t>45</a:t>
-            </a:r>
-          </a:p>
-          <a:p>
-            <a:pPr marL="285750" indent="-285750">
-              <a:buFont typeface="Wingdings" charset="2"/>
-              <a:buChar char="p"/>
-            </a:pPr>
-            <a:r>
-              <a:rPr kumimoji="1" lang="zh-TW" altLang="zh-TW" sz="3200" dirty="0">
-                <a:latin typeface="Bank Gothic"/>
-                <a:cs typeface="Bank Gothic"/>
-              </a:rPr>
-              <a:t> </a:t>
-            </a:r>
-            <a:r>
-              <a:rPr kumimoji="1" lang="en-US" altLang="zh-TW" sz="3200" dirty="0" smtClean="0">
-                <a:latin typeface="Bank Gothic"/>
-                <a:cs typeface="Bank Gothic"/>
-              </a:rPr>
-              <a:t>Constructor</a:t>
-            </a:r>
-            <a:r>
-              <a:rPr kumimoji="1" lang="zh-TW" altLang="en-US" sz="3200" dirty="0" smtClean="0">
-                <a:latin typeface="Bank Gothic"/>
-                <a:cs typeface="Bank Gothic"/>
-              </a:rPr>
-              <a:t> </a:t>
-            </a:r>
-            <a:r>
-              <a:rPr kumimoji="1" lang="en-US" altLang="zh-TW" sz="3200" dirty="0" smtClean="0">
-                <a:latin typeface="Bank Gothic"/>
-                <a:cs typeface="Bank Gothic"/>
-              </a:rPr>
-              <a:t>:</a:t>
-            </a:r>
-            <a:r>
-              <a:rPr kumimoji="1" lang="zh-TW" altLang="en-US" sz="3200" dirty="0" smtClean="0">
-                <a:latin typeface="Bank Gothic"/>
-                <a:cs typeface="Bank Gothic"/>
-              </a:rPr>
-              <a:t> </a:t>
-            </a:r>
-            <a:r>
-              <a:rPr kumimoji="1" lang="en-US" altLang="zh-TW" sz="3200" dirty="0" smtClean="0">
-                <a:latin typeface="Bank Gothic"/>
-                <a:cs typeface="Bank Gothic"/>
-              </a:rPr>
-              <a:t>13</a:t>
-            </a:r>
-          </a:p>
-          <a:p>
-            <a:pPr marL="285750" indent="-285750">
-              <a:buFont typeface="Wingdings" charset="2"/>
-              <a:buChar char="p"/>
-            </a:pPr>
-            <a:r>
-              <a:rPr kumimoji="1" lang="zh-TW" altLang="zh-TW" sz="3200" dirty="0">
-                <a:latin typeface="Bank Gothic"/>
-                <a:cs typeface="Bank Gothic"/>
-              </a:rPr>
-              <a:t> </a:t>
-            </a:r>
-            <a:r>
-              <a:rPr kumimoji="1" lang="en-US" altLang="zh-TW" sz="3200" dirty="0" smtClean="0">
-                <a:latin typeface="Bank Gothic"/>
-                <a:cs typeface="Bank Gothic"/>
-              </a:rPr>
-              <a:t>Commit</a:t>
-            </a:r>
-            <a:r>
-              <a:rPr kumimoji="1" lang="zh-TW" altLang="en-US" sz="3200" dirty="0" smtClean="0">
-                <a:latin typeface="Bank Gothic"/>
-                <a:cs typeface="Bank Gothic"/>
-              </a:rPr>
-              <a:t> </a:t>
-            </a:r>
-            <a:r>
-              <a:rPr kumimoji="1" lang="en-US" altLang="zh-TW" sz="3200" dirty="0" smtClean="0">
-                <a:latin typeface="Bank Gothic"/>
-                <a:cs typeface="Bank Gothic"/>
-              </a:rPr>
-              <a:t>:</a:t>
-            </a:r>
-            <a:r>
-              <a:rPr kumimoji="1" lang="zh-TW" altLang="en-US" sz="3200" dirty="0" smtClean="0">
-                <a:latin typeface="Bank Gothic"/>
-                <a:cs typeface="Bank Gothic"/>
-              </a:rPr>
-              <a:t> </a:t>
-            </a:r>
-            <a:r>
-              <a:rPr kumimoji="1" lang="en-US" altLang="zh-TW" sz="3200" dirty="0" smtClean="0">
-                <a:latin typeface="Bank Gothic"/>
-                <a:cs typeface="Bank Gothic"/>
-              </a:rPr>
-              <a:t>80</a:t>
-            </a:r>
-            <a:r>
-              <a:rPr kumimoji="1" lang="zh-TW" altLang="en-US" sz="3200" dirty="0" smtClean="0">
-                <a:latin typeface="Bank Gothic"/>
-                <a:cs typeface="Bank Gothic"/>
-              </a:rPr>
-              <a:t>  </a:t>
-            </a:r>
-            <a:endParaRPr kumimoji="1" lang="en-US" altLang="zh-TW" sz="3200" dirty="0" smtClean="0">
-              <a:latin typeface="Bank Gothic"/>
-              <a:cs typeface="Bank Gothic"/>
-            </a:endParaRPr>
-          </a:p>
-          <a:p>
-            <a:pPr marL="285750" indent="-285750">
-              <a:buFont typeface="Wingdings" charset="2"/>
-              <a:buChar char="p"/>
-            </a:pPr>
-            <a:r>
-              <a:rPr kumimoji="1" lang="en-US" altLang="zh-TW" sz="3200" dirty="0">
-                <a:latin typeface="Bank Gothic"/>
-                <a:cs typeface="Bank Gothic"/>
-              </a:rPr>
-              <a:t> </a:t>
-            </a:r>
-            <a:r>
-              <a:rPr kumimoji="1" lang="en-US" altLang="zh-TW" sz="3200" dirty="0" smtClean="0">
-                <a:latin typeface="Bank Gothic"/>
-                <a:cs typeface="Bank Gothic"/>
-              </a:rPr>
-              <a:t>Time Consumption</a:t>
-            </a:r>
-            <a:r>
-              <a:rPr kumimoji="1" lang="zh-TW" altLang="en-US" sz="3200" dirty="0" smtClean="0">
-                <a:latin typeface="Bank Gothic"/>
-                <a:cs typeface="Bank Gothic"/>
-              </a:rPr>
-              <a:t> </a:t>
-            </a:r>
-            <a:r>
-              <a:rPr kumimoji="1" lang="en-US" altLang="zh-TW" sz="3200" dirty="0" smtClean="0">
-                <a:latin typeface="Bank Gothic"/>
-                <a:cs typeface="Bank Gothic"/>
-              </a:rPr>
-              <a:t>:</a:t>
-            </a:r>
-            <a:r>
-              <a:rPr kumimoji="1" lang="zh-TW" altLang="en-US" sz="3200" dirty="0" smtClean="0">
-                <a:latin typeface="Bank Gothic"/>
-                <a:cs typeface="Bank Gothic"/>
-              </a:rPr>
-              <a:t>  </a:t>
-            </a:r>
-            <a:r>
-              <a:rPr kumimoji="1" lang="en-US" altLang="zh-TW" sz="3200" dirty="0" smtClean="0">
-                <a:latin typeface="Bank Gothic"/>
-                <a:cs typeface="Bank Gothic"/>
-              </a:rPr>
-              <a:t>30</a:t>
-            </a:r>
-            <a:r>
-              <a:rPr kumimoji="1" lang="zh-TW" altLang="en-US" sz="3200" dirty="0" smtClean="0">
-                <a:latin typeface="Bank Gothic"/>
-                <a:cs typeface="Bank Gothic"/>
-              </a:rPr>
-              <a:t> </a:t>
-            </a:r>
-            <a:r>
-              <a:rPr kumimoji="1" lang="en-US" altLang="zh-TW" sz="3200" dirty="0" err="1">
-                <a:latin typeface="Bank Gothic"/>
-                <a:cs typeface="Bank Gothic"/>
-              </a:rPr>
-              <a:t>hr</a:t>
-            </a:r>
-            <a:endParaRPr kumimoji="1" lang="en-US" altLang="zh-TW" sz="3200" dirty="0">
-              <a:latin typeface="Bank Gothic"/>
-              <a:cs typeface="Bank Gothic"/>
-            </a:endParaRPr>
-          </a:p>
-          <a:p>
-            <a:pPr marL="285750" indent="-285750">
-              <a:buFont typeface="Wingdings" charset="2"/>
-              <a:buChar char="p"/>
-            </a:pPr>
-            <a:r>
-              <a:rPr kumimoji="1" lang="en-US" altLang="zh-TW" sz="3200" dirty="0">
-                <a:latin typeface="Bank Gothic"/>
-                <a:cs typeface="Bank Gothic"/>
-              </a:rPr>
-              <a:t> Code</a:t>
-            </a:r>
-            <a:r>
-              <a:rPr kumimoji="1" lang="zh-TW" altLang="en-US" sz="3200" dirty="0">
-                <a:latin typeface="Bank Gothic"/>
-                <a:cs typeface="Bank Gothic"/>
-              </a:rPr>
-              <a:t> </a:t>
-            </a:r>
-            <a:r>
-              <a:rPr kumimoji="1" lang="en-US" altLang="zh-TW" sz="3200" dirty="0">
-                <a:latin typeface="Bank Gothic"/>
-                <a:cs typeface="Bank Gothic"/>
-              </a:rPr>
-              <a:t>(with</a:t>
-            </a:r>
-            <a:r>
-              <a:rPr kumimoji="1" lang="zh-TW" altLang="en-US" sz="3200" dirty="0">
-                <a:latin typeface="Bank Gothic"/>
-                <a:cs typeface="Bank Gothic"/>
-              </a:rPr>
-              <a:t> </a:t>
-            </a:r>
-            <a:r>
-              <a:rPr kumimoji="1" lang="en-US" altLang="zh-TW" sz="3200" dirty="0">
-                <a:latin typeface="Bank Gothic"/>
-                <a:cs typeface="Bank Gothic"/>
-              </a:rPr>
-              <a:t>&amp;</a:t>
-            </a:r>
-            <a:r>
-              <a:rPr kumimoji="1" lang="zh-TW" altLang="en-US" sz="3200" dirty="0">
-                <a:latin typeface="Bank Gothic"/>
-                <a:cs typeface="Bank Gothic"/>
-              </a:rPr>
-              <a:t> </a:t>
-            </a:r>
-            <a:r>
-              <a:rPr kumimoji="1" lang="en-US" altLang="zh-TW" sz="3200" dirty="0">
-                <a:latin typeface="Bank Gothic"/>
-                <a:cs typeface="Bank Gothic"/>
-              </a:rPr>
-              <a:t>without</a:t>
-            </a:r>
-            <a:r>
-              <a:rPr kumimoji="1" lang="zh-TW" altLang="en-US" sz="3200" dirty="0">
-                <a:latin typeface="Bank Gothic"/>
-                <a:cs typeface="Bank Gothic"/>
-              </a:rPr>
-              <a:t> </a:t>
-            </a:r>
-            <a:r>
-              <a:rPr kumimoji="1" lang="en-US" altLang="zh-TW" sz="3200" dirty="0">
-                <a:latin typeface="Bank Gothic"/>
-                <a:cs typeface="Bank Gothic"/>
-              </a:rPr>
-              <a:t>Album)</a:t>
-            </a:r>
-            <a:r>
-              <a:rPr kumimoji="1" lang="zh-TW" altLang="en-US" sz="3200" dirty="0">
-                <a:latin typeface="Bank Gothic"/>
-                <a:cs typeface="Bank Gothic"/>
-              </a:rPr>
-              <a:t> </a:t>
-            </a:r>
-            <a:r>
-              <a:rPr kumimoji="1" lang="en-US" altLang="zh-TW" sz="3200" dirty="0">
-                <a:latin typeface="Bank Gothic"/>
-                <a:cs typeface="Bank Gothic"/>
-              </a:rPr>
-              <a:t>:</a:t>
-            </a:r>
-            <a:r>
-              <a:rPr kumimoji="1" lang="zh-TW" altLang="en-US" sz="3200" dirty="0">
-                <a:latin typeface="Bank Gothic"/>
-                <a:cs typeface="Bank Gothic"/>
-              </a:rPr>
-              <a:t> </a:t>
-            </a:r>
-            <a:r>
-              <a:rPr kumimoji="1" lang="en-US" altLang="zh-TW" sz="3200" dirty="0">
-                <a:latin typeface="Bank Gothic"/>
-                <a:cs typeface="Bank Gothic"/>
-              </a:rPr>
-              <a:t>	2853</a:t>
-            </a:r>
-            <a:r>
-              <a:rPr kumimoji="1" lang="zh-TW" altLang="en-US" sz="3200" dirty="0">
-                <a:latin typeface="Bank Gothic"/>
-                <a:cs typeface="Bank Gothic"/>
-              </a:rPr>
-              <a:t> </a:t>
-            </a:r>
-            <a:r>
-              <a:rPr kumimoji="1" lang="en-US" altLang="zh-TW" sz="3200" dirty="0">
-                <a:latin typeface="Bank Gothic"/>
-                <a:cs typeface="Bank Gothic"/>
-              </a:rPr>
-              <a:t>/</a:t>
-            </a:r>
-            <a:r>
-              <a:rPr kumimoji="1" lang="zh-TW" altLang="en-US" sz="3200" dirty="0">
-                <a:latin typeface="Bank Gothic"/>
-                <a:cs typeface="Bank Gothic"/>
-              </a:rPr>
-              <a:t> </a:t>
-            </a:r>
-            <a:r>
-              <a:rPr kumimoji="1" lang="en-US" altLang="zh-TW" sz="3200" dirty="0">
-                <a:latin typeface="Bank Gothic"/>
-                <a:cs typeface="Bank Gothic"/>
-              </a:rPr>
-              <a:t>1364</a:t>
-            </a:r>
-            <a:r>
-              <a:rPr kumimoji="1" lang="zh-TW" altLang="en-US" sz="3200" dirty="0">
-                <a:latin typeface="Bank Gothic"/>
-                <a:cs typeface="Bank Gothic"/>
-              </a:rPr>
-              <a:t> </a:t>
-            </a:r>
-            <a:r>
-              <a:rPr kumimoji="1" lang="en-US" altLang="zh-TW" sz="3200" dirty="0" smtClean="0">
-                <a:latin typeface="Bank Gothic"/>
-                <a:cs typeface="Bank Gothic"/>
-              </a:rPr>
-              <a:t>lines</a:t>
-            </a:r>
-            <a:endParaRPr kumimoji="1" lang="en-US" altLang="zh-TW" sz="3200" dirty="0">
-              <a:latin typeface="Bank Gothic"/>
-              <a:cs typeface="Bank Gothic"/>
-            </a:endParaRPr>
-          </a:p>
-        </p:txBody>
-      </p:sp>
+        </p:spPr>
+      </p:pic>
     </p:spTree>
     <p:extLst>
       <p:ext uri="{BB962C8B-B14F-4D97-AF65-F5344CB8AC3E}">
-        <p14:creationId xmlns:p14="http://schemas.microsoft.com/office/powerpoint/2010/main" val="2817263408"/>
+        <p14:creationId xmlns:p14="http://schemas.microsoft.com/office/powerpoint/2010/main" val="1347220675"/>
       </p:ext>
     </p:extLst>
   </p:cSld>
@@ -10875,14 +10870,14 @@
       </p:grpSpPr>
       <p:sp>
         <p:nvSpPr>
-          <p:cNvPr id="2" name="文字方塊 1"/>
+          <p:cNvPr id="4" name="文字方塊 3"/>
           <p:cNvSpPr txBox="1"/>
           <p:nvPr/>
         </p:nvSpPr>
         <p:spPr>
           <a:xfrm>
-            <a:off x="1405466" y="3911600"/>
-            <a:ext cx="6705600" cy="1107996"/>
+            <a:off x="711199" y="163493"/>
+            <a:ext cx="8043334" cy="954107"/>
           </a:xfrm>
           <a:prstGeom prst="rect">
             <a:avLst/>
@@ -10896,37 +10891,113 @@
           <a:lstStyle/>
           <a:p>
             <a:r>
-              <a:rPr kumimoji="1" lang="en-US" altLang="zh-TW" sz="6600" dirty="0" smtClean="0">
-                <a:latin typeface="Bank Gothic"/>
-                <a:cs typeface="Bank Gothic"/>
-              </a:rPr>
-              <a:t>Demo</a:t>
-            </a:r>
-            <a:r>
-              <a:rPr kumimoji="1" lang="zh-TW" altLang="en-US" sz="6600" dirty="0" smtClean="0">
+              <a:rPr kumimoji="1" lang="en-US" altLang="zh-TW" sz="5600" dirty="0" err="1" smtClean="0">
+                <a:latin typeface="Bank Gothic"/>
+                <a:cs typeface="Bank Gothic"/>
+              </a:rPr>
+              <a:t>Git</a:t>
+            </a:r>
+            <a:r>
+              <a:rPr kumimoji="1" lang="zh-TW" altLang="en-US" sz="5600" dirty="0" smtClean="0">
                 <a:latin typeface="Bank Gothic"/>
                 <a:cs typeface="Bank Gothic"/>
               </a:rPr>
               <a:t> </a:t>
             </a:r>
             <a:r>
-              <a:rPr kumimoji="1" lang="en-US" altLang="zh-TW" sz="6600" dirty="0" smtClean="0">
-                <a:latin typeface="Bank Gothic"/>
-                <a:cs typeface="Bank Gothic"/>
-              </a:rPr>
-              <a:t>Time!!!!!</a:t>
-            </a:r>
-            <a:endParaRPr kumimoji="1" lang="zh-TW" altLang="en-US" sz="6600" dirty="0">
+              <a:rPr kumimoji="1" lang="en-US" altLang="zh-TW" sz="5600" dirty="0" smtClean="0">
+                <a:latin typeface="Bank Gothic"/>
+                <a:cs typeface="Bank Gothic"/>
+              </a:rPr>
+              <a:t>in</a:t>
+            </a:r>
+            <a:r>
+              <a:rPr kumimoji="1" lang="zh-TW" altLang="en-US" sz="5600" dirty="0" smtClean="0">
+                <a:latin typeface="Bank Gothic"/>
+                <a:cs typeface="Bank Gothic"/>
+              </a:rPr>
+              <a:t> </a:t>
+            </a:r>
+            <a:r>
+              <a:rPr kumimoji="1" lang="en-US" altLang="zh-TW" sz="5600" dirty="0" err="1" smtClean="0">
+                <a:latin typeface="Bank Gothic"/>
+                <a:cs typeface="Bank Gothic"/>
+              </a:rPr>
+              <a:t>bitbucket</a:t>
+            </a:r>
+            <a:endParaRPr kumimoji="1" lang="zh-TW" altLang="en-US" sz="5600" dirty="0">
               <a:latin typeface="Bank Gothic"/>
               <a:cs typeface="Bank Gothic"/>
             </a:endParaRPr>
           </a:p>
         </p:txBody>
       </p:sp>
+      <p:pic>
+        <p:nvPicPr>
+          <p:cNvPr id="6" name="圖片 5" descr="螢幕快照 2014-01-13 下午3.47.32.png">
+            <a:hlinkClick r:id="rId2"/>
+          </p:cNvPr>
+          <p:cNvPicPr>
+            <a:picLocks noChangeAspect="1"/>
+          </p:cNvPicPr>
+          <p:nvPr/>
+        </p:nvPicPr>
+        <p:blipFill>
+          <a:blip r:embed="rId3">
+            <a:extLst>
+              <a:ext uri="{28A0092B-C50C-407E-A947-70E740481C1C}">
+                <a14:useLocalDpi xmlns:a14="http://schemas.microsoft.com/office/drawing/2010/main" val="0"/>
+              </a:ext>
+            </a:extLst>
+          </a:blip>
+          <a:stretch>
+            <a:fillRect/>
+          </a:stretch>
+        </p:blipFill>
+        <p:spPr>
+          <a:xfrm>
+            <a:off x="330199" y="584200"/>
+            <a:ext cx="381000" cy="355600"/>
+          </a:xfrm>
+          <a:prstGeom prst="rect">
+            <a:avLst/>
+          </a:prstGeom>
+        </p:spPr>
+      </p:pic>
+      <p:pic>
+        <p:nvPicPr>
+          <p:cNvPr id="2" name="圖片 1" descr="螢幕快照 2014-01-13 下午5.13.33.png"/>
+          <p:cNvPicPr>
+            <a:picLocks noChangeAspect="1"/>
+          </p:cNvPicPr>
+          <p:nvPr/>
+        </p:nvPicPr>
+        <p:blipFill>
+          <a:blip r:embed="rId4">
+            <a:extLst>
+              <a:ext uri="{28A0092B-C50C-407E-A947-70E740481C1C}">
+                <a14:useLocalDpi xmlns:a14="http://schemas.microsoft.com/office/drawing/2010/main" val="0"/>
+              </a:ext>
+            </a:extLst>
+          </a:blip>
+          <a:stretch>
+            <a:fillRect/>
+          </a:stretch>
+        </p:blipFill>
+        <p:spPr>
+          <a:xfrm>
+            <a:off x="524935" y="1117600"/>
+            <a:ext cx="8143935" cy="5740400"/>
+          </a:xfrm>
+          <a:prstGeom prst="rect">
+            <a:avLst/>
+          </a:prstGeom>
+        </p:spPr>
+      </p:pic>
     </p:spTree>
     <p:extLst>
       <p:ext uri="{BB962C8B-B14F-4D97-AF65-F5344CB8AC3E}">
-        <p14:creationId xmlns:p14="http://schemas.microsoft.com/office/powerpoint/2010/main" val="2151752052"/>
+        <p14:creationId xmlns:p14="http://schemas.microsoft.com/office/powerpoint/2010/main" val="3206246153"/>
       </p:ext>
     </p:extLst>
   </p:cSld>
@@ -10962,14 +11033,14 @@
       </p:grpSpPr>
       <p:sp>
         <p:nvSpPr>
-          <p:cNvPr id="3" name="文字方塊 2"/>
+          <p:cNvPr id="4" name="文字方塊 3"/>
           <p:cNvSpPr txBox="1"/>
           <p:nvPr/>
         </p:nvSpPr>
         <p:spPr>
           <a:xfrm>
-            <a:off x="2310391" y="3686935"/>
-            <a:ext cx="5943600" cy="1107996"/>
+            <a:off x="711198" y="163493"/>
+            <a:ext cx="8737601" cy="954107"/>
           </a:xfrm>
           <a:prstGeom prst="rect">
             <a:avLst/>
@@ -10983,23 +11054,512 @@
           <a:lstStyle/>
           <a:p>
             <a:r>
-              <a:rPr kumimoji="1" lang="en-US" altLang="zh-TW" sz="6600" dirty="0" smtClean="0">
-                <a:latin typeface="Bank Gothic"/>
-                <a:cs typeface="Bank Gothic"/>
-              </a:rPr>
-              <a:t>Q&amp;A</a:t>
-            </a:r>
-            <a:endParaRPr kumimoji="1" lang="zh-TW" altLang="en-US" sz="6600" dirty="0">
+              <a:rPr kumimoji="1" lang="en-US" altLang="zh-TW" sz="5600" dirty="0" smtClean="0">
+                <a:latin typeface="Bank Gothic"/>
+                <a:cs typeface="Bank Gothic"/>
+              </a:rPr>
+              <a:t>Statistic</a:t>
+            </a:r>
+            <a:endParaRPr kumimoji="1" lang="zh-TW" altLang="en-US" sz="5600" dirty="0">
               <a:latin typeface="Bank Gothic"/>
               <a:cs typeface="Bank Gothic"/>
             </a:endParaRPr>
           </a:p>
         </p:txBody>
       </p:sp>
+      <p:pic>
+        <p:nvPicPr>
+          <p:cNvPr id="6" name="圖片 5" descr="螢幕快照 2014-01-13 下午3.47.32.png"/>
+          <p:cNvPicPr>
+            <a:picLocks noChangeAspect="1"/>
+          </p:cNvPicPr>
+          <p:nvPr/>
+        </p:nvPicPr>
+        <p:blipFill>
+          <a:blip r:embed="rId2">
+            <a:extLst>
+              <a:ext uri="{28A0092B-C50C-407E-A947-70E740481C1C}">
+                <a14:useLocalDpi xmlns:a14="http://schemas.microsoft.com/office/drawing/2010/main" val="0"/>
+              </a:ext>
+            </a:extLst>
+          </a:blip>
+          <a:stretch>
+            <a:fillRect/>
+          </a:stretch>
+        </p:blipFill>
+        <p:spPr>
+          <a:xfrm>
+            <a:off x="330199" y="584200"/>
+            <a:ext cx="381000" cy="355600"/>
+          </a:xfrm>
+          <a:prstGeom prst="rect">
+            <a:avLst/>
+          </a:prstGeom>
+        </p:spPr>
+      </p:pic>
+      <p:sp>
+        <p:nvSpPr>
+          <p:cNvPr id="2" name="文字方塊 1"/>
+          <p:cNvSpPr txBox="1"/>
+          <p:nvPr/>
+        </p:nvSpPr>
+        <p:spPr>
+          <a:xfrm>
+            <a:off x="872066" y="1358403"/>
+            <a:ext cx="7865534" cy="4031873"/>
+          </a:xfrm>
+          <a:prstGeom prst="rect">
+            <a:avLst/>
+          </a:prstGeom>
+          <a:noFill/>
+        </p:spPr>
+        <p:txBody>
+          <a:bodyPr wrap="square" rtlCol="0">
+            <a:spAutoFit/>
+          </a:bodyPr>
+          <a:lstStyle/>
+          <a:p>
+            <a:pPr marL="285750" indent="-285750">
+              <a:buFont typeface="Wingdings" charset="2"/>
+              <a:buChar char="p"/>
+            </a:pPr>
+            <a:r>
+              <a:rPr kumimoji="1" lang="zh-TW" altLang="en-US" sz="3200" dirty="0" smtClean="0">
+                <a:latin typeface="Bank Gothic"/>
+                <a:cs typeface="Bank Gothic"/>
+              </a:rPr>
+              <a:t> </a:t>
+            </a:r>
+            <a:r>
+              <a:rPr kumimoji="1" lang="en-US" altLang="zh-TW" sz="3200" dirty="0" smtClean="0">
+                <a:latin typeface="Bank Gothic"/>
+                <a:cs typeface="Bank Gothic"/>
+              </a:rPr>
+              <a:t>Class :</a:t>
+            </a:r>
+            <a:r>
+              <a:rPr kumimoji="1" lang="zh-TW" altLang="en-US" sz="3200" dirty="0" smtClean="0">
+                <a:latin typeface="Bank Gothic"/>
+                <a:cs typeface="Bank Gothic"/>
+              </a:rPr>
+              <a:t> </a:t>
+            </a:r>
+            <a:r>
+              <a:rPr kumimoji="1" lang="en-US" altLang="zh-TW" sz="3200" dirty="0" smtClean="0">
+                <a:latin typeface="Bank Gothic"/>
+                <a:cs typeface="Bank Gothic"/>
+              </a:rPr>
+              <a:t>20</a:t>
+            </a:r>
+            <a:r>
+              <a:rPr kumimoji="1" lang="zh-TW" altLang="en-US" sz="3200" dirty="0" smtClean="0">
+                <a:latin typeface="Bank Gothic"/>
+                <a:cs typeface="Bank Gothic"/>
+              </a:rPr>
+              <a:t> </a:t>
+            </a:r>
+            <a:endParaRPr kumimoji="1" lang="en-US" altLang="zh-TW" sz="3200" dirty="0" smtClean="0">
+              <a:latin typeface="Bank Gothic"/>
+              <a:cs typeface="Bank Gothic"/>
+            </a:endParaRPr>
+          </a:p>
+          <a:p>
+            <a:pPr marL="285750" indent="-285750">
+              <a:buFont typeface="Wingdings" charset="2"/>
+              <a:buChar char="p"/>
+            </a:pPr>
+            <a:r>
+              <a:rPr kumimoji="1" lang="zh-TW" altLang="zh-TW" sz="3200" dirty="0">
+                <a:latin typeface="Bank Gothic"/>
+                <a:cs typeface="Bank Gothic"/>
+              </a:rPr>
+              <a:t> </a:t>
+            </a:r>
+            <a:r>
+              <a:rPr kumimoji="1" lang="en-US" altLang="zh-TW" sz="3200" dirty="0" smtClean="0">
+                <a:latin typeface="Bank Gothic"/>
+                <a:cs typeface="Bank Gothic"/>
+              </a:rPr>
+              <a:t>Function</a:t>
+            </a:r>
+            <a:r>
+              <a:rPr kumimoji="1" lang="zh-TW" altLang="en-US" sz="3200" dirty="0" smtClean="0">
+                <a:latin typeface="Bank Gothic"/>
+                <a:cs typeface="Bank Gothic"/>
+              </a:rPr>
+              <a:t> </a:t>
+            </a:r>
+            <a:r>
+              <a:rPr kumimoji="1" lang="en-US" altLang="zh-TW" sz="3200" dirty="0" smtClean="0">
+                <a:latin typeface="Bank Gothic"/>
+                <a:cs typeface="Bank Gothic"/>
+              </a:rPr>
+              <a:t>:</a:t>
+            </a:r>
+            <a:r>
+              <a:rPr kumimoji="1" lang="zh-TW" altLang="en-US" sz="3200" dirty="0" smtClean="0">
+                <a:latin typeface="Bank Gothic"/>
+                <a:cs typeface="Bank Gothic"/>
+              </a:rPr>
+              <a:t> </a:t>
+            </a:r>
+            <a:r>
+              <a:rPr kumimoji="1" lang="en-US" altLang="zh-TW" sz="3200" dirty="0" smtClean="0">
+                <a:latin typeface="Bank Gothic"/>
+                <a:cs typeface="Bank Gothic"/>
+              </a:rPr>
+              <a:t>45</a:t>
+            </a:r>
+          </a:p>
+          <a:p>
+            <a:pPr marL="285750" indent="-285750">
+              <a:buFont typeface="Wingdings" charset="2"/>
+              <a:buChar char="p"/>
+            </a:pPr>
+            <a:r>
+              <a:rPr kumimoji="1" lang="en-US" altLang="zh-TW" sz="3200" dirty="0" smtClean="0">
+                <a:latin typeface="Bank Gothic"/>
+                <a:cs typeface="Bank Gothic"/>
+              </a:rPr>
+              <a:t> Method :</a:t>
+            </a:r>
+            <a:r>
+              <a:rPr kumimoji="1" lang="zh-TW" altLang="en-US" sz="3200" dirty="0" smtClean="0">
+                <a:latin typeface="Bank Gothic"/>
+                <a:cs typeface="Bank Gothic"/>
+              </a:rPr>
+              <a:t> </a:t>
+            </a:r>
+            <a:r>
+              <a:rPr kumimoji="1" lang="en-US" altLang="zh-TW" sz="3200" dirty="0" smtClean="0">
+                <a:latin typeface="Bank Gothic"/>
+                <a:cs typeface="Bank Gothic"/>
+              </a:rPr>
+              <a:t>45</a:t>
+            </a:r>
+          </a:p>
+          <a:p>
+            <a:pPr marL="285750" indent="-285750">
+              <a:buFont typeface="Wingdings" charset="2"/>
+              <a:buChar char="p"/>
+            </a:pPr>
+            <a:r>
+              <a:rPr kumimoji="1" lang="zh-TW" altLang="zh-TW" sz="3200" dirty="0">
+                <a:latin typeface="Bank Gothic"/>
+                <a:cs typeface="Bank Gothic"/>
+              </a:rPr>
+              <a:t> </a:t>
+            </a:r>
+            <a:r>
+              <a:rPr kumimoji="1" lang="en-US" altLang="zh-TW" sz="3200" dirty="0" smtClean="0">
+                <a:latin typeface="Bank Gothic"/>
+                <a:cs typeface="Bank Gothic"/>
+              </a:rPr>
+              <a:t>Constructor</a:t>
+            </a:r>
+            <a:r>
+              <a:rPr kumimoji="1" lang="zh-TW" altLang="en-US" sz="3200" dirty="0" smtClean="0">
+                <a:latin typeface="Bank Gothic"/>
+                <a:cs typeface="Bank Gothic"/>
+              </a:rPr>
+              <a:t> </a:t>
+            </a:r>
+            <a:r>
+              <a:rPr kumimoji="1" lang="en-US" altLang="zh-TW" sz="3200" dirty="0" smtClean="0">
+                <a:latin typeface="Bank Gothic"/>
+                <a:cs typeface="Bank Gothic"/>
+              </a:rPr>
+              <a:t>:</a:t>
+            </a:r>
+            <a:r>
+              <a:rPr kumimoji="1" lang="zh-TW" altLang="en-US" sz="3200" dirty="0" smtClean="0">
+                <a:latin typeface="Bank Gothic"/>
+                <a:cs typeface="Bank Gothic"/>
+              </a:rPr>
+              <a:t> </a:t>
+            </a:r>
+            <a:r>
+              <a:rPr kumimoji="1" lang="en-US" altLang="zh-TW" sz="3200" dirty="0" smtClean="0">
+                <a:latin typeface="Bank Gothic"/>
+                <a:cs typeface="Bank Gothic"/>
+              </a:rPr>
+              <a:t>13</a:t>
+            </a:r>
+          </a:p>
+          <a:p>
+            <a:pPr marL="285750" indent="-285750">
+              <a:buFont typeface="Wingdings" charset="2"/>
+              <a:buChar char="p"/>
+            </a:pPr>
+            <a:r>
+              <a:rPr kumimoji="1" lang="zh-TW" altLang="zh-TW" sz="3200" dirty="0">
+                <a:latin typeface="Bank Gothic"/>
+                <a:cs typeface="Bank Gothic"/>
+              </a:rPr>
+              <a:t> </a:t>
+            </a:r>
+            <a:r>
+              <a:rPr kumimoji="1" lang="en-US" altLang="zh-TW" sz="3200" dirty="0" smtClean="0">
+                <a:latin typeface="Bank Gothic"/>
+                <a:cs typeface="Bank Gothic"/>
+              </a:rPr>
+              <a:t>Commit</a:t>
+            </a:r>
+            <a:r>
+              <a:rPr kumimoji="1" lang="zh-TW" altLang="en-US" sz="3200" dirty="0" smtClean="0">
+                <a:latin typeface="Bank Gothic"/>
+                <a:cs typeface="Bank Gothic"/>
+              </a:rPr>
+              <a:t> </a:t>
+            </a:r>
+            <a:r>
+              <a:rPr kumimoji="1" lang="en-US" altLang="zh-TW" sz="3200" dirty="0" smtClean="0">
+                <a:latin typeface="Bank Gothic"/>
+                <a:cs typeface="Bank Gothic"/>
+              </a:rPr>
+              <a:t>:</a:t>
+            </a:r>
+            <a:r>
+              <a:rPr kumimoji="1" lang="zh-TW" altLang="en-US" sz="3200" dirty="0" smtClean="0">
+                <a:latin typeface="Bank Gothic"/>
+                <a:cs typeface="Bank Gothic"/>
+              </a:rPr>
+              <a:t> </a:t>
+            </a:r>
+            <a:r>
+              <a:rPr kumimoji="1" lang="en-US" altLang="zh-TW" sz="3200" dirty="0" smtClean="0">
+                <a:latin typeface="Bank Gothic"/>
+                <a:cs typeface="Bank Gothic"/>
+              </a:rPr>
+              <a:t>80</a:t>
+            </a:r>
+            <a:r>
+              <a:rPr kumimoji="1" lang="zh-TW" altLang="en-US" sz="3200" dirty="0" smtClean="0">
+                <a:latin typeface="Bank Gothic"/>
+                <a:cs typeface="Bank Gothic"/>
+              </a:rPr>
+              <a:t>  </a:t>
+            </a:r>
+            <a:endParaRPr kumimoji="1" lang="en-US" altLang="zh-TW" sz="3200" dirty="0" smtClean="0">
+              <a:latin typeface="Bank Gothic"/>
+              <a:cs typeface="Bank Gothic"/>
+            </a:endParaRPr>
+          </a:p>
+          <a:p>
+            <a:pPr marL="285750" indent="-285750">
+              <a:buFont typeface="Wingdings" charset="2"/>
+              <a:buChar char="p"/>
+            </a:pPr>
+            <a:r>
+              <a:rPr kumimoji="1" lang="en-US" altLang="zh-TW" sz="3200" dirty="0">
+                <a:latin typeface="Bank Gothic"/>
+                <a:cs typeface="Bank Gothic"/>
+              </a:rPr>
+              <a:t> </a:t>
+            </a:r>
+            <a:r>
+              <a:rPr kumimoji="1" lang="en-US" altLang="zh-TW" sz="3200" dirty="0" smtClean="0">
+                <a:latin typeface="Bank Gothic"/>
+                <a:cs typeface="Bank Gothic"/>
+              </a:rPr>
+              <a:t>Time Consumption</a:t>
+            </a:r>
+            <a:r>
+              <a:rPr kumimoji="1" lang="zh-TW" altLang="en-US" sz="3200" dirty="0" smtClean="0">
+                <a:latin typeface="Bank Gothic"/>
+                <a:cs typeface="Bank Gothic"/>
+              </a:rPr>
+              <a:t> </a:t>
+            </a:r>
+            <a:r>
+              <a:rPr kumimoji="1" lang="en-US" altLang="zh-TW" sz="3200" dirty="0" smtClean="0">
+                <a:latin typeface="Bank Gothic"/>
+                <a:cs typeface="Bank Gothic"/>
+              </a:rPr>
+              <a:t>:</a:t>
+            </a:r>
+            <a:r>
+              <a:rPr kumimoji="1" lang="zh-TW" altLang="en-US" sz="3200" dirty="0" smtClean="0">
+                <a:latin typeface="Bank Gothic"/>
+                <a:cs typeface="Bank Gothic"/>
+              </a:rPr>
+              <a:t>  </a:t>
+            </a:r>
+            <a:r>
+              <a:rPr kumimoji="1" lang="en-US" altLang="zh-TW" sz="3200" dirty="0" smtClean="0">
+                <a:latin typeface="Bank Gothic"/>
+                <a:cs typeface="Bank Gothic"/>
+              </a:rPr>
+              <a:t>30</a:t>
+            </a:r>
+            <a:r>
+              <a:rPr kumimoji="1" lang="zh-TW" altLang="en-US" sz="3200" dirty="0" smtClean="0">
+                <a:latin typeface="Bank Gothic"/>
+                <a:cs typeface="Bank Gothic"/>
+              </a:rPr>
+              <a:t> </a:t>
+            </a:r>
+            <a:r>
+              <a:rPr kumimoji="1" lang="en-US" altLang="zh-TW" sz="3200" dirty="0" err="1">
+                <a:latin typeface="Bank Gothic"/>
+                <a:cs typeface="Bank Gothic"/>
+              </a:rPr>
+              <a:t>hr</a:t>
+            </a:r>
+            <a:endParaRPr kumimoji="1" lang="en-US" altLang="zh-TW" sz="3200" dirty="0">
+              <a:latin typeface="Bank Gothic"/>
+              <a:cs typeface="Bank Gothic"/>
+            </a:endParaRPr>
+          </a:p>
+          <a:p>
+            <a:pPr marL="285750" indent="-285750">
+              <a:buFont typeface="Wingdings" charset="2"/>
+              <a:buChar char="p"/>
+            </a:pPr>
+            <a:r>
+              <a:rPr kumimoji="1" lang="en-US" altLang="zh-TW" sz="3200" dirty="0">
+                <a:latin typeface="Bank Gothic"/>
+                <a:cs typeface="Bank Gothic"/>
+              </a:rPr>
+              <a:t> Code</a:t>
+            </a:r>
+            <a:r>
+              <a:rPr kumimoji="1" lang="zh-TW" altLang="en-US" sz="3200" dirty="0">
+                <a:latin typeface="Bank Gothic"/>
+                <a:cs typeface="Bank Gothic"/>
+              </a:rPr>
+              <a:t> </a:t>
+            </a:r>
+            <a:r>
+              <a:rPr kumimoji="1" lang="en-US" altLang="zh-TW" sz="3200" dirty="0">
+                <a:latin typeface="Bank Gothic"/>
+                <a:cs typeface="Bank Gothic"/>
+              </a:rPr>
+              <a:t>(with</a:t>
+            </a:r>
+            <a:r>
+              <a:rPr kumimoji="1" lang="zh-TW" altLang="en-US" sz="3200" dirty="0">
+                <a:latin typeface="Bank Gothic"/>
+                <a:cs typeface="Bank Gothic"/>
+              </a:rPr>
+              <a:t> </a:t>
+            </a:r>
+            <a:r>
+              <a:rPr kumimoji="1" lang="en-US" altLang="zh-TW" sz="3200" dirty="0">
+                <a:latin typeface="Bank Gothic"/>
+                <a:cs typeface="Bank Gothic"/>
+              </a:rPr>
+              <a:t>&amp;</a:t>
+            </a:r>
+            <a:r>
+              <a:rPr kumimoji="1" lang="zh-TW" altLang="en-US" sz="3200" dirty="0">
+                <a:latin typeface="Bank Gothic"/>
+                <a:cs typeface="Bank Gothic"/>
+              </a:rPr>
+              <a:t> </a:t>
+            </a:r>
+            <a:r>
+              <a:rPr kumimoji="1" lang="en-US" altLang="zh-TW" sz="3200" dirty="0">
+                <a:latin typeface="Bank Gothic"/>
+                <a:cs typeface="Bank Gothic"/>
+              </a:rPr>
+              <a:t>without</a:t>
+            </a:r>
+            <a:r>
+              <a:rPr kumimoji="1" lang="zh-TW" altLang="en-US" sz="3200" dirty="0">
+                <a:latin typeface="Bank Gothic"/>
+                <a:cs typeface="Bank Gothic"/>
+              </a:rPr>
+              <a:t> </a:t>
+            </a:r>
+            <a:r>
+              <a:rPr kumimoji="1" lang="en-US" altLang="zh-TW" sz="3200" dirty="0">
+                <a:latin typeface="Bank Gothic"/>
+                <a:cs typeface="Bank Gothic"/>
+              </a:rPr>
+              <a:t>Album)</a:t>
+            </a:r>
+            <a:r>
+              <a:rPr kumimoji="1" lang="zh-TW" altLang="en-US" sz="3200" dirty="0">
+                <a:latin typeface="Bank Gothic"/>
+                <a:cs typeface="Bank Gothic"/>
+              </a:rPr>
+              <a:t> </a:t>
+            </a:r>
+            <a:r>
+              <a:rPr kumimoji="1" lang="en-US" altLang="zh-TW" sz="3200" dirty="0">
+                <a:latin typeface="Bank Gothic"/>
+                <a:cs typeface="Bank Gothic"/>
+              </a:rPr>
+              <a:t>:</a:t>
+            </a:r>
+            <a:r>
+              <a:rPr kumimoji="1" lang="zh-TW" altLang="en-US" sz="3200" dirty="0">
+                <a:latin typeface="Bank Gothic"/>
+                <a:cs typeface="Bank Gothic"/>
+              </a:rPr>
+              <a:t> </a:t>
+            </a:r>
+            <a:r>
+              <a:rPr kumimoji="1" lang="en-US" altLang="zh-TW" sz="3200" dirty="0">
+                <a:latin typeface="Bank Gothic"/>
+                <a:cs typeface="Bank Gothic"/>
+              </a:rPr>
+              <a:t>	2853</a:t>
+            </a:r>
+            <a:r>
+              <a:rPr kumimoji="1" lang="zh-TW" altLang="en-US" sz="3200" dirty="0">
+                <a:latin typeface="Bank Gothic"/>
+                <a:cs typeface="Bank Gothic"/>
+              </a:rPr>
+              <a:t> </a:t>
+            </a:r>
+            <a:r>
+              <a:rPr kumimoji="1" lang="en-US" altLang="zh-TW" sz="3200" dirty="0">
+                <a:latin typeface="Bank Gothic"/>
+                <a:cs typeface="Bank Gothic"/>
+              </a:rPr>
+              <a:t>/</a:t>
+            </a:r>
+            <a:r>
+              <a:rPr kumimoji="1" lang="zh-TW" altLang="en-US" sz="3200" dirty="0">
+                <a:latin typeface="Bank Gothic"/>
+                <a:cs typeface="Bank Gothic"/>
+              </a:rPr>
+              <a:t> </a:t>
+            </a:r>
+            <a:r>
+              <a:rPr kumimoji="1" lang="en-US" altLang="zh-TW" sz="3200" dirty="0">
+                <a:latin typeface="Bank Gothic"/>
+                <a:cs typeface="Bank Gothic"/>
+              </a:rPr>
+              <a:t>1364</a:t>
+            </a:r>
+            <a:r>
+              <a:rPr kumimoji="1" lang="zh-TW" altLang="en-US" sz="3200" dirty="0">
+                <a:latin typeface="Bank Gothic"/>
+                <a:cs typeface="Bank Gothic"/>
+              </a:rPr>
+              <a:t> </a:t>
+            </a:r>
+            <a:r>
+              <a:rPr kumimoji="1" lang="en-US" altLang="zh-TW" sz="3200" dirty="0" smtClean="0">
+                <a:latin typeface="Bank Gothic"/>
+                <a:cs typeface="Bank Gothic"/>
+              </a:rPr>
+              <a:t>lines</a:t>
+            </a:r>
+            <a:endParaRPr kumimoji="1" lang="en-US" altLang="zh-TW" sz="3200" dirty="0">
+              <a:latin typeface="Bank Gothic"/>
+              <a:cs typeface="Bank Gothic"/>
+            </a:endParaRPr>
+          </a:p>
+        </p:txBody>
+      </p:sp>
     </p:spTree>
     <p:extLst>
       <p:ext uri="{BB962C8B-B14F-4D97-AF65-F5344CB8AC3E}">
-        <p14:creationId xmlns:p14="http://schemas.microsoft.com/office/powerpoint/2010/main" val="4034529898"/>
+        <p14:creationId xmlns:p14="http://schemas.microsoft.com/office/powerpoint/2010/main" val="2817263408"/>
       </p:ext>
     </p:extLst>
   </p:cSld>
@@ -11041,8 +11601,8 @@
         </p:nvSpPr>
         <p:spPr>
           <a:xfrm>
-            <a:off x="504239" y="2874061"/>
-            <a:ext cx="8067824" cy="707886"/>
+            <a:off x="1405466" y="3911600"/>
+            <a:ext cx="6705600" cy="1107996"/>
           </a:xfrm>
           <a:prstGeom prst="rect">
             <a:avLst/>
@@ -11056,18 +11616,171 @@
           <a:lstStyle/>
           <a:p>
             <a:r>
+              <a:rPr kumimoji="1" lang="en-US" altLang="zh-TW" sz="6600" dirty="0" smtClean="0">
+                <a:latin typeface="Bank Gothic"/>
+                <a:cs typeface="Bank Gothic"/>
+              </a:rPr>
+              <a:t>Demo</a:t>
+            </a:r>
+            <a:r>
+              <a:rPr kumimoji="1" lang="zh-TW" altLang="en-US" sz="6600" dirty="0" smtClean="0">
+                <a:latin typeface="Bank Gothic"/>
+                <a:cs typeface="Bank Gothic"/>
+              </a:rPr>
+              <a:t> </a:t>
+            </a:r>
+            <a:r>
+              <a:rPr kumimoji="1" lang="en-US" altLang="zh-TW" sz="6600" dirty="0" smtClean="0">
+                <a:latin typeface="Bank Gothic"/>
+                <a:cs typeface="Bank Gothic"/>
+              </a:rPr>
+              <a:t>Time!!!!!</a:t>
+            </a:r>
+            <a:endParaRPr kumimoji="1" lang="zh-TW" altLang="en-US" sz="6600" dirty="0">
+              <a:latin typeface="Bank Gothic"/>
+              <a:cs typeface="Bank Gothic"/>
+            </a:endParaRPr>
+          </a:p>
+        </p:txBody>
+      </p:sp>
+    </p:spTree>
+    <p:extLst>
+      <p:ext uri="{BB962C8B-B14F-4D97-AF65-F5344CB8AC3E}">
+        <p14:creationId xmlns:p14="http://schemas.microsoft.com/office/powerpoint/2010/main" val="2151752052"/>
+      </p:ext>
+    </p:extLst>
+  </p:cSld>
+  <p:clrMapOvr>
+    <a:masterClrMapping/>
+  </p:clrMapOvr>
+  <p:timing>
+    <p:tnLst>
+      <p:par>
+        <p:cTn xmlns:p14="http://schemas.microsoft.com/office/powerpoint/2010/main" id="1" dur="indefinite" restart="never" nodeType="tmRoot"/>
+      </p:par>
+    </p:tnLst>
+  </p:timing>
+</p:sld>
+</file>
+
+<file path=ppt/slides/slide28.xml><?xml version="1.0" encoding="utf-8"?>
+<p:sld xmlns:a="http://schemas.openxmlformats.org/drawingml/2006/main" xmlns:r="http://schemas.openxmlformats.org/officeDocument/2006/relationships" xmlns:p="http://schemas.openxmlformats.org/presentationml/2006/main">
+  <p:cSld>
+    <p:spTree>
+      <p:nvGrpSpPr>
+        <p:cNvPr id="1" name=""/>
+        <p:cNvGrpSpPr/>
+        <p:nvPr/>
+      </p:nvGrpSpPr>
+      <p:grpSpPr>
+        <a:xfrm>
+          <a:off x="0" y="0"/>
+          <a:ext cx="0" cy="0"/>
+          <a:chOff x="0" y="0"/>
+          <a:chExt cx="0" cy="0"/>
+        </a:xfrm>
+      </p:grpSpPr>
+      <p:sp>
+        <p:nvSpPr>
+          <p:cNvPr id="3" name="文字方塊 2"/>
+          <p:cNvSpPr txBox="1"/>
+          <p:nvPr/>
+        </p:nvSpPr>
+        <p:spPr>
+          <a:xfrm>
+            <a:off x="2310391" y="3686935"/>
+            <a:ext cx="5943600" cy="1107996"/>
+          </a:xfrm>
+          <a:prstGeom prst="rect">
+            <a:avLst/>
+          </a:prstGeom>
+          <a:noFill/>
+        </p:spPr>
+        <p:txBody>
+          <a:bodyPr wrap="square" rtlCol="0">
+            <a:spAutoFit/>
+          </a:bodyPr>
+          <a:lstStyle/>
+          <a:p>
+            <a:r>
+              <a:rPr kumimoji="1" lang="en-US" altLang="zh-TW" sz="6600" dirty="0" smtClean="0">
+                <a:latin typeface="Bank Gothic"/>
+                <a:cs typeface="Bank Gothic"/>
+              </a:rPr>
+              <a:t>Q&amp;A</a:t>
+            </a:r>
+            <a:endParaRPr kumimoji="1" lang="zh-TW" altLang="en-US" sz="6600" dirty="0">
+              <a:latin typeface="Bank Gothic"/>
+              <a:cs typeface="Bank Gothic"/>
+            </a:endParaRPr>
+          </a:p>
+        </p:txBody>
+      </p:sp>
+    </p:spTree>
+    <p:extLst>
+      <p:ext uri="{BB962C8B-B14F-4D97-AF65-F5344CB8AC3E}">
+        <p14:creationId xmlns:p14="http://schemas.microsoft.com/office/powerpoint/2010/main" val="4034529898"/>
+      </p:ext>
+    </p:extLst>
+  </p:cSld>
+  <p:clrMapOvr>
+    <a:masterClrMapping/>
+  </p:clrMapOvr>
+  <p:timing>
+    <p:tnLst>
+      <p:par>
+        <p:cTn xmlns:p14="http://schemas.microsoft.com/office/powerpoint/2010/main" id="1" dur="indefinite" restart="never" nodeType="tmRoot"/>
+      </p:par>
+    </p:tnLst>
+  </p:timing>
+</p:sld>
+</file>
+
+<file path=ppt/slides/slide29.xml><?xml version="1.0" encoding="utf-8"?>
+<p:sld xmlns:a="http://schemas.openxmlformats.org/drawingml/2006/main" xmlns:r="http://schemas.openxmlformats.org/officeDocument/2006/relationships" xmlns:p="http://schemas.openxmlformats.org/presentationml/2006/main">
+  <p:cSld>
+    <p:spTree>
+      <p:nvGrpSpPr>
+        <p:cNvPr id="1" name=""/>
+        <p:cNvGrpSpPr/>
+        <p:nvPr/>
+      </p:nvGrpSpPr>
+      <p:grpSpPr>
+        <a:xfrm>
+          <a:off x="0" y="0"/>
+          <a:ext cx="0" cy="0"/>
+          <a:chOff x="0" y="0"/>
+          <a:chExt cx="0" cy="0"/>
+        </a:xfrm>
+      </p:grpSpPr>
+      <p:sp>
+        <p:nvSpPr>
+          <p:cNvPr id="2" name="文字方塊 1"/>
+          <p:cNvSpPr txBox="1"/>
+          <p:nvPr/>
+        </p:nvSpPr>
+        <p:spPr>
+          <a:xfrm>
+            <a:off x="504239" y="2874061"/>
+            <a:ext cx="8067824" cy="707886"/>
+          </a:xfrm>
+          <a:prstGeom prst="rect">
+            <a:avLst/>
+          </a:prstGeom>
+          <a:noFill/>
+        </p:spPr>
+        <p:txBody>
+          <a:bodyPr wrap="square" rtlCol="0">
+            <a:spAutoFit/>
+          </a:bodyPr>
+          <a:lstStyle/>
+          <a:p>
+            <a:r>
               <a:rPr kumimoji="1" lang="en-US" altLang="zh-TW" sz="4000" dirty="0" smtClean="0">
                 <a:latin typeface="Bank Gothic"/>
                 <a:cs typeface="Bank Gothic"/>
               </a:rPr>
-              <a:t>T</a:t>
-            </a:r>
-            <a:r>
-              <a:rPr kumimoji="1" lang="en-US" altLang="zh-TW" sz="4000" dirty="0" smtClean="0">
-                <a:latin typeface="Bank Gothic"/>
-                <a:cs typeface="Bank Gothic"/>
-              </a:rPr>
-              <a:t>hanks</a:t>
+              <a:t>Thanks</a:t>
             </a:r>
             <a:r>
               <a:rPr kumimoji="1" lang="zh-TW" altLang="en-US" sz="4000" dirty="0" smtClean="0">
@@ -11246,35 +11959,7 @@
                 <a:latin typeface="Bank Gothic"/>
                 <a:cs typeface="Bank Gothic"/>
               </a:rPr>
-              <a:t>Start</a:t>
-            </a:r>
-            <a:r>
-              <a:rPr kumimoji="1" lang="zh-TW" altLang="en-US" sz="5600" dirty="0" smtClean="0">
-                <a:latin typeface="Bank Gothic"/>
-                <a:cs typeface="Bank Gothic"/>
-              </a:rPr>
-              <a:t> </a:t>
-            </a:r>
-            <a:r>
-              <a:rPr kumimoji="1" lang="en-US" altLang="zh-TW" sz="5600" dirty="0" smtClean="0">
-                <a:latin typeface="Bank Gothic"/>
-                <a:cs typeface="Bank Gothic"/>
-              </a:rPr>
-              <a:t>with</a:t>
-            </a:r>
-            <a:r>
-              <a:rPr kumimoji="1" lang="zh-TW" altLang="en-US" sz="5600" dirty="0" smtClean="0">
-                <a:latin typeface="Bank Gothic"/>
-                <a:cs typeface="Bank Gothic"/>
-              </a:rPr>
-              <a:t> </a:t>
-            </a:r>
-            <a:r>
-              <a:rPr kumimoji="1" lang="en-US" altLang="zh-TW" sz="5600" dirty="0" smtClean="0">
-                <a:latin typeface="Bank Gothic"/>
-                <a:cs typeface="Bank Gothic"/>
-              </a:rPr>
-              <a:t>Tank</a:t>
+              <a:t>Introduction</a:t>
             </a:r>
             <a:endParaRPr kumimoji="1" lang="zh-TW" altLang="en-US" sz="5600" dirty="0">
               <a:latin typeface="Bank Gothic"/>
@@ -11313,47 +11998,294 @@
           </a:prstGeom>
         </p:spPr>
       </p:pic>
-      <p:pic>
-        <p:nvPicPr>
-          <p:cNvPr id="2" name="圖片 1" descr="1608642_579525995457029_1335287860_n.jpg"/>
-          <p:cNvPicPr>
-            <a:picLocks noChangeAspect="1"/>
-          </p:cNvPicPr>
+      <p:sp>
+        <p:nvSpPr>
+          <p:cNvPr id="7" name="文字方塊 6"/>
+          <p:cNvSpPr txBox="1"/>
           <p:nvPr/>
-        </p:nvPicPr>
-        <p:blipFill rotWithShape="1">
-          <a:blip r:embed="rId3">
-            <a:extLst>
-              <a:ext uri="{BEBA8EAE-BF5A-486C-A8C5-ECC9F3942E4B}">
-                <a14:imgProps xmlns:a14="http://schemas.microsoft.com/office/drawing/2010/main">
-                  <a14:imgLayer r:embed="rId4">
-                    <a14:imgEffect>
-                      <a14:sharpenSoften amount="50000"/>
-                    </a14:imgEffect>
-                    <a14:imgEffect>
-                      <a14:brightnessContrast contrast="40000"/>
-                    </a14:imgEffect>
-                  </a14:imgLayer>
-                </a14:imgProps>
-              </a:ext>
-              <a:ext uri="{28A0092B-C50C-407E-A947-70E740481C1C}">
-                <a14:useLocalDpi xmlns:a14="http://schemas.microsoft.com/office/drawing/2010/main" val="0"/>
-              </a:ext>
-            </a:extLst>
-          </a:blip>
-          <a:srcRect t="8518" b="22223"/>
-          <a:stretch/>
-        </p:blipFill>
-        <p:spPr>
-          <a:xfrm>
-            <a:off x="1722968" y="1261534"/>
-            <a:ext cx="5143500" cy="4749800"/>
+        </p:nvSpPr>
+        <p:spPr>
+          <a:xfrm>
+            <a:off x="768206" y="1270073"/>
+            <a:ext cx="7525280" cy="4031873"/>
           </a:xfrm>
           <a:prstGeom prst="rect">
             <a:avLst/>
           </a:prstGeom>
-        </p:spPr>
-      </p:pic>
+          <a:noFill/>
+        </p:spPr>
+        <p:txBody>
+          <a:bodyPr wrap="square" rtlCol="0">
+            <a:spAutoFit/>
+          </a:bodyPr>
+          <a:lstStyle/>
+          <a:p>
+            <a:pPr marL="457200" indent="-457200">
+              <a:buFont typeface="Wingdings" charset="2"/>
+              <a:buChar char="p"/>
+            </a:pPr>
+            <a:r>
+              <a:rPr kumimoji="1" lang="zh-TW" altLang="en-US" sz="3200" dirty="0">
+                <a:latin typeface="Apple LiGothic Medium"/>
+                <a:ea typeface="Apple LiGothic Medium"/>
+                <a:cs typeface="Apple LiGothic Medium"/>
+              </a:rPr>
+              <a:t>坦</a:t>
+            </a:r>
+            <a:r>
+              <a:rPr kumimoji="1" lang="zh-TW" altLang="en-US" sz="3200" dirty="0" smtClean="0">
+                <a:latin typeface="Apple LiGothic Medium"/>
+                <a:ea typeface="Apple LiGothic Medium"/>
+                <a:cs typeface="Apple LiGothic Medium"/>
+              </a:rPr>
+              <a:t>克大戰</a:t>
+            </a:r>
+            <a:endParaRPr kumimoji="1" lang="zh-TW" altLang="en-US" sz="3200" dirty="0">
+              <a:latin typeface="Apple LiGothic Medium"/>
+              <a:ea typeface="Apple LiGothic Medium"/>
+              <a:cs typeface="Apple LiGothic Medium"/>
+            </a:endParaRPr>
+          </a:p>
+          <a:p>
+            <a:r>
+              <a:rPr kumimoji="1" lang="en-US" altLang="zh-TW" sz="3200" dirty="0" smtClean="0">
+                <a:latin typeface="Apple LiGothic Medium"/>
+                <a:ea typeface="Apple LiGothic Medium"/>
+                <a:cs typeface="Apple LiGothic Medium"/>
+              </a:rPr>
+              <a:t>	</a:t>
+            </a:r>
+            <a:r>
+              <a:rPr kumimoji="1" lang="zh-TW" altLang="en-US" sz="3200" dirty="0" smtClean="0">
+                <a:latin typeface="Apple LiGothic Medium"/>
+                <a:ea typeface="Apple LiGothic Medium"/>
+                <a:cs typeface="Apple LiGothic Medium"/>
+              </a:rPr>
+              <a:t>雖</a:t>
+            </a:r>
+            <a:r>
+              <a:rPr kumimoji="1" lang="zh-TW" altLang="en-US" sz="3200" dirty="0">
+                <a:latin typeface="Apple LiGothic Medium"/>
+                <a:ea typeface="Apple LiGothic Medium"/>
+                <a:cs typeface="Apple LiGothic Medium"/>
+              </a:rPr>
+              <a:t>然</a:t>
+            </a:r>
+            <a:r>
+              <a:rPr kumimoji="1" lang="en-US" altLang="zh-TW" sz="3200" dirty="0">
+                <a:latin typeface="Apple LiGothic Medium"/>
+                <a:ea typeface="Apple LiGothic Medium"/>
+                <a:cs typeface="Apple LiGothic Medium"/>
+              </a:rPr>
+              <a:t>Jack </a:t>
+            </a:r>
+            <a:r>
+              <a:rPr kumimoji="1" lang="zh-TW" altLang="en-US" sz="3200" dirty="0">
+                <a:solidFill>
+                  <a:schemeClr val="tx1">
+                    <a:lumMod val="65000"/>
+                  </a:schemeClr>
+                </a:solidFill>
+                <a:latin typeface="Apple LiGothic Medium"/>
+                <a:ea typeface="Apple LiGothic Medium"/>
+                <a:cs typeface="Apple LiGothic Medium"/>
+              </a:rPr>
+              <a:t>破破</a:t>
+            </a:r>
+            <a:r>
+              <a:rPr kumimoji="1" lang="zh-TW" altLang="en-US" sz="3200" dirty="0">
+                <a:latin typeface="Apple LiGothic Medium"/>
+                <a:ea typeface="Apple LiGothic Medium"/>
+                <a:cs typeface="Apple LiGothic Medium"/>
+              </a:rPr>
+              <a:t> 的，</a:t>
+            </a:r>
+            <a:r>
+              <a:rPr kumimoji="1" lang="en-US" altLang="zh-TW" sz="3200" dirty="0">
+                <a:latin typeface="Apple LiGothic Medium"/>
+                <a:ea typeface="Apple LiGothic Medium"/>
+                <a:cs typeface="Apple LiGothic Medium"/>
+              </a:rPr>
+              <a:t>VM </a:t>
+            </a:r>
+            <a:r>
+              <a:rPr kumimoji="1" lang="zh-TW" altLang="en-US" sz="3200" dirty="0" smtClean="0">
+                <a:solidFill>
+                  <a:srgbClr val="A6A6A6"/>
+                </a:solidFill>
+                <a:latin typeface="Apple LiGothic Medium"/>
+                <a:ea typeface="Apple LiGothic Medium"/>
+                <a:cs typeface="Apple LiGothic Medium"/>
+              </a:rPr>
+              <a:t>慢慢</a:t>
+            </a:r>
+            <a:r>
+              <a:rPr kumimoji="1" lang="zh-TW" altLang="en-US" sz="3200" dirty="0" smtClean="0">
+                <a:latin typeface="Apple LiGothic Medium"/>
+                <a:ea typeface="Apple LiGothic Medium"/>
+                <a:cs typeface="Apple LiGothic Medium"/>
+              </a:rPr>
+              <a:t> </a:t>
+            </a:r>
+            <a:r>
+              <a:rPr kumimoji="1" lang="zh-TW" altLang="en-US" sz="3200" dirty="0">
+                <a:latin typeface="Apple LiGothic Medium"/>
+                <a:ea typeface="Apple LiGothic Medium"/>
+                <a:cs typeface="Apple LiGothic Medium"/>
+              </a:rPr>
+              <a:t>的，但還</a:t>
+            </a:r>
+            <a:r>
+              <a:rPr kumimoji="1" lang="zh-TW" altLang="en-US" sz="3200" dirty="0" smtClean="0">
+                <a:latin typeface="Apple LiGothic Medium"/>
+                <a:ea typeface="Apple LiGothic Medium"/>
+                <a:cs typeface="Apple LiGothic Medium"/>
+              </a:rPr>
+              <a:t>是</a:t>
+            </a:r>
+            <a:r>
+              <a:rPr kumimoji="1" lang="en-US" altLang="zh-TW" sz="3200" dirty="0" smtClean="0">
+                <a:latin typeface="Apple LiGothic Medium"/>
+                <a:ea typeface="Apple LiGothic Medium"/>
+                <a:cs typeface="Apple LiGothic Medium"/>
+              </a:rPr>
+              <a:t>	</a:t>
+            </a:r>
+            <a:r>
+              <a:rPr kumimoji="1" lang="zh-TW" altLang="en-US" sz="3200" dirty="0" smtClean="0">
+                <a:latin typeface="Apple LiGothic Medium"/>
+                <a:ea typeface="Apple LiGothic Medium"/>
+                <a:cs typeface="Apple LiGothic Medium"/>
+              </a:rPr>
+              <a:t>試著做了每</a:t>
+            </a:r>
+            <a:r>
+              <a:rPr kumimoji="1" lang="zh-TW" altLang="en-US" sz="3200" dirty="0">
+                <a:latin typeface="Apple LiGothic Medium"/>
+                <a:ea typeface="Apple LiGothic Medium"/>
+                <a:cs typeface="Apple LiGothic Medium"/>
+              </a:rPr>
+              <a:t>個人的童年回憶－－坦克</a:t>
+            </a:r>
+            <a:r>
+              <a:rPr kumimoji="1" lang="zh-TW" altLang="en-US" sz="3200" dirty="0" smtClean="0">
+                <a:latin typeface="Apple LiGothic Medium"/>
+                <a:ea typeface="Apple LiGothic Medium"/>
+                <a:cs typeface="Apple LiGothic Medium"/>
+              </a:rPr>
+              <a:t>大</a:t>
+            </a:r>
+            <a:r>
+              <a:rPr kumimoji="1" lang="en-US" altLang="zh-TW" sz="3200" dirty="0" smtClean="0">
+                <a:latin typeface="Apple LiGothic Medium"/>
+                <a:ea typeface="Apple LiGothic Medium"/>
+                <a:cs typeface="Apple LiGothic Medium"/>
+              </a:rPr>
+              <a:t>	</a:t>
+            </a:r>
+            <a:r>
+              <a:rPr kumimoji="1" lang="zh-TW" altLang="en-US" sz="3200" dirty="0" smtClean="0">
+                <a:latin typeface="Apple LiGothic Medium"/>
+                <a:ea typeface="Apple LiGothic Medium"/>
+                <a:cs typeface="Apple LiGothic Medium"/>
+              </a:rPr>
+              <a:t>戰遊戲</a:t>
+            </a:r>
+            <a:r>
+              <a:rPr kumimoji="1" lang="zh-TW" altLang="en-US" sz="3200" dirty="0">
+                <a:latin typeface="Apple LiGothic Medium"/>
+                <a:ea typeface="Apple LiGothic Medium"/>
+                <a:cs typeface="Apple LiGothic Medium"/>
+              </a:rPr>
+              <a:t>！！</a:t>
+            </a:r>
+            <a:r>
+              <a:rPr kumimoji="1" lang="zh-TW" altLang="en-US" sz="3200" dirty="0" smtClean="0">
+                <a:latin typeface="Apple LiGothic Medium"/>
+                <a:ea typeface="Apple LiGothic Medium"/>
+                <a:cs typeface="Apple LiGothic Medium"/>
+              </a:rPr>
+              <a:t>！</a:t>
+            </a:r>
+            <a:endParaRPr kumimoji="1" lang="en-US" altLang="zh-TW" sz="3200" dirty="0" smtClean="0">
+              <a:latin typeface="Apple LiGothic Medium"/>
+              <a:ea typeface="Apple LiGothic Medium"/>
+              <a:cs typeface="Apple LiGothic Medium"/>
+            </a:endParaRPr>
+          </a:p>
+          <a:p>
+            <a:endParaRPr kumimoji="1" lang="zh-TW" altLang="en-US" sz="3200" dirty="0">
+              <a:latin typeface="Apple LiGothic Medium"/>
+              <a:ea typeface="Apple LiGothic Medium"/>
+              <a:cs typeface="Apple LiGothic Medium"/>
+            </a:endParaRPr>
+          </a:p>
+          <a:p>
+            <a:pPr marL="457200" indent="-457200">
+              <a:buFont typeface="Wingdings" charset="2"/>
+              <a:buChar char="p"/>
+            </a:pPr>
+            <a:r>
+              <a:rPr kumimoji="1" lang="zh-TW" altLang="en-US" sz="3200" dirty="0">
+                <a:latin typeface="Apple LiGothic Medium"/>
+                <a:ea typeface="Apple LiGothic Medium"/>
+                <a:cs typeface="Apple LiGothic Medium"/>
+              </a:rPr>
+              <a:t>特色</a:t>
+            </a:r>
+          </a:p>
+          <a:p>
+            <a:r>
+              <a:rPr kumimoji="1" lang="en-US" altLang="zh-TW" sz="3200" dirty="0" smtClean="0">
+                <a:latin typeface="Apple LiGothic Medium"/>
+                <a:ea typeface="Apple LiGothic Medium"/>
+                <a:cs typeface="Apple LiGothic Medium"/>
+              </a:rPr>
+              <a:t>	</a:t>
+            </a:r>
+            <a:r>
+              <a:rPr kumimoji="1" lang="zh-TW" altLang="en-US" sz="3200" dirty="0" smtClean="0">
+                <a:latin typeface="Apple LiGothic Medium"/>
+                <a:ea typeface="Apple LiGothic Medium"/>
+                <a:cs typeface="Apple LiGothic Medium"/>
+              </a:rPr>
+              <a:t>精緻的圖片繪製，</a:t>
+            </a:r>
+            <a:r>
+              <a:rPr kumimoji="1" lang="zh-TW" altLang="en-US" sz="3200" dirty="0">
+                <a:latin typeface="Apple LiGothic Medium"/>
+                <a:ea typeface="Apple LiGothic Medium"/>
+                <a:cs typeface="Apple LiGothic Medium"/>
+              </a:rPr>
+              <a:t>讓你看不出這是</a:t>
+            </a:r>
+            <a:r>
+              <a:rPr kumimoji="1" lang="zh-TW" altLang="en-US" sz="3200" dirty="0" smtClean="0">
+                <a:latin typeface="Apple LiGothic Medium"/>
+                <a:ea typeface="Apple LiGothic Medium"/>
+                <a:cs typeface="Apple LiGothic Medium"/>
+              </a:rPr>
+              <a:t>用</a:t>
+            </a:r>
+            <a:r>
+              <a:rPr kumimoji="1" lang="en-US" altLang="zh-TW" sz="3200" dirty="0" smtClean="0">
+                <a:latin typeface="Apple LiGothic Medium"/>
+                <a:ea typeface="Apple LiGothic Medium"/>
+                <a:cs typeface="Apple LiGothic Medium"/>
+              </a:rPr>
+              <a:t>	Jack</a:t>
+            </a:r>
+            <a:r>
+              <a:rPr kumimoji="1" lang="zh-TW" altLang="en-US" sz="3200" dirty="0">
+                <a:latin typeface="Apple LiGothic Medium"/>
+                <a:ea typeface="Apple LiGothic Medium"/>
+                <a:cs typeface="Apple LiGothic Medium"/>
+              </a:rPr>
+              <a:t>寫出來的！</a:t>
+            </a:r>
+          </a:p>
+        </p:txBody>
+      </p:sp>
     </p:spTree>
     <p:extLst>
       <p:ext uri="{BB962C8B-B14F-4D97-AF65-F5344CB8AC3E}">
@@ -11496,6 +12428,178 @@
         <p:blipFill rotWithShape="1">
           <a:blip r:embed="rId3">
             <a:extLst>
+              <a:ext uri="{BEBA8EAE-BF5A-486C-A8C5-ECC9F3942E4B}">
+                <a14:imgProps xmlns:a14="http://schemas.microsoft.com/office/drawing/2010/main">
+                  <a14:imgLayer r:embed="rId4">
+                    <a14:imgEffect>
+                      <a14:sharpenSoften amount="50000"/>
+                    </a14:imgEffect>
+                    <a14:imgEffect>
+                      <a14:brightnessContrast contrast="40000"/>
+                    </a14:imgEffect>
+                  </a14:imgLayer>
+                </a14:imgProps>
+              </a:ext>
+              <a:ext uri="{28A0092B-C50C-407E-A947-70E740481C1C}">
+                <a14:useLocalDpi xmlns:a14="http://schemas.microsoft.com/office/drawing/2010/main" val="0"/>
+              </a:ext>
+            </a:extLst>
+          </a:blip>
+          <a:srcRect t="8518" b="22223"/>
+          <a:stretch/>
+        </p:blipFill>
+        <p:spPr>
+          <a:xfrm>
+            <a:off x="1722968" y="1261534"/>
+            <a:ext cx="5143500" cy="4749800"/>
+          </a:xfrm>
+          <a:prstGeom prst="rect">
+            <a:avLst/>
+          </a:prstGeom>
+        </p:spPr>
+      </p:pic>
+    </p:spTree>
+    <p:extLst>
+      <p:ext uri="{BB962C8B-B14F-4D97-AF65-F5344CB8AC3E}">
+        <p14:creationId xmlns:p14="http://schemas.microsoft.com/office/powerpoint/2010/main" val="2909510125"/>
+      </p:ext>
+    </p:extLst>
+  </p:cSld>
+  <p:clrMapOvr>
+    <a:masterClrMapping/>
+  </p:clrMapOvr>
+  <p:timing>
+    <p:tnLst>
+      <p:par>
+        <p:cTn xmlns:p14="http://schemas.microsoft.com/office/powerpoint/2010/main" id="1" dur="indefinite" restart="never" nodeType="tmRoot"/>
+      </p:par>
+    </p:tnLst>
+  </p:timing>
+</p:sld>
+</file>
+
+<file path=ppt/slides/slide5.xml><?xml version="1.0" encoding="utf-8"?>
+<p:sld xmlns:a="http://schemas.openxmlformats.org/drawingml/2006/main" xmlns:r="http://schemas.openxmlformats.org/officeDocument/2006/relationships" xmlns:p="http://schemas.openxmlformats.org/presentationml/2006/main">
+  <p:cSld>
+    <p:spTree>
+      <p:nvGrpSpPr>
+        <p:cNvPr id="1" name=""/>
+        <p:cNvGrpSpPr/>
+        <p:nvPr/>
+      </p:nvGrpSpPr>
+      <p:grpSpPr>
+        <a:xfrm>
+          <a:off x="0" y="0"/>
+          <a:ext cx="0" cy="0"/>
+          <a:chOff x="0" y="0"/>
+          <a:chExt cx="0" cy="0"/>
+        </a:xfrm>
+      </p:grpSpPr>
+      <p:sp>
+        <p:nvSpPr>
+          <p:cNvPr id="4" name="文字方塊 3"/>
+          <p:cNvSpPr txBox="1"/>
+          <p:nvPr/>
+        </p:nvSpPr>
+        <p:spPr>
+          <a:xfrm>
+            <a:off x="711199" y="163493"/>
+            <a:ext cx="8043334" cy="954107"/>
+          </a:xfrm>
+          <a:prstGeom prst="rect">
+            <a:avLst/>
+          </a:prstGeom>
+          <a:noFill/>
+        </p:spPr>
+        <p:txBody>
+          <a:bodyPr wrap="square" rtlCol="0">
+            <a:spAutoFit/>
+          </a:bodyPr>
+          <a:lstStyle/>
+          <a:p>
+            <a:r>
+              <a:rPr kumimoji="1" lang="en-US" altLang="zh-TW" sz="5600" dirty="0" smtClean="0">
+                <a:latin typeface="Bank Gothic"/>
+                <a:cs typeface="Bank Gothic"/>
+              </a:rPr>
+              <a:t>Start</a:t>
+            </a:r>
+            <a:r>
+              <a:rPr kumimoji="1" lang="zh-TW" altLang="en-US" sz="5600" dirty="0" smtClean="0">
+                <a:latin typeface="Bank Gothic"/>
+                <a:cs typeface="Bank Gothic"/>
+              </a:rPr>
+              <a:t> </a:t>
+            </a:r>
+            <a:r>
+              <a:rPr kumimoji="1" lang="en-US" altLang="zh-TW" sz="5600" dirty="0" smtClean="0">
+                <a:latin typeface="Bank Gothic"/>
+                <a:cs typeface="Bank Gothic"/>
+              </a:rPr>
+              <a:t>with</a:t>
+            </a:r>
+            <a:r>
+              <a:rPr kumimoji="1" lang="zh-TW" altLang="en-US" sz="5600" dirty="0" smtClean="0">
+                <a:latin typeface="Bank Gothic"/>
+                <a:cs typeface="Bank Gothic"/>
+              </a:rPr>
+              <a:t> </a:t>
+            </a:r>
+            <a:r>
+              <a:rPr kumimoji="1" lang="en-US" altLang="zh-TW" sz="5600" dirty="0" smtClean="0">
+                <a:latin typeface="Bank Gothic"/>
+                <a:cs typeface="Bank Gothic"/>
+              </a:rPr>
+              <a:t>Tank</a:t>
+            </a:r>
+            <a:endParaRPr kumimoji="1" lang="zh-TW" altLang="en-US" sz="5600" dirty="0">
+              <a:latin typeface="Bank Gothic"/>
+              <a:cs typeface="Bank Gothic"/>
+            </a:endParaRPr>
+          </a:p>
+        </p:txBody>
+      </p:sp>
+      <p:pic>
+        <p:nvPicPr>
+          <p:cNvPr id="6" name="圖片 5" descr="螢幕快照 2014-01-13 下午3.47.32.png"/>
+          <p:cNvPicPr>
+            <a:picLocks noChangeAspect="1"/>
+          </p:cNvPicPr>
+          <p:nvPr/>
+        </p:nvPicPr>
+        <p:blipFill>
+          <a:blip r:embed="rId2">
+            <a:extLst>
+              <a:ext uri="{28A0092B-C50C-407E-A947-70E740481C1C}">
+                <a14:useLocalDpi xmlns:a14="http://schemas.microsoft.com/office/drawing/2010/main" val="0"/>
+              </a:ext>
+            </a:extLst>
+          </a:blip>
+          <a:stretch>
+            <a:fillRect/>
+          </a:stretch>
+        </p:blipFill>
+        <p:spPr>
+          <a:xfrm>
+            <a:off x="330199" y="584200"/>
+            <a:ext cx="381000" cy="355600"/>
+          </a:xfrm>
+          <a:prstGeom prst="rect">
+            <a:avLst/>
+          </a:prstGeom>
+        </p:spPr>
+      </p:pic>
+      <p:pic>
+        <p:nvPicPr>
+          <p:cNvPr id="2" name="圖片 1" descr="1608642_579525995457029_1335287860_n.jpg"/>
+          <p:cNvPicPr>
+            <a:picLocks noChangeAspect="1"/>
+          </p:cNvPicPr>
+          <p:nvPr/>
+        </p:nvPicPr>
+        <p:blipFill rotWithShape="1">
+          <a:blip r:embed="rId3">
+            <a:extLst>
               <a:ext uri="{28A0092B-C50C-407E-A947-70E740481C1C}">
                 <a14:useLocalDpi xmlns:a14="http://schemas.microsoft.com/office/drawing/2010/main" val="0"/>
               </a:ext>
@@ -11564,7 +12668,7 @@
 </p:sld>
 </file>
 
-<file path=ppt/slides/slide5.xml><?xml version="1.0" encoding="utf-8"?>
+<file path=ppt/slides/slide6.xml><?xml version="1.0" encoding="utf-8"?>
 <p:sld xmlns:a="http://schemas.openxmlformats.org/drawingml/2006/main" xmlns:r="http://schemas.openxmlformats.org/officeDocument/2006/relationships" xmlns:p="http://schemas.openxmlformats.org/presentationml/2006/main">
   <p:cSld>
     <p:spTree>
@@ -12052,7 +13156,7 @@
 </p:sld>
 </file>
 
-<file path=ppt/slides/slide6.xml><?xml version="1.0" encoding="utf-8"?>
+<file path=ppt/slides/slide7.xml><?xml version="1.0" encoding="utf-8"?>
 <p:sld xmlns:a="http://schemas.openxmlformats.org/drawingml/2006/main" xmlns:r="http://schemas.openxmlformats.org/officeDocument/2006/relationships" xmlns:p="http://schemas.openxmlformats.org/presentationml/2006/main">
   <p:cSld>
     <p:spTree>
@@ -12438,7 +13542,7 @@
 </p:sld>
 </file>
 
-<file path=ppt/slides/slide7.xml><?xml version="1.0" encoding="utf-8"?>
+<file path=ppt/slides/slide8.xml><?xml version="1.0" encoding="utf-8"?>
 <p:sld xmlns:a="http://schemas.openxmlformats.org/drawingml/2006/main" xmlns:r="http://schemas.openxmlformats.org/officeDocument/2006/relationships" xmlns:p="http://schemas.openxmlformats.org/presentationml/2006/main">
   <p:cSld>
     <p:spTree>
@@ -12833,7 +13937,7 @@
 </p:sld>
 </file>
 
-<file path=ppt/slides/slide8.xml><?xml version="1.0" encoding="utf-8"?>
+<file path=ppt/slides/slide9.xml><?xml version="1.0" encoding="utf-8"?>
 <p:sld xmlns:a="http://schemas.openxmlformats.org/drawingml/2006/main" xmlns:r="http://schemas.openxmlformats.org/officeDocument/2006/relationships" xmlns:p="http://schemas.openxmlformats.org/presentationml/2006/main">
   <p:cSld>
     <p:spTree>
@@ -13175,392 +14279,6 @@
     </p:tnLst>
     <p:bldLst>
       <p:bldP spid="8" grpId="0"/>
-    </p:bldLst>
-  </p:timing>
-</p:sld>
-</file>
-
-<file path=ppt/slides/slide9.xml><?xml version="1.0" encoding="utf-8"?>
-<p:sld xmlns:a="http://schemas.openxmlformats.org/drawingml/2006/main" xmlns:r="http://schemas.openxmlformats.org/officeDocument/2006/relationships" xmlns:p="http://schemas.openxmlformats.org/presentationml/2006/main">
-  <p:cSld>
-    <p:spTree>
-      <p:nvGrpSpPr>
-        <p:cNvPr id="1" name=""/>
-        <p:cNvGrpSpPr/>
-        <p:nvPr/>
-      </p:nvGrpSpPr>
-      <p:grpSpPr>
-        <a:xfrm>
-          <a:off x="0" y="0"/>
-          <a:ext cx="0" cy="0"/>
-          <a:chOff x="0" y="0"/>
-          <a:chExt cx="0" cy="0"/>
-        </a:xfrm>
-      </p:grpSpPr>
-      <p:sp>
-        <p:nvSpPr>
-          <p:cNvPr id="4" name="文字方塊 3"/>
-          <p:cNvSpPr txBox="1"/>
-          <p:nvPr/>
-        </p:nvSpPr>
-        <p:spPr>
-          <a:xfrm>
-            <a:off x="711199" y="163493"/>
-            <a:ext cx="8043334" cy="954107"/>
-          </a:xfrm>
-          <a:prstGeom prst="rect">
-            <a:avLst/>
-          </a:prstGeom>
-          <a:noFill/>
-        </p:spPr>
-        <p:txBody>
-          <a:bodyPr wrap="square" rtlCol="0">
-            <a:spAutoFit/>
-          </a:bodyPr>
-          <a:lstStyle/>
-          <a:p>
-            <a:r>
-              <a:rPr kumimoji="1" lang="en-US" altLang="zh-TW" sz="5600" dirty="0" smtClean="0">
-                <a:latin typeface="Bank Gothic"/>
-                <a:cs typeface="Bank Gothic"/>
-              </a:rPr>
-              <a:t>Other</a:t>
-            </a:r>
-            <a:r>
-              <a:rPr kumimoji="1" lang="zh-TW" altLang="en-US" sz="5600" dirty="0" smtClean="0">
-                <a:latin typeface="Bank Gothic"/>
-                <a:cs typeface="Bank Gothic"/>
-              </a:rPr>
-              <a:t> </a:t>
-            </a:r>
-            <a:r>
-              <a:rPr kumimoji="1" lang="en-US" altLang="zh-TW" sz="5600" dirty="0" smtClean="0">
-                <a:latin typeface="Bank Gothic"/>
-                <a:cs typeface="Bank Gothic"/>
-              </a:rPr>
-              <a:t>objects</a:t>
-            </a:r>
-            <a:endParaRPr kumimoji="1" lang="zh-TW" altLang="en-US" sz="5600" dirty="0">
-              <a:latin typeface="Bank Gothic"/>
-              <a:cs typeface="Bank Gothic"/>
-            </a:endParaRPr>
-          </a:p>
-        </p:txBody>
-      </p:sp>
-      <p:pic>
-        <p:nvPicPr>
-          <p:cNvPr id="6" name="圖片 5" descr="螢幕快照 2014-01-13 下午3.47.32.png"/>
-          <p:cNvPicPr>
-            <a:picLocks noChangeAspect="1"/>
-          </p:cNvPicPr>
-          <p:nvPr/>
-        </p:nvPicPr>
-        <p:blipFill>
-          <a:blip r:embed="rId2">
-            <a:extLst>
-              <a:ext uri="{28A0092B-C50C-407E-A947-70E740481C1C}">
-                <a14:useLocalDpi xmlns:a14="http://schemas.microsoft.com/office/drawing/2010/main" val="0"/>
-              </a:ext>
-            </a:extLst>
-          </a:blip>
-          <a:stretch>
-            <a:fillRect/>
-          </a:stretch>
-        </p:blipFill>
-        <p:spPr>
-          <a:xfrm>
-            <a:off x="330199" y="584200"/>
-            <a:ext cx="381000" cy="355600"/>
-          </a:xfrm>
-          <a:prstGeom prst="rect">
-            <a:avLst/>
-          </a:prstGeom>
-        </p:spPr>
-      </p:pic>
-      <p:sp>
-        <p:nvSpPr>
-          <p:cNvPr id="9" name="燕尾形向右箭號 8"/>
-          <p:cNvSpPr/>
-          <p:nvPr/>
-        </p:nvSpPr>
-        <p:spPr>
-          <a:xfrm>
-            <a:off x="4182533" y="3505200"/>
-            <a:ext cx="1316565" cy="846667"/>
-          </a:xfrm>
-          <a:prstGeom prst="notchedRightArrow">
-            <a:avLst/>
-          </a:prstGeom>
-          <a:solidFill>
-            <a:schemeClr val="tx1"/>
-          </a:solidFill>
-          <a:ln>
-            <a:noFill/>
-          </a:ln>
-        </p:spPr>
-        <p:style>
-          <a:lnRef idx="1">
-            <a:schemeClr val="accent1"/>
-          </a:lnRef>
-          <a:fillRef idx="3">
-            <a:schemeClr val="accent1"/>
-          </a:fillRef>
-          <a:effectRef idx="2">
-            <a:schemeClr val="accent1"/>
-          </a:effectRef>
-          <a:fontRef idx="minor">
-            <a:schemeClr val="lt1"/>
-          </a:fontRef>
-        </p:style>
-        <p:txBody>
-          <a:bodyPr rtlCol="0" anchor="ctr"/>
-          <a:lstStyle/>
-          <a:p>
-            <a:pPr algn="ctr"/>
-            <a:endParaRPr kumimoji="1" lang="zh-TW" altLang="en-US" b="1">
-              <a:ln w="17780" cmpd="sng">
-                <a:solidFill>
-                  <a:srgbClr val="FFFFFF"/>
-                </a:solidFill>
-                <a:prstDash val="solid"/>
-                <a:miter lim="800000"/>
-              </a:ln>
-              <a:gradFill rotWithShape="1">
-                <a:gsLst>
-                  <a:gs pos="0">
-                    <a:srgbClr val="000000">
-                      <a:tint val="92000"/>
-                      <a:shade val="100000"/>
-                      <a:satMod val="150000"/>
-                    </a:srgbClr>
-                  </a:gs>
-                  <a:gs pos="49000">
-                    <a:srgbClr val="000000">
-                      <a:tint val="89000"/>
-                      <a:shade val="90000"/>
-                      <a:satMod val="150000"/>
-                    </a:srgbClr>
-                  </a:gs>
-                  <a:gs pos="50000">
-                    <a:srgbClr val="000000">
-                      <a:tint val="100000"/>
-                      <a:shade val="75000"/>
-                      <a:satMod val="150000"/>
-                    </a:srgbClr>
-                  </a:gs>
-                  <a:gs pos="95000">
-                    <a:srgbClr val="000000">
-                      <a:shade val="47000"/>
-                      <a:satMod val="150000"/>
-                    </a:srgbClr>
-                  </a:gs>
-                  <a:gs pos="100000">
-                    <a:srgbClr val="000000">
-                      <a:shade val="39000"/>
-                      <a:satMod val="150000"/>
-                    </a:srgbClr>
-                  </a:gs>
-                </a:gsLst>
-                <a:lin ang="5400000"/>
-              </a:gradFill>
-              <a:effectLst>
-                <a:outerShdw blurRad="50800" algn="tl" rotWithShape="0">
-                  <a:srgbClr val="000000"/>
-                </a:outerShdw>
-              </a:effectLst>
-            </a:endParaRPr>
-          </a:p>
-        </p:txBody>
-      </p:sp>
-      <p:pic>
-        <p:nvPicPr>
-          <p:cNvPr id="2" name="圖片 1" descr="螢幕快照 2014-01-10 下午5.50.36.png"/>
-          <p:cNvPicPr>
-            <a:picLocks noChangeAspect="1"/>
-          </p:cNvPicPr>
-          <p:nvPr/>
-        </p:nvPicPr>
-        <p:blipFill>
-          <a:blip r:embed="rId3">
-            <a:extLst>
-              <a:ext uri="{28A0092B-C50C-407E-A947-70E740481C1C}">
-                <a14:useLocalDpi xmlns:a14="http://schemas.microsoft.com/office/drawing/2010/main" val="0"/>
-              </a:ext>
-            </a:extLst>
-          </a:blip>
-          <a:stretch>
-            <a:fillRect/>
-          </a:stretch>
-        </p:blipFill>
-        <p:spPr>
-          <a:xfrm>
-            <a:off x="1041400" y="2628900"/>
-            <a:ext cx="2362200" cy="2345206"/>
-          </a:xfrm>
-          <a:prstGeom prst="rect">
-            <a:avLst/>
-          </a:prstGeom>
-        </p:spPr>
-      </p:pic>
-      <p:pic>
-        <p:nvPicPr>
-          <p:cNvPr id="5" name="圖片 4" descr="螢幕快照 2014-01-13 下午4.03.49.png"/>
-          <p:cNvPicPr>
-            <a:picLocks noChangeAspect="1"/>
-          </p:cNvPicPr>
-          <p:nvPr/>
-        </p:nvPicPr>
-        <p:blipFill>
-          <a:blip r:embed="rId4">
-            <a:extLst>
-              <a:ext uri="{28A0092B-C50C-407E-A947-70E740481C1C}">
-                <a14:useLocalDpi xmlns:a14="http://schemas.microsoft.com/office/drawing/2010/main" val="0"/>
-              </a:ext>
-            </a:extLst>
-          </a:blip>
-          <a:stretch>
-            <a:fillRect/>
-          </a:stretch>
-        </p:blipFill>
-        <p:spPr>
-          <a:xfrm>
-            <a:off x="5499098" y="2956984"/>
-            <a:ext cx="4423833" cy="4773083"/>
-          </a:xfrm>
-          <a:prstGeom prst="rect">
-            <a:avLst/>
-          </a:prstGeom>
-        </p:spPr>
-      </p:pic>
-    </p:spTree>
-    <p:extLst>
-      <p:ext uri="{BB962C8B-B14F-4D97-AF65-F5344CB8AC3E}">
-        <p14:creationId xmlns:p14="http://schemas.microsoft.com/office/powerpoint/2010/main" val="3456578210"/>
-      </p:ext>
-    </p:extLst>
-  </p:cSld>
-  <p:clrMapOvr>
-    <a:masterClrMapping/>
-  </p:clrMapOvr>
-  <p:timing>
-    <p:tnLst>
-      <p:par>
-        <p:cTn xmlns:p14="http://schemas.microsoft.com/office/powerpoint/2010/main" id="1" dur="indefinite" restart="never" nodeType="tmRoot">
-          <p:childTnLst>
-            <p:seq concurrent="1" nextAc="seek">
-              <p:cTn id="2" dur="indefinite" nodeType="mainSeq">
-                <p:childTnLst>
-                  <p:par>
-                    <p:cTn id="3" fill="hold">
-                      <p:stCondLst>
-                        <p:cond delay="indefinite"/>
-                      </p:stCondLst>
-                      <p:childTnLst>
-                        <p:par>
-                          <p:cTn id="4" fill="hold">
-                            <p:stCondLst>
-                              <p:cond delay="0"/>
-                            </p:stCondLst>
-                            <p:childTnLst>
-                              <p:par>
-                                <p:cTn id="5" presetID="14" presetClass="entr" presetSubtype="10" fill="hold" grpId="0" nodeType="clickEffect">
-                                  <p:stCondLst>
-                                    <p:cond delay="0"/>
-                                  </p:stCondLst>
-                                  <p:childTnLst>
-                                    <p:set>
-                                      <p:cBhvr>
-                                        <p:cTn id="6" dur="1" fill="hold">
-                                          <p:stCondLst>
-                                            <p:cond delay="0"/>
-                                          </p:stCondLst>
-                                        </p:cTn>
-                                        <p:tgtEl>
-                                          <p:spTgt spid="9"/>
-                                        </p:tgtEl>
-                                        <p:attrNameLst>
-                                          <p:attrName>style.visibility</p:attrName>
-                                        </p:attrNameLst>
-                                      </p:cBhvr>
-                                      <p:to>
-                                        <p:strVal val="visible"/>
-                                      </p:to>
-                                    </p:set>
-                                    <p:animEffect transition="in" filter="randombar(horizontal)">
-                                      <p:cBhvr>
-                                        <p:cTn id="7" dur="500"/>
-                                        <p:tgtEl>
-                                          <p:spTgt spid="9"/>
-                                        </p:tgtEl>
-                                      </p:cBhvr>
-                                    </p:animEffect>
-                                  </p:childTnLst>
-                                </p:cTn>
-                              </p:par>
-                              <p:par>
-                                <p:cTn id="8" presetID="6" presetClass="entr" presetSubtype="16" fill="hold" nodeType="withEffect">
-                                  <p:stCondLst>
-                                    <p:cond delay="0"/>
-                                  </p:stCondLst>
-                                  <p:childTnLst>
-                                    <p:set>
-                                      <p:cBhvr>
-                                        <p:cTn id="9" dur="1" fill="hold">
-                                          <p:stCondLst>
-                                            <p:cond delay="0"/>
-                                          </p:stCondLst>
-                                        </p:cTn>
-                                        <p:tgtEl>
-                                          <p:spTgt spid="5"/>
-                                        </p:tgtEl>
-                                        <p:attrNameLst>
-                                          <p:attrName>style.visibility</p:attrName>
-                                        </p:attrNameLst>
-                                      </p:cBhvr>
-                                      <p:to>
-                                        <p:strVal val="visible"/>
-                                      </p:to>
-                                    </p:set>
-                                    <p:animEffect transition="in" filter="circle(in)">
-                                      <p:cBhvr>
-                                        <p:cTn id="10" dur="2000"/>
-                                        <p:tgtEl>
-                                          <p:spTgt spid="5"/>
-                                        </p:tgtEl>
-                                      </p:cBhvr>
-                                    </p:animEffect>
-                                  </p:childTnLst>
-                                </p:cTn>
-                              </p:par>
-                            </p:childTnLst>
-                          </p:cTn>
-                        </p:par>
-                      </p:childTnLst>
-                    </p:cTn>
-                  </p:par>
-                </p:childTnLst>
-              </p:cTn>
-              <p:prevCondLst>
-                <p:cond evt="onPrev" delay="0">
-                  <p:tgtEl>
-                    <p:sldTgt/>
-                  </p:tgtEl>
-                </p:cond>
-              </p:prevCondLst>
-              <p:nextCondLst>
-                <p:cond evt="onNext" delay="0">
-                  <p:tgtEl>
-                    <p:sldTgt/>
-                  </p:tgtEl>
-                </p:cond>
-              </p:nextCondLst>
-            </p:seq>
-          </p:childTnLst>
-        </p:cTn>
-      </p:par>
-    </p:tnLst>
-    <p:bldLst>
-      <p:bldP spid="9" grpId="0" animBg="1"/>
     </p:bldLst>
   </p:timing>
 </p:sld>
